--- a/Dokumentacie/Ostatne/Poster/poster - Kopie.pptx
+++ b/Dokumentacie/Ostatne/Poster/poster - Kopie.pptx
@@ -3066,110 +3066,14 @@
       </p:grpSpPr>
       <p:sp>
         <p:nvSpPr>
-          <p:cNvPr id="76" name="Zaoblený obdĺžnik 75"/>
-          <p:cNvSpPr/>
-          <p:nvPr/>
-        </p:nvSpPr>
-        <p:spPr>
-          <a:xfrm rot="16200000">
-            <a:off x="4841256" y="5919367"/>
-            <a:ext cx="9793088" cy="8352928"/>
-          </a:xfrm>
-          <a:prstGeom prst="roundRect">
-            <a:avLst/>
-          </a:prstGeom>
-          <a:solidFill>
-            <a:schemeClr val="bg1">
-              <a:lumMod val="95000"/>
-            </a:schemeClr>
-          </a:solidFill>
-          <a:ln>
-            <a:noFill/>
-          </a:ln>
-        </p:spPr>
-        <p:style>
-          <a:lnRef idx="2">
-            <a:schemeClr val="accent1">
-              <a:shade val="50000"/>
-            </a:schemeClr>
-          </a:lnRef>
-          <a:fillRef idx="1">
-            <a:schemeClr val="accent1"/>
-          </a:fillRef>
-          <a:effectRef idx="0">
-            <a:schemeClr val="accent1"/>
-          </a:effectRef>
-          <a:fontRef idx="minor">
-            <a:schemeClr val="lt1"/>
-          </a:fontRef>
-        </p:style>
-        <p:txBody>
-          <a:bodyPr rtlCol="0" anchor="ctr"/>
-          <a:lstStyle/>
-          <a:p>
-            <a:pPr algn="ctr"/>
-            <a:endParaRPr lang="sk-SK"/>
-          </a:p>
-        </p:txBody>
-      </p:sp>
-      <p:sp>
-        <p:nvSpPr>
-          <p:cNvPr id="91" name="Obdĺžnik s rovnostranným zaobleným rohom 90"/>
-          <p:cNvSpPr/>
-          <p:nvPr/>
-        </p:nvSpPr>
-        <p:spPr>
-          <a:xfrm rot="16200000">
-            <a:off x="15578808" y="4470847"/>
-            <a:ext cx="13897544" cy="15498440"/>
-          </a:xfrm>
-          <a:prstGeom prst="round2SameRect">
-            <a:avLst/>
-          </a:prstGeom>
-          <a:solidFill>
-            <a:schemeClr val="bg1">
-              <a:lumMod val="95000"/>
-            </a:schemeClr>
-          </a:solidFill>
-          <a:ln>
-            <a:noFill/>
-          </a:ln>
-        </p:spPr>
-        <p:style>
-          <a:lnRef idx="2">
-            <a:schemeClr val="accent1">
-              <a:shade val="50000"/>
-            </a:schemeClr>
-          </a:lnRef>
-          <a:fillRef idx="1">
-            <a:schemeClr val="accent1"/>
-          </a:fillRef>
-          <a:effectRef idx="0">
-            <a:schemeClr val="accent1"/>
-          </a:effectRef>
-          <a:fontRef idx="minor">
-            <a:schemeClr val="lt1"/>
-          </a:fontRef>
-        </p:style>
-        <p:txBody>
-          <a:bodyPr rtlCol="0" anchor="ctr"/>
-          <a:lstStyle/>
-          <a:p>
-            <a:pPr algn="ctr"/>
-            <a:endParaRPr lang="sk-SK"/>
-          </a:p>
-        </p:txBody>
-      </p:sp>
-      <p:sp>
-        <p:nvSpPr>
           <p:cNvPr id="52" name="Obdĺžnik s rovnostranným zaobleným rohom 51"/>
           <p:cNvSpPr/>
           <p:nvPr/>
         </p:nvSpPr>
         <p:spPr>
           <a:xfrm rot="5400000" flipH="1">
-            <a:off x="5372956" y="31005795"/>
-            <a:ext cx="3528392" cy="14274304"/>
+            <a:off x="4373016" y="34309611"/>
+            <a:ext cx="2814012" cy="10429948"/>
           </a:xfrm>
           <a:prstGeom prst="round2SameRect">
             <a:avLst/>
@@ -3362,30 +3266,6 @@
           </a:p>
         </p:txBody>
       </p:sp>
-      <p:pic>
-        <p:nvPicPr>
-          <p:cNvPr id="8" name="Obrázok 7" descr="trolledit_logo.png"/>
-          <p:cNvPicPr>
-            <a:picLocks noChangeAspect="1"/>
-          </p:cNvPicPr>
-          <p:nvPr/>
-        </p:nvPicPr>
-        <p:blipFill>
-          <a:blip r:embed="rId2" cstate="print"/>
-          <a:stretch>
-            <a:fillRect/>
-          </a:stretch>
-        </p:blipFill>
-        <p:spPr>
-          <a:xfrm>
-            <a:off x="4553224" y="21905143"/>
-            <a:ext cx="20648527" cy="6624736"/>
-          </a:xfrm>
-          <a:prstGeom prst="rect">
-            <a:avLst/>
-          </a:prstGeom>
-        </p:spPr>
-      </p:pic>
       <p:sp>
         <p:nvSpPr>
           <p:cNvPr id="7" name="BlokTextu 6"/>
@@ -3431,7 +3311,7 @@
           <a:p>
             <a:pPr algn="ctr"/>
             <a:r>
-              <a:rPr lang="sk-SK" sz="8800" dirty="0" smtClean="0">
+              <a:rPr lang="en-US" sz="8800" smtClean="0">
                 <a:solidFill>
                   <a:schemeClr val="bg1"/>
                 </a:solidFill>
@@ -3445,27 +3325,10 @@
                 </a:effectLst>
                 <a:latin typeface="Square721 BT" pitchFamily="34" charset="0"/>
               </a:rPr>
-              <a:t>New </a:t>
-            </a:r>
-            <a:r>
-              <a:rPr lang="sk-SK" sz="8800" dirty="0" err="1" smtClean="0">
-                <a:solidFill>
-                  <a:schemeClr val="bg1"/>
-                </a:solidFill>
-                <a:effectLst>
-                  <a:outerShdw blurRad="38100" dist="38100" dir="2700000" algn="tl">
-                    <a:srgbClr val="000000">
-                      <a:alpha val="43137"/>
-                    </a:srgbClr>
-                  </a:outerShdw>
-                  <a:reflection blurRad="6350" stA="55000" endA="300" endPos="45500" dir="5400000" sy="-100000" algn="bl" rotWithShape="0"/>
-                </a:effectLst>
-                <a:latin typeface="Square721 BT" pitchFamily="34" charset="0"/>
-              </a:rPr>
-              <a:t>way</a:t>
-            </a:r>
-            <a:r>
-              <a:rPr lang="sk-SK" sz="8800" dirty="0" smtClean="0">
+              <a:t>Different approach</a:t>
+            </a:r>
+            <a:r>
+              <a:rPr lang="sk-SK" sz="8800" smtClean="0">
                 <a:solidFill>
                   <a:schemeClr val="bg1"/>
                 </a:solidFill>
@@ -3681,14 +3544,14 @@
           <p:nvPr/>
         </p:nvPicPr>
         <p:blipFill>
-          <a:blip r:embed="rId3" cstate="print"/>
+          <a:blip r:embed="rId2" cstate="print"/>
           <a:stretch>
             <a:fillRect/>
           </a:stretch>
         </p:blipFill>
         <p:spPr>
           <a:xfrm>
-            <a:off x="1096840" y="806799"/>
+            <a:off x="922238" y="469753"/>
             <a:ext cx="3787924" cy="2736304"/>
           </a:xfrm>
           <a:prstGeom prst="rect">
@@ -3740,7 +3603,7 @@
           <p:nvPr/>
         </p:nvPicPr>
         <p:blipFill>
-          <a:blip r:embed="rId4" cstate="print">
+          <a:blip r:embed="rId3" cstate="print">
             <a:grayscl/>
             <a:lum contrast="-40000"/>
           </a:blip>
@@ -3750,7 +3613,7 @@
         </p:blipFill>
         <p:spPr>
           <a:xfrm>
-            <a:off x="4985272" y="38466983"/>
+            <a:off x="5407444" y="39609991"/>
             <a:ext cx="1872208" cy="831615"/>
           </a:xfrm>
           <a:prstGeom prst="rect">
@@ -3767,7 +3630,7 @@
           <p:nvPr/>
         </p:nvPicPr>
         <p:blipFill>
-          <a:blip r:embed="rId5" cstate="print">
+          <a:blip r:embed="rId4" cstate="print">
             <a:grayscl/>
           </a:blip>
           <a:stretch>
@@ -3776,7 +3639,7 @@
         </p:blipFill>
         <p:spPr>
           <a:xfrm>
-            <a:off x="7577560" y="38250959"/>
+            <a:off x="7999732" y="39393967"/>
             <a:ext cx="2704685" cy="1080120"/>
           </a:xfrm>
           <a:prstGeom prst="rect">
@@ -3793,7 +3656,7 @@
           <p:nvPr/>
         </p:nvPicPr>
         <p:blipFill>
-          <a:blip r:embed="rId6" cstate="print"/>
+          <a:blip r:embed="rId5" cstate="print"/>
           <a:srcRect/>
           <a:stretch>
             <a:fillRect/>
@@ -3801,7 +3664,7 @@
         </p:blipFill>
         <p:spPr bwMode="auto">
           <a:xfrm>
-            <a:off x="2681016" y="37894022"/>
+            <a:off x="3246064" y="39037030"/>
             <a:ext cx="1615891" cy="1581073"/>
           </a:xfrm>
           <a:prstGeom prst="rect">
@@ -3819,7 +3682,7 @@
           <p:nvPr/>
         </p:nvPicPr>
         <p:blipFill>
-          <a:blip r:embed="rId7" cstate="print"/>
+          <a:blip r:embed="rId6" cstate="print"/>
           <a:srcRect/>
           <a:stretch>
             <a:fillRect/>
@@ -3827,7 +3690,7 @@
         </p:blipFill>
         <p:spPr bwMode="auto">
           <a:xfrm>
-            <a:off x="448768" y="37731745"/>
+            <a:off x="870940" y="38874753"/>
             <a:ext cx="1672904" cy="1848982"/>
           </a:xfrm>
           <a:prstGeom prst="rect">
@@ -3882,7 +3745,7 @@
         </p:nvSpPr>
         <p:spPr>
           <a:xfrm rot="16200000">
-            <a:off x="21843504" y="31689871"/>
+            <a:off x="21441854" y="32385629"/>
             <a:ext cx="7344816" cy="9521776"/>
           </a:xfrm>
           <a:prstGeom prst="round2SameRect">
@@ -3930,7 +3793,7 @@
         </p:nvSpPr>
         <p:spPr>
           <a:xfrm>
-            <a:off x="21979160" y="32850359"/>
+            <a:off x="21567820" y="33545547"/>
             <a:ext cx="2016224" cy="707886"/>
           </a:xfrm>
           <a:prstGeom prst="rect">
@@ -3985,14 +3848,14 @@
           <p:nvPr/>
         </p:nvPicPr>
         <p:blipFill>
-          <a:blip r:embed="rId8" cstate="print"/>
+          <a:blip r:embed="rId7" cstate="print"/>
           <a:stretch>
             <a:fillRect/>
           </a:stretch>
         </p:blipFill>
         <p:spPr>
           <a:xfrm>
-            <a:off x="24283416" y="38106943"/>
+            <a:off x="24283416" y="38802701"/>
             <a:ext cx="1491428" cy="1800000"/>
           </a:xfrm>
           <a:prstGeom prst="rect">
@@ -4009,7 +3872,7 @@
           <p:nvPr/>
         </p:nvPicPr>
         <p:blipFill>
-          <a:blip r:embed="rId9" cstate="print"/>
+          <a:blip r:embed="rId8" cstate="print"/>
           <a:srcRect r="20870"/>
           <a:stretch>
             <a:fillRect/>
@@ -4017,7 +3880,7 @@
         </p:blipFill>
         <p:spPr>
           <a:xfrm>
-            <a:off x="24499440" y="32850359"/>
+            <a:off x="24499440" y="33546117"/>
             <a:ext cx="2232248" cy="2490808"/>
           </a:xfrm>
           <a:prstGeom prst="rect">
@@ -4034,14 +3897,14 @@
           <p:nvPr/>
         </p:nvPicPr>
         <p:blipFill>
-          <a:blip r:embed="rId10" cstate="print"/>
+          <a:blip r:embed="rId9" cstate="print"/>
           <a:stretch>
             <a:fillRect/>
           </a:stretch>
         </p:blipFill>
         <p:spPr>
           <a:xfrm>
-            <a:off x="26803696" y="38106943"/>
+            <a:off x="26803696" y="38802701"/>
             <a:ext cx="1412572" cy="1800000"/>
           </a:xfrm>
           <a:prstGeom prst="rect">
@@ -4057,7 +3920,7 @@
         </p:nvCxnSpPr>
         <p:spPr>
           <a:xfrm>
-            <a:off x="21835144" y="35586663"/>
+            <a:off x="21835144" y="36282421"/>
             <a:ext cx="6912768" cy="0"/>
           </a:xfrm>
           <a:prstGeom prst="line">
@@ -4092,7 +3955,7 @@
         </p:nvCxnSpPr>
         <p:spPr>
           <a:xfrm>
-            <a:off x="27451768" y="35586663"/>
+            <a:off x="27451768" y="36282421"/>
             <a:ext cx="0" cy="2520280"/>
           </a:xfrm>
           <a:prstGeom prst="line">
@@ -4127,7 +3990,7 @@
         </p:nvCxnSpPr>
         <p:spPr>
           <a:xfrm>
-            <a:off x="24931488" y="35586663"/>
+            <a:off x="24931488" y="36282421"/>
             <a:ext cx="0" cy="2520280"/>
           </a:xfrm>
           <a:prstGeom prst="line">
@@ -4162,7 +4025,7 @@
         </p:nvCxnSpPr>
         <p:spPr>
           <a:xfrm>
-            <a:off x="28747912" y="35586663"/>
+            <a:off x="28747912" y="36282421"/>
             <a:ext cx="0" cy="504056"/>
           </a:xfrm>
           <a:prstGeom prst="line">
@@ -4198,14 +4061,14 @@
           <p:nvPr/>
         </p:nvPicPr>
         <p:blipFill>
-          <a:blip r:embed="rId11" cstate="print"/>
+          <a:blip r:embed="rId10" cstate="print"/>
           <a:stretch>
             <a:fillRect/>
           </a:stretch>
         </p:blipFill>
         <p:spPr>
           <a:xfrm>
-            <a:off x="28027832" y="35874695"/>
+            <a:off x="28027832" y="36570453"/>
             <a:ext cx="1570285" cy="1800000"/>
           </a:xfrm>
           <a:prstGeom prst="rect">
@@ -4221,7 +4084,7 @@
         </p:nvCxnSpPr>
         <p:spPr>
           <a:xfrm>
-            <a:off x="26299640" y="35586663"/>
+            <a:off x="26299640" y="36282421"/>
             <a:ext cx="0" cy="504056"/>
           </a:xfrm>
           <a:prstGeom prst="line">
@@ -4257,14 +4120,14 @@
           <p:nvPr/>
         </p:nvPicPr>
         <p:blipFill>
-          <a:blip r:embed="rId12" cstate="print"/>
+          <a:blip r:embed="rId11" cstate="print"/>
           <a:stretch>
             <a:fillRect/>
           </a:stretch>
         </p:blipFill>
         <p:spPr>
           <a:xfrm>
-            <a:off x="25579560" y="35874695"/>
+            <a:off x="25579560" y="36570453"/>
             <a:ext cx="1579375" cy="1800000"/>
           </a:xfrm>
           <a:prstGeom prst="rect">
@@ -4280,7 +4143,7 @@
         </p:nvCxnSpPr>
         <p:spPr>
           <a:xfrm>
-            <a:off x="23995384" y="35586663"/>
+            <a:off x="23995384" y="36282421"/>
             <a:ext cx="0" cy="504056"/>
           </a:xfrm>
           <a:prstGeom prst="line">
@@ -4316,7 +4179,7 @@
           <p:nvPr/>
         </p:nvPicPr>
         <p:blipFill>
-          <a:blip r:embed="rId13" cstate="print"/>
+          <a:blip r:embed="rId12" cstate="print"/>
           <a:srcRect r="31808"/>
           <a:stretch>
             <a:fillRect/>
@@ -4324,7 +4187,7 @@
         </p:blipFill>
         <p:spPr>
           <a:xfrm>
-            <a:off x="23275304" y="35874695"/>
+            <a:off x="23275304" y="36570453"/>
             <a:ext cx="1377094" cy="1800000"/>
           </a:xfrm>
           <a:prstGeom prst="rect">
@@ -4340,7 +4203,7 @@
         </p:nvCxnSpPr>
         <p:spPr>
           <a:xfrm>
-            <a:off x="21835144" y="35586663"/>
+            <a:off x="21835144" y="36282421"/>
             <a:ext cx="0" cy="504056"/>
           </a:xfrm>
           <a:prstGeom prst="line">
@@ -4376,7 +4239,7 @@
           <p:nvPr/>
         </p:nvPicPr>
         <p:blipFill>
-          <a:blip r:embed="rId14" cstate="print"/>
+          <a:blip r:embed="rId13" cstate="print"/>
           <a:srcRect r="23968"/>
           <a:stretch>
             <a:fillRect/>
@@ -4384,7 +4247,7 @@
         </p:blipFill>
         <p:spPr>
           <a:xfrm>
-            <a:off x="21187072" y="35874695"/>
+            <a:off x="21187072" y="36570453"/>
             <a:ext cx="1531685" cy="1800000"/>
           </a:xfrm>
           <a:prstGeom prst="rect">
@@ -4400,7 +4263,7 @@
         </p:nvSpPr>
         <p:spPr>
           <a:xfrm>
-            <a:off x="0" y="36738791"/>
+            <a:off x="1065114" y="38403331"/>
             <a:ext cx="5256584" cy="646331"/>
           </a:xfrm>
           <a:prstGeom prst="rect">
@@ -4424,19 +4287,7 @@
                   </a:outerShdw>
                 </a:effectLst>
               </a:rPr>
-              <a:t>   </a:t>
-            </a:r>
-            <a:r>
-              <a:rPr lang="sk-SK" sz="3600" b="1" dirty="0" smtClean="0">
-                <a:effectLst>
-                  <a:outerShdw blurRad="38100" dist="38100" dir="2700000" algn="tl">
-                    <a:srgbClr val="000000">
-                      <a:alpha val="43137"/>
-                    </a:srgbClr>
-                  </a:outerShdw>
-                </a:effectLst>
-              </a:rPr>
-              <a:t>    </a:t>
+              <a:t>       </a:t>
             </a:r>
             <a:r>
               <a:rPr lang="sk-SK" sz="3600" b="1" dirty="0" err="1" smtClean="0">
@@ -4515,7 +4366,7 @@
           <p:nvPr/>
         </p:nvPicPr>
         <p:blipFill>
-          <a:blip r:embed="rId15" cstate="print"/>
+          <a:blip r:embed="rId14" cstate="print"/>
           <a:stretch>
             <a:fillRect/>
           </a:stretch>
@@ -4532,30 +4383,6 @@
       </p:pic>
       <p:pic>
         <p:nvPicPr>
-          <p:cNvPr id="58" name="Obrázok 57" descr="Main1.tif"/>
-          <p:cNvPicPr>
-            <a:picLocks noChangeAspect="1"/>
-          </p:cNvPicPr>
-          <p:nvPr/>
-        </p:nvPicPr>
-        <p:blipFill>
-          <a:blip r:embed="rId16" cstate="print"/>
-          <a:stretch>
-            <a:fillRect/>
-          </a:stretch>
-        </p:blipFill>
-        <p:spPr>
-          <a:xfrm>
-            <a:off x="23724695" y="16807889"/>
-            <a:ext cx="3583057" cy="2113111"/>
-          </a:xfrm>
-          <a:prstGeom prst="rect">
-            <a:avLst/>
-          </a:prstGeom>
-        </p:spPr>
-      </p:pic>
-      <p:pic>
-        <p:nvPicPr>
           <p:cNvPr id="65" name="Obrázok 64" descr="Logo innovators.png"/>
           <p:cNvPicPr>
             <a:picLocks noChangeAspect="1"/>
@@ -4563,15 +4390,15 @@
           <p:nvPr/>
         </p:nvPicPr>
         <p:blipFill>
-          <a:blip r:embed="rId17" cstate="print"/>
+          <a:blip r:embed="rId15" cstate="print"/>
           <a:stretch>
             <a:fillRect/>
           </a:stretch>
         </p:blipFill>
         <p:spPr>
           <a:xfrm>
-            <a:off x="21331088" y="33786463"/>
-            <a:ext cx="2664296" cy="617210"/>
+            <a:off x="20353374" y="34188489"/>
+            <a:ext cx="4008871" cy="928694"/>
           </a:xfrm>
           <a:prstGeom prst="rect">
             <a:avLst/>
@@ -4586,8 +4413,8 @@
         </p:nvSpPr>
         <p:spPr>
           <a:xfrm>
-            <a:off x="448768" y="5271296"/>
-            <a:ext cx="4752528" cy="13491686"/>
+            <a:off x="350734" y="4756033"/>
+            <a:ext cx="29503894" cy="3779758"/>
           </a:xfrm>
           <a:prstGeom prst="roundRect">
             <a:avLst/>
@@ -4622,362 +4449,28 @@
           </a:bodyPr>
           <a:lstStyle/>
           <a:p>
-            <a:pPr algn="just"/>
-            <a:r>
-              <a:rPr lang="sk-SK" sz="4000" b="1" dirty="0" err="1" smtClean="0">
-                <a:effectLst>
-                  <a:outerShdw blurRad="38100" dist="38100" dir="2700000" algn="tl">
-                    <a:srgbClr val="000000">
-                      <a:alpha val="43137"/>
-                    </a:srgbClr>
-                  </a:outerShdw>
-                </a:effectLst>
-              </a:rPr>
-              <a:t>OverView</a:t>
-            </a:r>
-            <a:endParaRPr lang="sk-SK" sz="4000" b="1" dirty="0" smtClean="0">
-              <a:effectLst>
-                <a:outerShdw blurRad="38100" dist="38100" dir="2700000" algn="tl">
-                  <a:srgbClr val="000000">
-                    <a:alpha val="43137"/>
-                  </a:srgbClr>
-                </a:outerShdw>
-              </a:effectLst>
-            </a:endParaRPr>
-          </a:p>
-          <a:p>
-            <a:pPr algn="just"/>
-            <a:endParaRPr lang="sk-SK" sz="1400" b="1" dirty="0" smtClean="0">
-              <a:effectLst>
-                <a:outerShdw blurRad="38100" dist="38100" dir="2700000" algn="tl">
-                  <a:srgbClr val="000000">
-                    <a:alpha val="43137"/>
-                  </a:srgbClr>
-                </a:outerShdw>
-              </a:effectLst>
-            </a:endParaRPr>
-          </a:p>
-          <a:p>
-            <a:pPr algn="just"/>
-            <a:r>
-              <a:rPr lang="sk-SK" sz="2400" b="1" dirty="0" err="1" smtClean="0"/>
-              <a:t>Introduction</a:t>
-            </a:r>
-            <a:endParaRPr lang="sk-SK" sz="2400" b="1" dirty="0" smtClean="0"/>
-          </a:p>
-          <a:p>
-            <a:r>
-              <a:rPr lang="en-US" sz="2400" dirty="0" smtClean="0"/>
-              <a:t>Today  </a:t>
-            </a:r>
-            <a:r>
-              <a:rPr lang="en-US" sz="2400" dirty="0" smtClean="0"/>
-              <a:t>editors  usually  </a:t>
-            </a:r>
-            <a:r>
-              <a:rPr lang="en-US" sz="2400" dirty="0" smtClean="0"/>
-              <a:t>use  simple  color  highlighting  without  any sign of graphic enrichment features. However enriching the source code with graphic elements can be  beneficial  for  the  understanding  of  the  structure  of  given  code  and  thus  lead  to  better understanding  of  its  structure  and  meaning  for  the  programmer.  This  basic  observation  is  the </a:t>
-            </a:r>
-            <a:r>
-              <a:rPr lang="en-US" sz="2400" dirty="0" smtClean="0"/>
-              <a:t>driving </a:t>
-            </a:r>
-            <a:r>
-              <a:rPr lang="en-US" sz="2400" dirty="0" smtClean="0"/>
-              <a:t>idea behind TrollEdit</a:t>
-            </a:r>
-            <a:r>
-              <a:rPr lang="en-US" sz="2400" dirty="0" smtClean="0"/>
-              <a:t>.</a:t>
-            </a:r>
-            <a:endParaRPr lang="sk-SK" sz="2400" dirty="0" smtClean="0"/>
-          </a:p>
-          <a:p>
-            <a:pPr algn="just"/>
-            <a:endParaRPr lang="sk-SK" sz="2400" dirty="0" smtClean="0"/>
-          </a:p>
-          <a:p>
-            <a:pPr algn="just"/>
-            <a:r>
-              <a:rPr lang="sk-SK" sz="2400" b="1" dirty="0" err="1" smtClean="0"/>
-              <a:t>Aproach</a:t>
-            </a:r>
-            <a:r>
-              <a:rPr lang="sk-SK" sz="2400" b="1" dirty="0" smtClean="0"/>
-              <a:t> </a:t>
-            </a:r>
-          </a:p>
-          <a:p>
-            <a:r>
-              <a:rPr lang="sk-SK" sz="2400" dirty="0" smtClean="0"/>
-              <a:t>Ako sa </a:t>
-            </a:r>
-            <a:r>
-              <a:rPr lang="sk-SK" sz="2400" dirty="0" err="1" smtClean="0"/>
-              <a:t>vytvara</a:t>
-            </a:r>
-            <a:r>
-              <a:rPr lang="sk-SK" sz="2400" dirty="0" smtClean="0"/>
-              <a:t> </a:t>
-            </a:r>
-            <a:r>
-              <a:rPr lang="sk-SK" sz="2400" dirty="0" err="1" smtClean="0"/>
-              <a:t>gramitka</a:t>
-            </a:r>
-            <a:r>
-              <a:rPr lang="sk-SK" sz="2400" dirty="0" smtClean="0"/>
-              <a:t>, že je to </a:t>
-            </a:r>
-            <a:r>
-              <a:rPr lang="sk-SK" sz="2400" dirty="0" err="1" smtClean="0"/>
-              <a:t>postavne</a:t>
-            </a:r>
-            <a:r>
-              <a:rPr lang="sk-SK" sz="2400" dirty="0" smtClean="0"/>
-              <a:t> na PG </a:t>
-            </a:r>
-            <a:r>
-              <a:rPr lang="sk-SK" sz="2400" dirty="0" err="1" smtClean="0"/>
-              <a:t>bezkontextovych</a:t>
-            </a:r>
-            <a:r>
-              <a:rPr lang="sk-SK" sz="2400" dirty="0" smtClean="0"/>
-              <a:t> </a:t>
-            </a:r>
-            <a:r>
-              <a:rPr lang="sk-SK" sz="2400" dirty="0" err="1" smtClean="0"/>
-              <a:t>gramatikach</a:t>
-            </a:r>
-            <a:r>
-              <a:rPr lang="sk-SK" sz="2400" dirty="0" smtClean="0"/>
-              <a:t> z </a:t>
-            </a:r>
-            <a:r>
-              <a:rPr lang="sk-SK" sz="2400" dirty="0" err="1" smtClean="0"/>
-              <a:t>kotrých</a:t>
-            </a:r>
-            <a:r>
-              <a:rPr lang="sk-SK" sz="2400" dirty="0" smtClean="0"/>
-              <a:t> je </a:t>
-            </a:r>
-            <a:r>
-              <a:rPr lang="sk-SK" sz="2400" dirty="0" err="1" smtClean="0"/>
-              <a:t>vytvarani</a:t>
-            </a:r>
-            <a:r>
-              <a:rPr lang="sk-SK" sz="2400" dirty="0" smtClean="0"/>
-              <a:t> AST strom, </a:t>
-            </a:r>
-            <a:r>
-              <a:rPr lang="sk-SK" sz="2400" dirty="0" err="1" smtClean="0"/>
-              <a:t>ktory</a:t>
-            </a:r>
-            <a:r>
-              <a:rPr lang="sk-SK" sz="2400" dirty="0" smtClean="0"/>
-              <a:t> </a:t>
-            </a:r>
-            <a:r>
-              <a:rPr lang="sk-SK" sz="2400" dirty="0" err="1" smtClean="0"/>
-              <a:t>nam</a:t>
-            </a:r>
-            <a:r>
-              <a:rPr lang="sk-SK" sz="2400" dirty="0" smtClean="0"/>
-              <a:t> </a:t>
-            </a:r>
-            <a:r>
-              <a:rPr lang="sk-SK" sz="2400" dirty="0" err="1" smtClean="0"/>
-              <a:t>umožnuje</a:t>
-            </a:r>
-            <a:r>
-              <a:rPr lang="sk-SK" sz="2400" dirty="0" smtClean="0"/>
-              <a:t> </a:t>
-            </a:r>
-            <a:r>
-              <a:rPr lang="sk-SK" sz="2400" dirty="0" err="1" smtClean="0"/>
-              <a:t>repezentaciu</a:t>
-            </a:r>
-            <a:r>
-              <a:rPr lang="sk-SK" sz="2400" dirty="0" smtClean="0"/>
-              <a:t> textu formou blokov. </a:t>
-            </a:r>
-            <a:r>
-              <a:rPr lang="en-US" sz="2400" dirty="0" smtClean="0"/>
-              <a:t>  </a:t>
-            </a:r>
-            <a:endParaRPr lang="sk-SK" sz="2400" dirty="0" smtClean="0"/>
-          </a:p>
-          <a:p>
-            <a:pPr algn="just"/>
-            <a:endParaRPr lang="sk-SK" sz="2400" dirty="0" smtClean="0"/>
-          </a:p>
-          <a:p>
-            <a:pPr algn="just"/>
-            <a:r>
-              <a:rPr lang="sk-SK" sz="2400" b="1" dirty="0" err="1" smtClean="0"/>
-              <a:t>Application</a:t>
-            </a:r>
-            <a:endParaRPr lang="sk-SK" sz="2400" b="1" dirty="0" smtClean="0"/>
-          </a:p>
-          <a:p>
-            <a:r>
-              <a:rPr lang="sk-SK" sz="2400" dirty="0" err="1" smtClean="0"/>
-              <a:t>Trolledit</a:t>
-            </a:r>
-            <a:r>
-              <a:rPr lang="sk-SK" sz="2400" dirty="0" smtClean="0"/>
-              <a:t> </a:t>
-            </a:r>
-            <a:r>
-              <a:rPr lang="sk-SK" sz="2400" dirty="0" err="1" smtClean="0"/>
-              <a:t>is</a:t>
-            </a:r>
-            <a:r>
-              <a:rPr lang="sk-SK" sz="2400" dirty="0" smtClean="0"/>
-              <a:t> </a:t>
-            </a:r>
-            <a:r>
-              <a:rPr lang="sk-SK" sz="2400" dirty="0" err="1" smtClean="0"/>
-              <a:t>an</a:t>
-            </a:r>
-            <a:r>
-              <a:rPr lang="sk-SK" sz="2400" dirty="0" smtClean="0"/>
-              <a:t> </a:t>
-            </a:r>
-            <a:r>
-              <a:rPr lang="sk-SK" sz="2400" dirty="0" err="1" smtClean="0"/>
-              <a:t>experimental</a:t>
-            </a:r>
-            <a:r>
-              <a:rPr lang="sk-SK" sz="2400" dirty="0" smtClean="0"/>
-              <a:t> </a:t>
-            </a:r>
-            <a:r>
-              <a:rPr lang="sk-SK" sz="2400" dirty="0" err="1" smtClean="0"/>
-              <a:t>applicaton</a:t>
-            </a:r>
-            <a:r>
-              <a:rPr lang="sk-SK" sz="2400" dirty="0" smtClean="0"/>
-              <a:t>  </a:t>
-            </a:r>
-            <a:r>
-              <a:rPr lang="sk-SK" sz="2400" dirty="0" err="1" smtClean="0"/>
-              <a:t>based</a:t>
-            </a:r>
-            <a:r>
-              <a:rPr lang="sk-SK" sz="2400" dirty="0" smtClean="0"/>
-              <a:t> on </a:t>
-            </a:r>
-            <a:r>
-              <a:rPr lang="en-US" sz="2400" dirty="0" smtClean="0"/>
-              <a:t>multiplatform</a:t>
-            </a:r>
-            <a:r>
-              <a:rPr lang="sk-SK" sz="2400" dirty="0" smtClean="0"/>
-              <a:t> </a:t>
-            </a:r>
-            <a:r>
-              <a:rPr lang="sk-SK" sz="2400" dirty="0" err="1" smtClean="0"/>
-              <a:t>f</a:t>
-            </a:r>
-            <a:r>
-              <a:rPr lang="sk-SK" sz="2400" dirty="0" err="1" smtClean="0"/>
-              <a:t>ramework</a:t>
-            </a:r>
-            <a:r>
-              <a:rPr lang="sk-SK" sz="2400" dirty="0" smtClean="0"/>
-              <a:t> </a:t>
-            </a:r>
-            <a:r>
-              <a:rPr lang="sk-SK" sz="2400" dirty="0" err="1" smtClean="0"/>
-              <a:t>Qt</a:t>
-            </a:r>
-            <a:r>
-              <a:rPr lang="sk-SK" sz="2400" dirty="0" smtClean="0"/>
-              <a:t>. </a:t>
-            </a:r>
-            <a:r>
-              <a:rPr lang="sk-SK" sz="2400" dirty="0" err="1" smtClean="0"/>
-              <a:t>For</a:t>
-            </a:r>
-            <a:r>
-              <a:rPr lang="sk-SK" sz="2400" dirty="0" smtClean="0"/>
-              <a:t> </a:t>
-            </a:r>
-            <a:r>
-              <a:rPr lang="sk-SK" sz="2400" dirty="0" err="1" smtClean="0"/>
-              <a:t>parse</a:t>
-            </a:r>
-            <a:r>
-              <a:rPr lang="sk-SK" sz="2400" dirty="0" smtClean="0"/>
-              <a:t> </a:t>
-            </a:r>
-            <a:r>
-              <a:rPr lang="sk-SK" sz="2400" dirty="0" err="1" smtClean="0"/>
-              <a:t>source</a:t>
-            </a:r>
-            <a:r>
-              <a:rPr lang="sk-SK" sz="2400" dirty="0" smtClean="0"/>
-              <a:t> </a:t>
-            </a:r>
-            <a:r>
-              <a:rPr lang="sk-SK" sz="2400" dirty="0" err="1" smtClean="0"/>
-              <a:t>code</a:t>
-            </a:r>
-            <a:r>
-              <a:rPr lang="sk-SK" sz="2400" dirty="0" smtClean="0"/>
-              <a:t> and </a:t>
-            </a:r>
-            <a:r>
-              <a:rPr lang="sk-SK" sz="2400" dirty="0" err="1" smtClean="0"/>
-              <a:t>creating</a:t>
-            </a:r>
-            <a:r>
-              <a:rPr lang="sk-SK" sz="2400" dirty="0" smtClean="0"/>
-              <a:t> AST </a:t>
-            </a:r>
-            <a:r>
-              <a:rPr lang="sk-SK" sz="2400" dirty="0" err="1" smtClean="0"/>
-              <a:t>we</a:t>
-            </a:r>
-            <a:r>
-              <a:rPr lang="sk-SK" sz="2400" dirty="0" smtClean="0"/>
-              <a:t> </a:t>
-            </a:r>
-            <a:r>
-              <a:rPr lang="sk-SK" sz="2400" dirty="0" err="1" smtClean="0"/>
-              <a:t>usesing</a:t>
-            </a:r>
-            <a:r>
-              <a:rPr lang="sk-SK" sz="2400" dirty="0" smtClean="0"/>
-              <a:t> </a:t>
-            </a:r>
-            <a:r>
-              <a:rPr lang="sk-SK" sz="2400" dirty="0" err="1" smtClean="0"/>
-              <a:t>simple</a:t>
-            </a:r>
-            <a:r>
-              <a:rPr lang="sk-SK" sz="2400" dirty="0" smtClean="0"/>
-              <a:t> a </a:t>
-            </a:r>
-            <a:r>
-              <a:rPr lang="sk-SK" sz="2400" dirty="0" err="1" smtClean="0"/>
-              <a:t>scripting</a:t>
-            </a:r>
-            <a:r>
-              <a:rPr lang="sk-SK" sz="2400" dirty="0" smtClean="0"/>
-              <a:t> </a:t>
-            </a:r>
-            <a:r>
-              <a:rPr lang="sk-SK" sz="2400" dirty="0" err="1" smtClean="0"/>
-              <a:t>language</a:t>
-            </a:r>
-            <a:r>
-              <a:rPr lang="sk-SK" sz="2400" dirty="0" smtClean="0"/>
-              <a:t> LUA.</a:t>
-            </a:r>
-          </a:p>
-          <a:p>
-            <a:endParaRPr lang="sk-SK" sz="2400" b="1" dirty="0" smtClean="0"/>
+            <a:endParaRPr lang="en-US" sz="2400" b="1" smtClean="0"/>
+          </a:p>
+          <a:p>
+            <a:endParaRPr lang="en-US" sz="2400" b="1" smtClean="0"/>
+          </a:p>
+          <a:p>
+            <a:endParaRPr lang="en-US" sz="2400" b="1" smtClean="0"/>
+          </a:p>
+          <a:p>
+            <a:endParaRPr lang="en-US" sz="2400" b="1" smtClean="0"/>
+          </a:p>
+          <a:p>
+            <a:endParaRPr lang="en-US" sz="2400" b="1" smtClean="0"/>
+          </a:p>
+          <a:p>
+            <a:endParaRPr lang="en-US" sz="2400" b="1" smtClean="0"/>
+          </a:p>
+          <a:p>
+            <a:endParaRPr lang="en-US" sz="2400" b="1" smtClean="0"/>
+          </a:p>
+          <a:p>
+            <a:endParaRPr lang="en-US" sz="2400" b="1" smtClean="0"/>
           </a:p>
           <a:p>
             <a:endParaRPr lang="sk-SK" sz="2400" b="1" dirty="0" smtClean="0"/>
@@ -4986,1027 +4479,1948 @@
       </p:sp>
       <p:pic>
         <p:nvPicPr>
-          <p:cNvPr id="2" name="Picture 2"/>
+          <p:cNvPr id="95" name="Obrázok 94" descr="trollEdit-start_page.png"/>
           <p:cNvPicPr>
-            <a:picLocks noChangeAspect="1" noChangeArrowheads="1"/>
+            <a:picLocks noChangeAspect="1"/>
           </p:cNvPicPr>
           <p:nvPr/>
         </p:nvPicPr>
         <p:blipFill>
-          <a:blip r:embed="rId18" cstate="print"/>
-          <a:srcRect/>
+          <a:blip r:embed="rId16" cstate="print">
+            <a:duotone>
+              <a:schemeClr val="bg2">
+                <a:shade val="45000"/>
+                <a:satMod val="135000"/>
+              </a:schemeClr>
+              <a:prstClr val="white"/>
+            </a:duotone>
+          </a:blip>
           <a:stretch>
             <a:fillRect/>
           </a:stretch>
         </p:blipFill>
-        <p:spPr bwMode="auto">
-          <a:xfrm>
-            <a:off x="6641456" y="7719567"/>
-            <a:ext cx="6480720" cy="4536504"/>
+        <p:spPr>
+          <a:xfrm rot="2024312">
+            <a:off x="20906691" y="19927133"/>
+            <a:ext cx="2434486" cy="929985"/>
           </a:xfrm>
           <a:prstGeom prst="rect">
             <a:avLst/>
           </a:prstGeom>
-          <a:noFill/>
-          <a:ln w="9525">
-            <a:noFill/>
-            <a:miter lim="800000"/>
-            <a:headEnd/>
-            <a:tailEnd/>
-          </a:ln>
         </p:spPr>
       </p:pic>
-      <p:sp>
-        <p:nvSpPr>
-          <p:cNvPr id="74" name="BlokTextu 73"/>
-          <p:cNvSpPr txBox="1"/>
-          <p:nvPr/>
-        </p:nvSpPr>
-        <p:spPr>
-          <a:xfrm>
-            <a:off x="5633344" y="5631335"/>
-            <a:ext cx="8568952" cy="1569660"/>
-          </a:xfrm>
-          <a:prstGeom prst="rect">
-            <a:avLst/>
-          </a:prstGeom>
-          <a:noFill/>
-        </p:spPr>
-        <p:txBody>
-          <a:bodyPr wrap="square" rtlCol="0">
-            <a:spAutoFit/>
-          </a:bodyPr>
-          <a:lstStyle/>
-          <a:p>
-            <a:pPr algn="ctr"/>
-            <a:r>
-              <a:rPr lang="en-US" sz="4800" b="1" dirty="0" smtClean="0">
-                <a:latin typeface="Arial" pitchFamily="34" charset="0"/>
-                <a:cs typeface="Arial" pitchFamily="34" charset="0"/>
-              </a:rPr>
-              <a:t>How to see source code </a:t>
-            </a:r>
-            <a:endParaRPr lang="sk-SK" sz="4800" b="1" dirty="0" smtClean="0">
-              <a:latin typeface="Arial" pitchFamily="34" charset="0"/>
-              <a:cs typeface="Arial" pitchFamily="34" charset="0"/>
-            </a:endParaRPr>
-          </a:p>
-          <a:p>
-            <a:pPr algn="ctr"/>
-            <a:r>
-              <a:rPr lang="en-US" sz="4800" b="1" dirty="0" smtClean="0">
-                <a:latin typeface="Arial" pitchFamily="34" charset="0"/>
-                <a:cs typeface="Arial" pitchFamily="34" charset="0"/>
-              </a:rPr>
-              <a:t>classical </a:t>
-            </a:r>
-            <a:r>
-              <a:rPr lang="sk-SK" sz="4800" b="1" dirty="0" smtClean="0">
-                <a:latin typeface="Arial" pitchFamily="34" charset="0"/>
-                <a:cs typeface="Arial" pitchFamily="34" charset="0"/>
-              </a:rPr>
-              <a:t>a </a:t>
-            </a:r>
-            <a:r>
-              <a:rPr lang="en-US" sz="4800" b="1" dirty="0" smtClean="0">
-                <a:latin typeface="Arial" pitchFamily="34" charset="0"/>
-                <a:cs typeface="Arial" pitchFamily="34" charset="0"/>
-              </a:rPr>
-              <a:t>text </a:t>
-            </a:r>
-            <a:r>
-              <a:rPr lang="en-US" sz="4800" b="1" dirty="0" smtClean="0">
-                <a:latin typeface="Arial" pitchFamily="34" charset="0"/>
-                <a:cs typeface="Arial" pitchFamily="34" charset="0"/>
-              </a:rPr>
-              <a:t>editor</a:t>
-            </a:r>
-            <a:endParaRPr lang="sk-SK" sz="4800" b="1" dirty="0">
-              <a:latin typeface="Arial" pitchFamily="34" charset="0"/>
-              <a:cs typeface="Arial" pitchFamily="34" charset="0"/>
-            </a:endParaRPr>
-          </a:p>
-        </p:txBody>
-      </p:sp>
-      <p:sp>
-        <p:nvSpPr>
-          <p:cNvPr id="77" name="BlokTextu 76"/>
-          <p:cNvSpPr txBox="1"/>
-          <p:nvPr/>
-        </p:nvSpPr>
-        <p:spPr>
-          <a:xfrm>
-            <a:off x="6713464" y="12616111"/>
-            <a:ext cx="6696744" cy="1015663"/>
-          </a:xfrm>
-          <a:prstGeom prst="rect">
-            <a:avLst/>
-          </a:prstGeom>
-          <a:noFill/>
-        </p:spPr>
-        <p:txBody>
-          <a:bodyPr wrap="square" rtlCol="0">
-            <a:spAutoFit/>
-          </a:bodyPr>
-          <a:lstStyle/>
-          <a:p>
-            <a:r>
-              <a:rPr lang="sk-SK" sz="6000" dirty="0" smtClean="0">
-                <a:solidFill>
-                  <a:schemeClr val="bg1">
-                    <a:lumMod val="50000"/>
-                  </a:schemeClr>
-                </a:solidFill>
-                <a:latin typeface="Buxton Sketch" pitchFamily="66" charset="0"/>
-                <a:cs typeface="Aharoni" pitchFamily="2" charset="-79"/>
-              </a:rPr>
-              <a:t>W</a:t>
-            </a:r>
-            <a:r>
-              <a:rPr lang="en-US" sz="6000" dirty="0" smtClean="0">
-                <a:solidFill>
-                  <a:schemeClr val="bg1">
-                    <a:lumMod val="50000"/>
-                  </a:schemeClr>
-                </a:solidFill>
-                <a:latin typeface="Buxton Sketch" pitchFamily="66" charset="0"/>
-                <a:cs typeface="Aharoni" pitchFamily="2" charset="-79"/>
-              </a:rPr>
-              <a:t>e </a:t>
-            </a:r>
-            <a:r>
-              <a:rPr lang="en-US" sz="6000" dirty="0" smtClean="0">
-                <a:solidFill>
-                  <a:schemeClr val="bg1">
-                    <a:lumMod val="50000"/>
-                  </a:schemeClr>
-                </a:solidFill>
-                <a:latin typeface="Buxton Sketch" pitchFamily="66" charset="0"/>
-                <a:cs typeface="Aharoni" pitchFamily="2" charset="-79"/>
-              </a:rPr>
-              <a:t>can this see </a:t>
-            </a:r>
-            <a:r>
-              <a:rPr lang="en-US" sz="6000" dirty="0" smtClean="0">
-                <a:solidFill>
-                  <a:schemeClr val="bg1">
-                    <a:lumMod val="50000"/>
-                  </a:schemeClr>
-                </a:solidFill>
-                <a:latin typeface="Buxton Sketch" pitchFamily="66" charset="0"/>
-                <a:cs typeface="Aharoni" pitchFamily="2" charset="-79"/>
-              </a:rPr>
-              <a:t>better</a:t>
-            </a:r>
-            <a:r>
-              <a:rPr lang="sk-SK" sz="6000" dirty="0" smtClean="0">
-                <a:solidFill>
-                  <a:schemeClr val="bg1">
-                    <a:lumMod val="50000"/>
-                  </a:schemeClr>
-                </a:solidFill>
-                <a:latin typeface="Buxton Sketch" pitchFamily="66" charset="0"/>
-                <a:cs typeface="Aharoni" pitchFamily="2" charset="-79"/>
-              </a:rPr>
-              <a:t>?</a:t>
-            </a:r>
-          </a:p>
-        </p:txBody>
-      </p:sp>
-      <p:sp>
-        <p:nvSpPr>
-          <p:cNvPr id="79" name="BlokTextu 78"/>
-          <p:cNvSpPr txBox="1"/>
-          <p:nvPr/>
-        </p:nvSpPr>
-        <p:spPr>
-          <a:xfrm rot="228282">
-            <a:off x="23382188" y="8438989"/>
-            <a:ext cx="6696744" cy="6186309"/>
-          </a:xfrm>
-          <a:prstGeom prst="rect">
-            <a:avLst/>
-          </a:prstGeom>
-          <a:noFill/>
-        </p:spPr>
-        <p:txBody>
-          <a:bodyPr wrap="square" rtlCol="0">
-            <a:spAutoFit/>
-          </a:bodyPr>
-          <a:lstStyle/>
-          <a:p>
-            <a:pPr>
-              <a:buFont typeface="Arial" pitchFamily="34" charset="0"/>
-              <a:buChar char="•"/>
-            </a:pPr>
-            <a:r>
-              <a:rPr lang="sk-SK" sz="3600" dirty="0" err="1" smtClean="0">
-                <a:solidFill>
-                  <a:schemeClr val="bg1">
-                    <a:lumMod val="50000"/>
-                  </a:schemeClr>
-                </a:solidFill>
-                <a:latin typeface="Buxton Sketch" pitchFamily="66" charset="0"/>
-                <a:cs typeface="Aharoni" pitchFamily="2" charset="-79"/>
-              </a:rPr>
-              <a:t>Simple</a:t>
-            </a:r>
-            <a:r>
-              <a:rPr lang="sk-SK" sz="3600" dirty="0" smtClean="0">
-                <a:solidFill>
-                  <a:schemeClr val="bg1">
-                    <a:lumMod val="50000"/>
-                  </a:schemeClr>
-                </a:solidFill>
-                <a:latin typeface="Buxton Sketch" pitchFamily="66" charset="0"/>
-                <a:cs typeface="Aharoni" pitchFamily="2" charset="-79"/>
-              </a:rPr>
-              <a:t> a </a:t>
-            </a:r>
-            <a:r>
-              <a:rPr lang="sk-SK" sz="3600" dirty="0" err="1" smtClean="0">
-                <a:solidFill>
-                  <a:schemeClr val="bg1">
-                    <a:lumMod val="50000"/>
-                  </a:schemeClr>
-                </a:solidFill>
-                <a:latin typeface="Buxton Sketch" pitchFamily="66" charset="0"/>
-                <a:cs typeface="Aharoni" pitchFamily="2" charset="-79"/>
-              </a:rPr>
-              <a:t>easy</a:t>
-            </a:r>
-            <a:r>
-              <a:rPr lang="sk-SK" sz="3600" dirty="0" smtClean="0">
-                <a:solidFill>
-                  <a:schemeClr val="bg1">
-                    <a:lumMod val="50000"/>
-                  </a:schemeClr>
-                </a:solidFill>
-                <a:latin typeface="Buxton Sketch" pitchFamily="66" charset="0"/>
-                <a:cs typeface="Aharoni" pitchFamily="2" charset="-79"/>
-              </a:rPr>
-              <a:t>  </a:t>
-            </a:r>
-            <a:r>
-              <a:rPr lang="sk-SK" sz="3600" dirty="0" err="1" smtClean="0">
-                <a:solidFill>
-                  <a:schemeClr val="bg1">
-                    <a:lumMod val="50000"/>
-                  </a:schemeClr>
-                </a:solidFill>
-                <a:latin typeface="Buxton Sketch" pitchFamily="66" charset="0"/>
-                <a:cs typeface="Aharoni" pitchFamily="2" charset="-79"/>
-              </a:rPr>
-              <a:t>using</a:t>
-            </a:r>
-            <a:endParaRPr lang="sk-SK" sz="3600" dirty="0" smtClean="0">
-              <a:solidFill>
-                <a:schemeClr val="bg1">
-                  <a:lumMod val="50000"/>
-                </a:schemeClr>
-              </a:solidFill>
-              <a:latin typeface="Buxton Sketch" pitchFamily="66" charset="0"/>
-              <a:cs typeface="Aharoni" pitchFamily="2" charset="-79"/>
-            </a:endParaRPr>
-          </a:p>
-          <a:p>
-            <a:pPr>
-              <a:buFont typeface="Arial" pitchFamily="34" charset="0"/>
-              <a:buChar char="•"/>
-            </a:pPr>
-            <a:endParaRPr lang="sk-SK" sz="3600" dirty="0" smtClean="0">
-              <a:solidFill>
-                <a:schemeClr val="bg1">
-                  <a:lumMod val="50000"/>
-                </a:schemeClr>
-              </a:solidFill>
-              <a:latin typeface="Buxton Sketch" pitchFamily="66" charset="0"/>
-              <a:cs typeface="Aharoni" pitchFamily="2" charset="-79"/>
-            </a:endParaRPr>
-          </a:p>
-          <a:p>
-            <a:pPr>
-              <a:buFont typeface="Arial" pitchFamily="34" charset="0"/>
-              <a:buChar char="•"/>
-            </a:pPr>
-            <a:r>
-              <a:rPr lang="sk-SK" sz="3600" dirty="0" smtClean="0">
-                <a:solidFill>
-                  <a:schemeClr val="bg1">
-                    <a:lumMod val="50000"/>
-                  </a:schemeClr>
-                </a:solidFill>
-                <a:latin typeface="Buxton Sketch" pitchFamily="66" charset="0"/>
-                <a:cs typeface="Aharoni" pitchFamily="2" charset="-79"/>
-              </a:rPr>
-              <a:t> </a:t>
-            </a:r>
-            <a:r>
-              <a:rPr lang="sk-SK" sz="3600" dirty="0" err="1" smtClean="0">
-                <a:solidFill>
-                  <a:schemeClr val="bg1">
-                    <a:lumMod val="50000"/>
-                  </a:schemeClr>
-                </a:solidFill>
-                <a:latin typeface="Buxton Sketch" pitchFamily="66" charset="0"/>
-                <a:cs typeface="Aharoni" pitchFamily="2" charset="-79"/>
-              </a:rPr>
-              <a:t>Code</a:t>
-            </a:r>
-            <a:r>
-              <a:rPr lang="sk-SK" sz="3600" dirty="0" smtClean="0">
-                <a:solidFill>
-                  <a:schemeClr val="bg1">
-                    <a:lumMod val="50000"/>
-                  </a:schemeClr>
-                </a:solidFill>
-                <a:latin typeface="Buxton Sketch" pitchFamily="66" charset="0"/>
-                <a:cs typeface="Aharoni" pitchFamily="2" charset="-79"/>
-              </a:rPr>
-              <a:t> </a:t>
-            </a:r>
-            <a:r>
-              <a:rPr lang="sk-SK" sz="3600" dirty="0" err="1" smtClean="0">
-                <a:solidFill>
-                  <a:schemeClr val="bg1">
-                    <a:lumMod val="50000"/>
-                  </a:schemeClr>
-                </a:solidFill>
-                <a:latin typeface="Buxton Sketch" pitchFamily="66" charset="0"/>
-                <a:cs typeface="Aharoni" pitchFamily="2" charset="-79"/>
-              </a:rPr>
-              <a:t>structure</a:t>
-            </a:r>
-            <a:r>
-              <a:rPr lang="sk-SK" sz="3600" dirty="0" smtClean="0">
-                <a:solidFill>
-                  <a:schemeClr val="bg1">
-                    <a:lumMod val="50000"/>
-                  </a:schemeClr>
-                </a:solidFill>
-                <a:latin typeface="Buxton Sketch" pitchFamily="66" charset="0"/>
-                <a:cs typeface="Aharoni" pitchFamily="2" charset="-79"/>
-              </a:rPr>
-              <a:t> </a:t>
-            </a:r>
-            <a:r>
-              <a:rPr lang="sk-SK" sz="3600" dirty="0" err="1" smtClean="0">
-                <a:solidFill>
-                  <a:schemeClr val="bg1">
-                    <a:lumMod val="50000"/>
-                  </a:schemeClr>
-                </a:solidFill>
-                <a:latin typeface="Buxton Sketch" pitchFamily="66" charset="0"/>
-                <a:cs typeface="Aharoni" pitchFamily="2" charset="-79"/>
-              </a:rPr>
-              <a:t>visualizazion</a:t>
-            </a:r>
-            <a:r>
-              <a:rPr lang="sk-SK" sz="3600" dirty="0" smtClean="0">
-                <a:solidFill>
-                  <a:schemeClr val="bg1">
-                    <a:lumMod val="50000"/>
-                  </a:schemeClr>
-                </a:solidFill>
-                <a:latin typeface="Buxton Sketch" pitchFamily="66" charset="0"/>
-                <a:cs typeface="Aharoni" pitchFamily="2" charset="-79"/>
-              </a:rPr>
-              <a:t> </a:t>
-            </a:r>
-            <a:r>
-              <a:rPr lang="sk-SK" sz="3600" dirty="0" err="1" smtClean="0">
-                <a:solidFill>
-                  <a:schemeClr val="bg1">
-                    <a:lumMod val="50000"/>
-                  </a:schemeClr>
-                </a:solidFill>
-                <a:latin typeface="Buxton Sketch" pitchFamily="66" charset="0"/>
-                <a:cs typeface="Aharoni" pitchFamily="2" charset="-79"/>
-              </a:rPr>
-              <a:t>as</a:t>
-            </a:r>
-            <a:r>
-              <a:rPr lang="sk-SK" sz="3600" dirty="0" smtClean="0">
-                <a:solidFill>
-                  <a:schemeClr val="bg1">
-                    <a:lumMod val="50000"/>
-                  </a:schemeClr>
-                </a:solidFill>
-                <a:latin typeface="Buxton Sketch" pitchFamily="66" charset="0"/>
-                <a:cs typeface="Aharoni" pitchFamily="2" charset="-79"/>
-              </a:rPr>
-              <a:t> </a:t>
-            </a:r>
-            <a:r>
-              <a:rPr lang="sk-SK" sz="3600" dirty="0" err="1" smtClean="0">
-                <a:solidFill>
-                  <a:schemeClr val="bg1">
-                    <a:lumMod val="50000"/>
-                  </a:schemeClr>
-                </a:solidFill>
-                <a:latin typeface="Buxton Sketch" pitchFamily="66" charset="0"/>
-                <a:cs typeface="Aharoni" pitchFamily="2" charset="-79"/>
-              </a:rPr>
-              <a:t>blocks</a:t>
-            </a:r>
-            <a:endParaRPr lang="sk-SK" sz="3600" dirty="0" smtClean="0">
-              <a:solidFill>
-                <a:schemeClr val="bg1">
-                  <a:lumMod val="50000"/>
-                </a:schemeClr>
-              </a:solidFill>
-              <a:latin typeface="Buxton Sketch" pitchFamily="66" charset="0"/>
-              <a:cs typeface="Aharoni" pitchFamily="2" charset="-79"/>
-            </a:endParaRPr>
-          </a:p>
-          <a:p>
-            <a:pPr>
-              <a:buFont typeface="Arial" pitchFamily="34" charset="0"/>
-              <a:buChar char="•"/>
-            </a:pPr>
-            <a:endParaRPr lang="sk-SK" sz="3600" dirty="0" smtClean="0">
-              <a:solidFill>
-                <a:schemeClr val="bg1">
-                  <a:lumMod val="50000"/>
-                </a:schemeClr>
-              </a:solidFill>
-              <a:latin typeface="Buxton Sketch" pitchFamily="66" charset="0"/>
-              <a:cs typeface="Aharoni" pitchFamily="2" charset="-79"/>
-            </a:endParaRPr>
-          </a:p>
-          <a:p>
-            <a:pPr>
-              <a:buFont typeface="Arial" pitchFamily="34" charset="0"/>
-              <a:buChar char="•"/>
-            </a:pPr>
-            <a:r>
-              <a:rPr lang="sk-SK" sz="3600" dirty="0" smtClean="0">
-                <a:solidFill>
-                  <a:schemeClr val="bg1">
-                    <a:lumMod val="50000"/>
-                  </a:schemeClr>
-                </a:solidFill>
-                <a:latin typeface="Buxton Sketch" pitchFamily="66" charset="0"/>
-                <a:cs typeface="Aharoni" pitchFamily="2" charset="-79"/>
-              </a:rPr>
-              <a:t> More  </a:t>
-            </a:r>
-            <a:r>
-              <a:rPr lang="sk-SK" sz="3600" dirty="0" err="1" smtClean="0">
-                <a:solidFill>
-                  <a:schemeClr val="bg1">
-                    <a:lumMod val="50000"/>
-                  </a:schemeClr>
-                </a:solidFill>
-                <a:latin typeface="Buxton Sketch" pitchFamily="66" charset="0"/>
-                <a:cs typeface="Aharoni" pitchFamily="2" charset="-79"/>
-              </a:rPr>
-              <a:t>opened</a:t>
-            </a:r>
-            <a:r>
-              <a:rPr lang="sk-SK" sz="3600" dirty="0" smtClean="0">
-                <a:solidFill>
-                  <a:schemeClr val="bg1">
-                    <a:lumMod val="50000"/>
-                  </a:schemeClr>
-                </a:solidFill>
-                <a:latin typeface="Buxton Sketch" pitchFamily="66" charset="0"/>
-                <a:cs typeface="Aharoni" pitchFamily="2" charset="-79"/>
-              </a:rPr>
-              <a:t>  </a:t>
-            </a:r>
-            <a:r>
-              <a:rPr lang="sk-SK" sz="3600" dirty="0" err="1" smtClean="0">
-                <a:solidFill>
-                  <a:schemeClr val="bg1">
-                    <a:lumMod val="50000"/>
-                  </a:schemeClr>
-                </a:solidFill>
-                <a:latin typeface="Buxton Sketch" pitchFamily="66" charset="0"/>
-                <a:cs typeface="Aharoni" pitchFamily="2" charset="-79"/>
-              </a:rPr>
-              <a:t>files</a:t>
-            </a:r>
-            <a:r>
-              <a:rPr lang="sk-SK" sz="3600" dirty="0" smtClean="0">
-                <a:solidFill>
-                  <a:schemeClr val="bg1">
-                    <a:lumMod val="50000"/>
-                  </a:schemeClr>
-                </a:solidFill>
-                <a:latin typeface="Buxton Sketch" pitchFamily="66" charset="0"/>
-                <a:cs typeface="Aharoni" pitchFamily="2" charset="-79"/>
-              </a:rPr>
-              <a:t> in a </a:t>
-            </a:r>
-            <a:r>
-              <a:rPr lang="sk-SK" sz="3600" dirty="0" err="1" smtClean="0">
-                <a:solidFill>
-                  <a:schemeClr val="bg1">
-                    <a:lumMod val="50000"/>
-                  </a:schemeClr>
-                </a:solidFill>
-                <a:latin typeface="Buxton Sketch" pitchFamily="66" charset="0"/>
-                <a:cs typeface="Aharoni" pitchFamily="2" charset="-79"/>
-              </a:rPr>
-              <a:t>workspace</a:t>
-            </a:r>
-            <a:r>
-              <a:rPr lang="sk-SK" sz="3600" dirty="0" smtClean="0">
-                <a:solidFill>
-                  <a:schemeClr val="bg1">
-                    <a:lumMod val="50000"/>
-                  </a:schemeClr>
-                </a:solidFill>
-                <a:latin typeface="Buxton Sketch" pitchFamily="66" charset="0"/>
-                <a:cs typeface="Aharoni" pitchFamily="2" charset="-79"/>
-              </a:rPr>
-              <a:t> </a:t>
-            </a:r>
-          </a:p>
-          <a:p>
-            <a:pPr>
-              <a:buFont typeface="Arial" pitchFamily="34" charset="0"/>
-              <a:buChar char="•"/>
-            </a:pPr>
-            <a:endParaRPr lang="sk-SK" sz="3600" dirty="0" smtClean="0">
-              <a:solidFill>
-                <a:schemeClr val="bg1">
-                  <a:lumMod val="50000"/>
-                </a:schemeClr>
-              </a:solidFill>
-              <a:latin typeface="Buxton Sketch" pitchFamily="66" charset="0"/>
-              <a:cs typeface="Aharoni" pitchFamily="2" charset="-79"/>
-            </a:endParaRPr>
-          </a:p>
-          <a:p>
-            <a:pPr>
-              <a:buFont typeface="Arial" pitchFamily="34" charset="0"/>
-              <a:buChar char="•"/>
-            </a:pPr>
-            <a:r>
-              <a:rPr lang="sk-SK" sz="3600" dirty="0" smtClean="0">
-                <a:solidFill>
-                  <a:schemeClr val="bg1">
-                    <a:lumMod val="50000"/>
-                  </a:schemeClr>
-                </a:solidFill>
-                <a:latin typeface="Buxton Sketch" pitchFamily="66" charset="0"/>
-                <a:cs typeface="Aharoni" pitchFamily="2" charset="-79"/>
-              </a:rPr>
-              <a:t> </a:t>
-            </a:r>
-            <a:r>
-              <a:rPr lang="sk-SK" sz="3600" dirty="0" err="1" smtClean="0">
-                <a:solidFill>
-                  <a:schemeClr val="bg1">
-                    <a:lumMod val="50000"/>
-                  </a:schemeClr>
-                </a:solidFill>
-                <a:latin typeface="Buxton Sketch" pitchFamily="66" charset="0"/>
-                <a:cs typeface="Aharoni" pitchFamily="2" charset="-79"/>
-              </a:rPr>
-              <a:t>Selection</a:t>
-            </a:r>
-            <a:r>
-              <a:rPr lang="sk-SK" sz="3600" dirty="0" smtClean="0">
-                <a:solidFill>
-                  <a:schemeClr val="bg1">
-                    <a:lumMod val="50000"/>
-                  </a:schemeClr>
-                </a:solidFill>
-                <a:latin typeface="Buxton Sketch" pitchFamily="66" charset="0"/>
-                <a:cs typeface="Aharoni" pitchFamily="2" charset="-79"/>
-              </a:rPr>
-              <a:t>  and </a:t>
-            </a:r>
-            <a:r>
-              <a:rPr lang="sk-SK" sz="3600" dirty="0" err="1" smtClean="0">
-                <a:solidFill>
-                  <a:schemeClr val="bg1">
-                    <a:lumMod val="50000"/>
-                  </a:schemeClr>
-                </a:solidFill>
-                <a:latin typeface="Buxton Sketch" pitchFamily="66" charset="0"/>
-                <a:cs typeface="Aharoni" pitchFamily="2" charset="-79"/>
-              </a:rPr>
-              <a:t>movement</a:t>
-            </a:r>
-            <a:r>
-              <a:rPr lang="sk-SK" sz="3600" dirty="0" smtClean="0">
-                <a:solidFill>
-                  <a:schemeClr val="bg1">
-                    <a:lumMod val="50000"/>
-                  </a:schemeClr>
-                </a:solidFill>
-                <a:latin typeface="Buxton Sketch" pitchFamily="66" charset="0"/>
-                <a:cs typeface="Aharoni" pitchFamily="2" charset="-79"/>
-              </a:rPr>
-              <a:t>  </a:t>
-            </a:r>
-            <a:r>
-              <a:rPr lang="sk-SK" sz="3600" dirty="0" err="1" smtClean="0">
-                <a:solidFill>
-                  <a:schemeClr val="bg1">
-                    <a:lumMod val="50000"/>
-                  </a:schemeClr>
-                </a:solidFill>
-                <a:latin typeface="Buxton Sketch" pitchFamily="66" charset="0"/>
-                <a:cs typeface="Aharoni" pitchFamily="2" charset="-79"/>
-              </a:rPr>
-              <a:t>files</a:t>
-            </a:r>
-            <a:r>
-              <a:rPr lang="sk-SK" sz="3600" dirty="0" smtClean="0">
-                <a:solidFill>
-                  <a:schemeClr val="bg1">
-                    <a:lumMod val="50000"/>
-                  </a:schemeClr>
-                </a:solidFill>
-                <a:latin typeface="Buxton Sketch" pitchFamily="66" charset="0"/>
-                <a:cs typeface="Aharoni" pitchFamily="2" charset="-79"/>
-              </a:rPr>
-              <a:t> </a:t>
-            </a:r>
-            <a:r>
-              <a:rPr lang="sk-SK" sz="3600" dirty="0" err="1" smtClean="0">
-                <a:solidFill>
-                  <a:schemeClr val="bg1">
-                    <a:lumMod val="50000"/>
-                  </a:schemeClr>
-                </a:solidFill>
-                <a:latin typeface="Buxton Sketch" pitchFamily="66" charset="0"/>
-                <a:cs typeface="Aharoni" pitchFamily="2" charset="-79"/>
-              </a:rPr>
-              <a:t>after</a:t>
-            </a:r>
-            <a:r>
-              <a:rPr lang="sk-SK" sz="3600" dirty="0" smtClean="0">
-                <a:solidFill>
-                  <a:schemeClr val="bg1">
-                    <a:lumMod val="50000"/>
-                  </a:schemeClr>
-                </a:solidFill>
-                <a:latin typeface="Buxton Sketch" pitchFamily="66" charset="0"/>
-                <a:cs typeface="Aharoni" pitchFamily="2" charset="-79"/>
-              </a:rPr>
-              <a:t> a          </a:t>
-            </a:r>
-            <a:r>
-              <a:rPr lang="sk-SK" sz="3600" dirty="0" err="1" smtClean="0">
-                <a:solidFill>
-                  <a:schemeClr val="bg1">
-                    <a:lumMod val="50000"/>
-                  </a:schemeClr>
-                </a:solidFill>
-                <a:latin typeface="Buxton Sketch" pitchFamily="66" charset="0"/>
-                <a:cs typeface="Aharoni" pitchFamily="2" charset="-79"/>
-              </a:rPr>
-              <a:t>workspace</a:t>
-            </a:r>
-            <a:r>
-              <a:rPr lang="sk-SK" sz="3600" dirty="0" smtClean="0">
-                <a:solidFill>
-                  <a:schemeClr val="bg1">
-                    <a:lumMod val="50000"/>
-                  </a:schemeClr>
-                </a:solidFill>
-                <a:latin typeface="Buxton Sketch" pitchFamily="66" charset="0"/>
-                <a:cs typeface="Aharoni" pitchFamily="2" charset="-79"/>
-              </a:rPr>
-              <a:t>  </a:t>
-            </a:r>
-          </a:p>
-          <a:p>
-            <a:pPr>
-              <a:buFont typeface="Arial" pitchFamily="34" charset="0"/>
-              <a:buChar char="•"/>
-            </a:pPr>
-            <a:endParaRPr lang="sk-SK" sz="3600" dirty="0" smtClean="0">
-              <a:solidFill>
-                <a:schemeClr val="bg1">
-                  <a:lumMod val="50000"/>
-                </a:schemeClr>
-              </a:solidFill>
-              <a:latin typeface="Buxton Sketch" pitchFamily="66" charset="0"/>
-              <a:cs typeface="Aharoni" pitchFamily="2" charset="-79"/>
-            </a:endParaRPr>
-          </a:p>
-          <a:p>
-            <a:pPr>
-              <a:buFont typeface="Arial" pitchFamily="34" charset="0"/>
-              <a:buChar char="•"/>
-            </a:pPr>
-            <a:r>
-              <a:rPr lang="sk-SK" sz="3600" dirty="0" smtClean="0">
-                <a:solidFill>
-                  <a:schemeClr val="bg1">
-                    <a:lumMod val="50000"/>
-                  </a:schemeClr>
-                </a:solidFill>
-                <a:latin typeface="Buxton Sketch" pitchFamily="66" charset="0"/>
-                <a:cs typeface="Aharoni" pitchFamily="2" charset="-79"/>
-              </a:rPr>
-              <a:t> </a:t>
-            </a:r>
-            <a:r>
-              <a:rPr lang="sk-SK" sz="3600" dirty="0" err="1" smtClean="0">
-                <a:solidFill>
-                  <a:schemeClr val="bg1">
-                    <a:lumMod val="50000"/>
-                  </a:schemeClr>
-                </a:solidFill>
-                <a:latin typeface="Buxton Sketch" pitchFamily="66" charset="0"/>
-                <a:cs typeface="Aharoni" pitchFamily="2" charset="-79"/>
-              </a:rPr>
-              <a:t>Insert</a:t>
-            </a:r>
-            <a:r>
-              <a:rPr lang="sk-SK" sz="3600" dirty="0" smtClean="0">
-                <a:solidFill>
-                  <a:schemeClr val="bg1">
-                    <a:lumMod val="50000"/>
-                  </a:schemeClr>
-                </a:solidFill>
-                <a:latin typeface="Buxton Sketch" pitchFamily="66" charset="0"/>
-                <a:cs typeface="Aharoni" pitchFamily="2" charset="-79"/>
-              </a:rPr>
-              <a:t>  </a:t>
-            </a:r>
-            <a:r>
-              <a:rPr lang="sk-SK" sz="3600" dirty="0" err="1" smtClean="0">
-                <a:solidFill>
-                  <a:schemeClr val="bg1">
-                    <a:lumMod val="50000"/>
-                  </a:schemeClr>
-                </a:solidFill>
-                <a:latin typeface="Buxton Sketch" pitchFamily="66" charset="0"/>
-                <a:cs typeface="Aharoni" pitchFamily="2" charset="-79"/>
-              </a:rPr>
-              <a:t>files</a:t>
-            </a:r>
-            <a:r>
-              <a:rPr lang="sk-SK" sz="3600" dirty="0" smtClean="0">
-                <a:solidFill>
-                  <a:schemeClr val="bg1">
-                    <a:lumMod val="50000"/>
-                  </a:schemeClr>
-                </a:solidFill>
-                <a:latin typeface="Buxton Sketch" pitchFamily="66" charset="0"/>
-                <a:cs typeface="Aharoni" pitchFamily="2" charset="-79"/>
-              </a:rPr>
-              <a:t> (</a:t>
-            </a:r>
-            <a:r>
-              <a:rPr lang="sk-SK" sz="3600" dirty="0" err="1" smtClean="0">
-                <a:solidFill>
-                  <a:schemeClr val="bg1">
-                    <a:lumMod val="50000"/>
-                  </a:schemeClr>
-                </a:solidFill>
-                <a:latin typeface="Buxton Sketch" pitchFamily="66" charset="0"/>
-                <a:cs typeface="Aharoni" pitchFamily="2" charset="-79"/>
-              </a:rPr>
-              <a:t>Img</a:t>
-            </a:r>
-            <a:r>
-              <a:rPr lang="sk-SK" sz="3600" dirty="0" smtClean="0">
-                <a:solidFill>
-                  <a:schemeClr val="bg1">
-                    <a:lumMod val="50000"/>
-                  </a:schemeClr>
-                </a:solidFill>
-                <a:latin typeface="Buxton Sketch" pitchFamily="66" charset="0"/>
-                <a:cs typeface="Aharoni" pitchFamily="2" charset="-79"/>
-              </a:rPr>
-              <a:t>. </a:t>
-            </a:r>
-            <a:r>
-              <a:rPr lang="sk-SK" sz="3600" dirty="0" err="1" smtClean="0">
-                <a:solidFill>
-                  <a:schemeClr val="bg1">
-                    <a:lumMod val="50000"/>
-                  </a:schemeClr>
-                </a:solidFill>
-                <a:latin typeface="Buxton Sketch" pitchFamily="66" charset="0"/>
-                <a:cs typeface="Aharoni" pitchFamily="2" charset="-79"/>
-              </a:rPr>
-              <a:t>Link</a:t>
-            </a:r>
-            <a:r>
-              <a:rPr lang="sk-SK" sz="3600" dirty="0" smtClean="0">
-                <a:solidFill>
-                  <a:schemeClr val="bg1">
-                    <a:lumMod val="50000"/>
-                  </a:schemeClr>
-                </a:solidFill>
-                <a:latin typeface="Buxton Sketch" pitchFamily="66" charset="0"/>
-                <a:cs typeface="Aharoni" pitchFamily="2" charset="-79"/>
-              </a:rPr>
-              <a:t>, </a:t>
-            </a:r>
-            <a:r>
-              <a:rPr lang="sk-SK" sz="3600" dirty="0" err="1" smtClean="0">
-                <a:solidFill>
-                  <a:schemeClr val="bg1">
-                    <a:lumMod val="50000"/>
-                  </a:schemeClr>
-                </a:solidFill>
-                <a:latin typeface="Buxton Sketch" pitchFamily="66" charset="0"/>
-                <a:cs typeface="Aharoni" pitchFamily="2" charset="-79"/>
-              </a:rPr>
-              <a:t>etc</a:t>
-            </a:r>
-            <a:r>
-              <a:rPr lang="sk-SK" sz="3600" dirty="0" smtClean="0">
-                <a:solidFill>
-                  <a:schemeClr val="bg1">
-                    <a:lumMod val="50000"/>
-                  </a:schemeClr>
-                </a:solidFill>
-                <a:latin typeface="Buxton Sketch" pitchFamily="66" charset="0"/>
-                <a:cs typeface="Aharoni" pitchFamily="2" charset="-79"/>
-              </a:rPr>
-              <a:t>.) </a:t>
-            </a:r>
-            <a:r>
-              <a:rPr lang="sk-SK" sz="3600" dirty="0" err="1" smtClean="0">
-                <a:solidFill>
-                  <a:schemeClr val="bg1">
-                    <a:lumMod val="50000"/>
-                  </a:schemeClr>
-                </a:solidFill>
-                <a:latin typeface="Buxton Sketch" pitchFamily="66" charset="0"/>
-                <a:cs typeface="Aharoni" pitchFamily="2" charset="-79"/>
-              </a:rPr>
-              <a:t>into</a:t>
-            </a:r>
-            <a:r>
-              <a:rPr lang="sk-SK" sz="3600" dirty="0" smtClean="0">
-                <a:solidFill>
-                  <a:schemeClr val="bg1">
-                    <a:lumMod val="50000"/>
-                  </a:schemeClr>
-                </a:solidFill>
-                <a:latin typeface="Buxton Sketch" pitchFamily="66" charset="0"/>
-                <a:cs typeface="Aharoni" pitchFamily="2" charset="-79"/>
-              </a:rPr>
-              <a:t> </a:t>
-            </a:r>
-            <a:r>
-              <a:rPr lang="sk-SK" sz="3600" dirty="0" err="1" smtClean="0">
-                <a:solidFill>
-                  <a:schemeClr val="bg1">
-                    <a:lumMod val="50000"/>
-                  </a:schemeClr>
-                </a:solidFill>
-                <a:latin typeface="Buxton Sketch" pitchFamily="66" charset="0"/>
-                <a:cs typeface="Aharoni" pitchFamily="2" charset="-79"/>
-              </a:rPr>
-              <a:t>code</a:t>
-            </a:r>
-            <a:r>
-              <a:rPr lang="sk-SK" sz="3600" dirty="0" smtClean="0">
-                <a:solidFill>
-                  <a:schemeClr val="bg1">
-                    <a:lumMod val="50000"/>
-                  </a:schemeClr>
-                </a:solidFill>
-                <a:latin typeface="Buxton Sketch" pitchFamily="66" charset="0"/>
-                <a:cs typeface="Aharoni" pitchFamily="2" charset="-79"/>
-              </a:rPr>
-              <a:t> </a:t>
-            </a:r>
-          </a:p>
-          <a:p>
-            <a:endParaRPr lang="sk-SK" sz="3600" dirty="0" smtClean="0">
-              <a:solidFill>
-                <a:schemeClr val="bg1">
-                  <a:lumMod val="50000"/>
-                </a:schemeClr>
-              </a:solidFill>
-              <a:latin typeface="Buxton Sketch" pitchFamily="66" charset="0"/>
-              <a:cs typeface="Aharoni" pitchFamily="2" charset="-79"/>
-            </a:endParaRPr>
-          </a:p>
-        </p:txBody>
-      </p:sp>
-      <p:sp>
-        <p:nvSpPr>
-          <p:cNvPr id="90" name="BlokTextu 89"/>
-          <p:cNvSpPr txBox="1"/>
-          <p:nvPr/>
-        </p:nvSpPr>
-        <p:spPr>
-          <a:xfrm>
-            <a:off x="15210408" y="5487319"/>
-            <a:ext cx="8568952" cy="1569660"/>
-          </a:xfrm>
-          <a:prstGeom prst="rect">
-            <a:avLst/>
-          </a:prstGeom>
-          <a:noFill/>
-        </p:spPr>
-        <p:txBody>
-          <a:bodyPr wrap="square" rtlCol="0">
-            <a:spAutoFit/>
-          </a:bodyPr>
-          <a:lstStyle/>
-          <a:p>
-            <a:pPr algn="ctr"/>
-            <a:r>
-              <a:rPr lang="en-US" sz="4800" b="1" dirty="0" smtClean="0">
-                <a:latin typeface="Arial" pitchFamily="34" charset="0"/>
-                <a:cs typeface="Arial" pitchFamily="34" charset="0"/>
-              </a:rPr>
-              <a:t>How to see source code </a:t>
-            </a:r>
-            <a:endParaRPr lang="sk-SK" sz="4800" b="1" dirty="0" smtClean="0">
-              <a:latin typeface="Arial" pitchFamily="34" charset="0"/>
-              <a:cs typeface="Arial" pitchFamily="34" charset="0"/>
-            </a:endParaRPr>
-          </a:p>
-          <a:p>
-            <a:pPr algn="ctr"/>
-            <a:r>
-              <a:rPr lang="sk-SK" sz="4800" b="1" dirty="0" smtClean="0">
-                <a:latin typeface="Arial" pitchFamily="34" charset="0"/>
-                <a:cs typeface="Arial" pitchFamily="34" charset="0"/>
-              </a:rPr>
-              <a:t>TrollEdit</a:t>
-            </a:r>
-            <a:endParaRPr lang="sk-SK" sz="4800" b="1" dirty="0">
-              <a:latin typeface="Arial" pitchFamily="34" charset="0"/>
-              <a:cs typeface="Arial" pitchFamily="34" charset="0"/>
-            </a:endParaRPr>
-          </a:p>
-        </p:txBody>
-      </p:sp>
       <p:grpSp>
         <p:nvGrpSpPr>
-          <p:cNvPr id="93" name="Skupina 92"/>
+          <p:cNvPr id="78" name="Skupina 77"/>
           <p:cNvGrpSpPr/>
           <p:nvPr/>
         </p:nvGrpSpPr>
         <p:grpSpPr>
           <a:xfrm>
-            <a:off x="15354424" y="7359527"/>
-            <a:ext cx="7704856" cy="6480720"/>
-            <a:chOff x="15714464" y="7431535"/>
-            <a:chExt cx="7704856" cy="6480720"/>
+            <a:off x="565048" y="9113751"/>
+            <a:ext cx="8640390" cy="13573220"/>
+            <a:chOff x="5494270" y="3827339"/>
+            <a:chExt cx="8640390" cy="13573220"/>
           </a:xfrm>
         </p:grpSpPr>
+        <p:sp>
+          <p:nvSpPr>
+            <p:cNvPr id="76" name="Zaoblený obdĺžnik 75"/>
+            <p:cNvSpPr/>
+            <p:nvPr/>
+          </p:nvSpPr>
+          <p:spPr>
+            <a:xfrm rot="16200000">
+              <a:off x="2884124" y="6437485"/>
+              <a:ext cx="13573220" cy="8352928"/>
+            </a:xfrm>
+            <a:prstGeom prst="roundRect">
+              <a:avLst/>
+            </a:prstGeom>
+            <a:solidFill>
+              <a:schemeClr val="bg1">
+                <a:lumMod val="95000"/>
+              </a:schemeClr>
+            </a:solidFill>
+            <a:ln>
+              <a:noFill/>
+            </a:ln>
+          </p:spPr>
+          <p:style>
+            <a:lnRef idx="2">
+              <a:schemeClr val="accent1">
+                <a:shade val="50000"/>
+              </a:schemeClr>
+            </a:lnRef>
+            <a:fillRef idx="1">
+              <a:schemeClr val="accent1"/>
+            </a:fillRef>
+            <a:effectRef idx="0">
+              <a:schemeClr val="accent1"/>
+            </a:effectRef>
+            <a:fontRef idx="minor">
+              <a:schemeClr val="lt1"/>
+            </a:fontRef>
+          </p:style>
+          <p:txBody>
+            <a:bodyPr rtlCol="0" anchor="ctr"/>
+            <a:lstStyle/>
+            <a:p>
+              <a:pPr algn="ctr"/>
+              <a:endParaRPr lang="sk-SK"/>
+            </a:p>
+          </p:txBody>
+        </p:sp>
         <p:pic>
           <p:nvPicPr>
-            <p:cNvPr id="64" name="Obrázok 63" descr="Main_window.tif"/>
+            <p:cNvPr id="2" name="Picture 2"/>
+            <p:cNvPicPr>
+              <a:picLocks noChangeAspect="1" noChangeArrowheads="1"/>
+            </p:cNvPicPr>
+            <p:nvPr/>
+          </p:nvPicPr>
+          <p:blipFill>
+            <a:blip r:embed="rId17" cstate="print"/>
+            <a:srcRect/>
+            <a:stretch>
+              <a:fillRect/>
+            </a:stretch>
+          </p:blipFill>
+          <p:spPr bwMode="auto">
+            <a:xfrm>
+              <a:off x="5855832" y="7241737"/>
+              <a:ext cx="7643866" cy="5350706"/>
+            </a:xfrm>
+            <a:prstGeom prst="rect">
+              <a:avLst/>
+            </a:prstGeom>
+            <a:noFill/>
+            <a:ln w="9525">
+              <a:noFill/>
+              <a:miter lim="800000"/>
+              <a:headEnd/>
+              <a:tailEnd/>
+            </a:ln>
+          </p:spPr>
+        </p:pic>
+        <p:sp>
+          <p:nvSpPr>
+            <p:cNvPr id="74" name="BlokTextu 73"/>
+            <p:cNvSpPr txBox="1"/>
+            <p:nvPr/>
+          </p:nvSpPr>
+          <p:spPr>
+            <a:xfrm>
+              <a:off x="5565708" y="4184529"/>
+              <a:ext cx="8568952" cy="1569660"/>
+            </a:xfrm>
+            <a:prstGeom prst="rect">
+              <a:avLst/>
+            </a:prstGeom>
+            <a:noFill/>
+          </p:spPr>
+          <p:txBody>
+            <a:bodyPr wrap="square" rtlCol="0">
+              <a:spAutoFit/>
+            </a:bodyPr>
+            <a:lstStyle/>
+            <a:p>
+              <a:pPr algn="ctr"/>
+              <a:r>
+                <a:rPr lang="en-US" sz="4800" b="1" smtClean="0">
+                  <a:latin typeface="Arial" pitchFamily="34" charset="0"/>
+                  <a:cs typeface="Arial" pitchFamily="34" charset="0"/>
+                </a:rPr>
+                <a:t>How </a:t>
+              </a:r>
+              <a:r>
+                <a:rPr lang="en-US" sz="4800" b="1" smtClean="0">
+                  <a:latin typeface="Arial" pitchFamily="34" charset="0"/>
+                  <a:cs typeface="Arial" pitchFamily="34" charset="0"/>
+                </a:rPr>
+                <a:t>classic</a:t>
+              </a:r>
+              <a:r>
+                <a:rPr lang="sk-SK" sz="4800" b="1" smtClean="0">
+                  <a:latin typeface="Arial" pitchFamily="34" charset="0"/>
+                  <a:cs typeface="Arial" pitchFamily="34" charset="0"/>
+                </a:rPr>
+                <a:t> </a:t>
+              </a:r>
+              <a:r>
+                <a:rPr lang="en-US" sz="4800" b="1" smtClean="0">
+                  <a:latin typeface="Arial" pitchFamily="34" charset="0"/>
+                  <a:cs typeface="Arial" pitchFamily="34" charset="0"/>
+                </a:rPr>
+                <a:t>text </a:t>
+              </a:r>
+              <a:r>
+                <a:rPr lang="en-US" sz="4800" b="1" smtClean="0">
+                  <a:latin typeface="Arial" pitchFamily="34" charset="0"/>
+                  <a:cs typeface="Arial" pitchFamily="34" charset="0"/>
+                </a:rPr>
+                <a:t>editor </a:t>
+              </a:r>
+            </a:p>
+            <a:p>
+              <a:pPr algn="ctr"/>
+              <a:r>
+                <a:rPr lang="en-US" sz="4800" b="1" smtClean="0">
+                  <a:latin typeface="Arial" pitchFamily="34" charset="0"/>
+                  <a:cs typeface="Arial" pitchFamily="34" charset="0"/>
+                </a:rPr>
+                <a:t>see your code</a:t>
+              </a:r>
+              <a:endParaRPr lang="sk-SK" sz="4800" b="1" dirty="0">
+                <a:latin typeface="Arial" pitchFamily="34" charset="0"/>
+                <a:cs typeface="Arial" pitchFamily="34" charset="0"/>
+              </a:endParaRPr>
+            </a:p>
+          </p:txBody>
+        </p:sp>
+        <p:sp>
+          <p:nvSpPr>
+            <p:cNvPr id="77" name="BlokTextu 76"/>
+            <p:cNvSpPr txBox="1"/>
+            <p:nvPr/>
+          </p:nvSpPr>
+          <p:spPr>
+            <a:xfrm>
+              <a:off x="6208650" y="14828791"/>
+              <a:ext cx="6696744" cy="1015663"/>
+            </a:xfrm>
+            <a:prstGeom prst="rect">
+              <a:avLst/>
+            </a:prstGeom>
+            <a:noFill/>
+          </p:spPr>
+          <p:txBody>
+            <a:bodyPr wrap="square" rtlCol="0">
+              <a:spAutoFit/>
+            </a:bodyPr>
+            <a:lstStyle/>
+            <a:p>
+              <a:r>
+                <a:rPr lang="en-US" sz="6000" smtClean="0">
+                  <a:solidFill>
+                    <a:schemeClr val="tx1">
+                      <a:lumMod val="75000"/>
+                      <a:lumOff val="25000"/>
+                    </a:schemeClr>
+                  </a:solidFill>
+                  <a:latin typeface="Buxton Sketch" pitchFamily="66" charset="0"/>
+                  <a:cs typeface="Aharoni" pitchFamily="2" charset="-79"/>
+                </a:rPr>
+                <a:t>Can we see this better</a:t>
+              </a:r>
+              <a:r>
+                <a:rPr lang="sk-SK" sz="6000" dirty="0" smtClean="0">
+                  <a:solidFill>
+                    <a:schemeClr val="tx1">
+                      <a:lumMod val="75000"/>
+                      <a:lumOff val="25000"/>
+                    </a:schemeClr>
+                  </a:solidFill>
+                  <a:latin typeface="Buxton Sketch" pitchFamily="66" charset="0"/>
+                  <a:cs typeface="Aharoni" pitchFamily="2" charset="-79"/>
+                </a:rPr>
+                <a:t>?</a:t>
+              </a:r>
+            </a:p>
+          </p:txBody>
+        </p:sp>
+        <p:sp>
+          <p:nvSpPr>
+            <p:cNvPr id="103" name="BlokTextu 102"/>
+            <p:cNvSpPr txBox="1"/>
+            <p:nvPr/>
+          </p:nvSpPr>
+          <p:spPr>
+            <a:xfrm>
+              <a:off x="7216762" y="15980919"/>
+              <a:ext cx="6696744" cy="769441"/>
+            </a:xfrm>
+            <a:prstGeom prst="rect">
+              <a:avLst/>
+            </a:prstGeom>
+            <a:noFill/>
+          </p:spPr>
+          <p:txBody>
+            <a:bodyPr wrap="square" rtlCol="0">
+              <a:spAutoFit/>
+            </a:bodyPr>
+            <a:lstStyle/>
+            <a:p>
+              <a:r>
+                <a:rPr lang="sk-SK" sz="4400" dirty="0" err="1" smtClean="0">
+                  <a:solidFill>
+                    <a:schemeClr val="tx1">
+                      <a:lumMod val="75000"/>
+                      <a:lumOff val="25000"/>
+                    </a:schemeClr>
+                  </a:solidFill>
+                  <a:latin typeface="Buxton Sketch" pitchFamily="66" charset="0"/>
+                  <a:cs typeface="Aharoni" pitchFamily="2" charset="-79"/>
+                </a:rPr>
+                <a:t>Yes</a:t>
+              </a:r>
+              <a:r>
+                <a:rPr lang="sk-SK" sz="4400" dirty="0" smtClean="0">
+                  <a:solidFill>
+                    <a:schemeClr val="tx1">
+                      <a:lumMod val="75000"/>
+                      <a:lumOff val="25000"/>
+                    </a:schemeClr>
+                  </a:solidFill>
+                  <a:latin typeface="Buxton Sketch" pitchFamily="66" charset="0"/>
+                  <a:cs typeface="Aharoni" pitchFamily="2" charset="-79"/>
+                </a:rPr>
+                <a:t>, </a:t>
+              </a:r>
+              <a:r>
+                <a:rPr lang="sk-SK" sz="4400" dirty="0" err="1" smtClean="0">
+                  <a:solidFill>
+                    <a:schemeClr val="tx1">
+                      <a:lumMod val="75000"/>
+                      <a:lumOff val="25000"/>
+                    </a:schemeClr>
+                  </a:solidFill>
+                  <a:latin typeface="Buxton Sketch" pitchFamily="66" charset="0"/>
+                  <a:cs typeface="Aharoni" pitchFamily="2" charset="-79"/>
+                </a:rPr>
+                <a:t>answer</a:t>
+              </a:r>
+              <a:r>
+                <a:rPr lang="sk-SK" sz="4400" dirty="0" smtClean="0">
+                  <a:solidFill>
+                    <a:schemeClr val="tx1">
+                      <a:lumMod val="75000"/>
+                      <a:lumOff val="25000"/>
+                    </a:schemeClr>
+                  </a:solidFill>
+                  <a:latin typeface="Buxton Sketch" pitchFamily="66" charset="0"/>
+                  <a:cs typeface="Aharoni" pitchFamily="2" charset="-79"/>
+                </a:rPr>
+                <a:t> </a:t>
+              </a:r>
+              <a:r>
+                <a:rPr lang="sk-SK" sz="4400" dirty="0" err="1" smtClean="0">
+                  <a:solidFill>
+                    <a:schemeClr val="tx1">
+                      <a:lumMod val="75000"/>
+                      <a:lumOff val="25000"/>
+                    </a:schemeClr>
+                  </a:solidFill>
+                  <a:latin typeface="Buxton Sketch" pitchFamily="66" charset="0"/>
+                  <a:cs typeface="Aharoni" pitchFamily="2" charset="-79"/>
+                </a:rPr>
+                <a:t>is</a:t>
+              </a:r>
+              <a:r>
+                <a:rPr lang="sk-SK" sz="4400" dirty="0" smtClean="0">
+                  <a:solidFill>
+                    <a:schemeClr val="tx1">
+                      <a:lumMod val="75000"/>
+                      <a:lumOff val="25000"/>
+                    </a:schemeClr>
+                  </a:solidFill>
+                  <a:latin typeface="Buxton Sketch" pitchFamily="66" charset="0"/>
+                  <a:cs typeface="Aharoni" pitchFamily="2" charset="-79"/>
+                </a:rPr>
+                <a:t> TrollEdit</a:t>
+              </a:r>
+            </a:p>
+          </p:txBody>
+        </p:sp>
+      </p:grpSp>
+      <p:grpSp>
+        <p:nvGrpSpPr>
+          <p:cNvPr id="75" name="Skupina 74"/>
+          <p:cNvGrpSpPr/>
+          <p:nvPr/>
+        </p:nvGrpSpPr>
+        <p:grpSpPr>
+          <a:xfrm>
+            <a:off x="10137740" y="8899437"/>
+            <a:ext cx="19924539" cy="13897544"/>
+            <a:chOff x="14424020" y="5271295"/>
+            <a:chExt cx="16141992" cy="13897544"/>
+          </a:xfrm>
+        </p:grpSpPr>
+        <p:sp>
+          <p:nvSpPr>
+            <p:cNvPr id="91" name="Obdĺžnik s rovnostranným zaobleným rohom 90"/>
+            <p:cNvSpPr/>
+            <p:nvPr/>
+          </p:nvSpPr>
+          <p:spPr>
+            <a:xfrm rot="16200000">
+              <a:off x="15401638" y="4293677"/>
+              <a:ext cx="13897544" cy="15852780"/>
+            </a:xfrm>
+            <a:prstGeom prst="round2SameRect">
+              <a:avLst/>
+            </a:prstGeom>
+            <a:solidFill>
+              <a:schemeClr val="bg1">
+                <a:lumMod val="95000"/>
+              </a:schemeClr>
+            </a:solidFill>
+            <a:ln>
+              <a:noFill/>
+            </a:ln>
+          </p:spPr>
+          <p:style>
+            <a:lnRef idx="2">
+              <a:schemeClr val="accent1">
+                <a:shade val="50000"/>
+              </a:schemeClr>
+            </a:lnRef>
+            <a:fillRef idx="1">
+              <a:schemeClr val="accent1"/>
+            </a:fillRef>
+            <a:effectRef idx="0">
+              <a:schemeClr val="accent1"/>
+            </a:effectRef>
+            <a:fontRef idx="minor">
+              <a:schemeClr val="lt1"/>
+            </a:fontRef>
+          </p:style>
+          <p:txBody>
+            <a:bodyPr rtlCol="0" anchor="ctr"/>
+            <a:lstStyle/>
+            <a:p>
+              <a:pPr algn="ctr"/>
+              <a:endParaRPr lang="sk-SK"/>
+            </a:p>
+          </p:txBody>
+        </p:sp>
+        <p:pic>
+          <p:nvPicPr>
+            <p:cNvPr id="58" name="Obrázok 57" descr="Main1.tif"/>
             <p:cNvPicPr>
               <a:picLocks noChangeAspect="1"/>
             </p:cNvPicPr>
             <p:nvPr/>
           </p:nvPicPr>
           <p:blipFill>
-            <a:blip r:embed="rId19" cstate="print"/>
+            <a:blip r:embed="rId18" cstate="print"/>
             <a:stretch>
               <a:fillRect/>
             </a:stretch>
           </p:blipFill>
           <p:spPr>
             <a:xfrm>
-              <a:off x="15714464" y="7431535"/>
-              <a:ext cx="7704856" cy="6480720"/>
+              <a:off x="23724695" y="16807889"/>
+              <a:ext cx="3583057" cy="2113111"/>
             </a:xfrm>
             <a:prstGeom prst="rect">
               <a:avLst/>
             </a:prstGeom>
           </p:spPr>
         </p:pic>
-        <p:pic>
-          <p:nvPicPr>
-            <p:cNvPr id="59" name="Obrázok 58" descr="Main2_2_big.tif"/>
-            <p:cNvPicPr>
-              <a:picLocks noChangeAspect="1"/>
-            </p:cNvPicPr>
+        <p:sp>
+          <p:nvSpPr>
+            <p:cNvPr id="79" name="BlokTextu 78"/>
+            <p:cNvSpPr txBox="1"/>
             <p:nvPr/>
-          </p:nvPicPr>
-          <p:blipFill>
-            <a:blip r:embed="rId20" cstate="print"/>
-            <a:stretch>
-              <a:fillRect/>
-            </a:stretch>
-          </p:blipFill>
+          </p:nvSpPr>
           <p:spPr>
             <a:xfrm>
-              <a:off x="15786472" y="8464103"/>
-              <a:ext cx="4032448" cy="2351035"/>
+              <a:off x="23869268" y="7252625"/>
+              <a:ext cx="6696744" cy="8402300"/>
             </a:xfrm>
             <a:prstGeom prst="rect">
               <a:avLst/>
             </a:prstGeom>
+            <a:noFill/>
           </p:spPr>
-        </p:pic>
+          <p:txBody>
+            <a:bodyPr wrap="square" rtlCol="0">
+              <a:spAutoFit/>
+            </a:bodyPr>
+            <a:lstStyle/>
+            <a:p>
+              <a:pPr>
+                <a:buFont typeface="Arial" pitchFamily="34" charset="0"/>
+                <a:buChar char="•"/>
+              </a:pPr>
+              <a:r>
+                <a:rPr lang="sk-SK" sz="3600" err="1" smtClean="0">
+                  <a:solidFill>
+                    <a:schemeClr val="tx1">
+                      <a:lumMod val="75000"/>
+                      <a:lumOff val="25000"/>
+                    </a:schemeClr>
+                  </a:solidFill>
+                  <a:latin typeface="Buxton Sketch" pitchFamily="66" charset="0"/>
+                  <a:cs typeface="Aharoni" pitchFamily="2" charset="-79"/>
+                </a:rPr>
+                <a:t>Simple</a:t>
+              </a:r>
+              <a:r>
+                <a:rPr lang="sk-SK" sz="3600" smtClean="0">
+                  <a:solidFill>
+                    <a:schemeClr val="tx1">
+                      <a:lumMod val="75000"/>
+                      <a:lumOff val="25000"/>
+                    </a:schemeClr>
+                  </a:solidFill>
+                  <a:latin typeface="Buxton Sketch" pitchFamily="66" charset="0"/>
+                  <a:cs typeface="Aharoni" pitchFamily="2" charset="-79"/>
+                </a:rPr>
+                <a:t> </a:t>
+              </a:r>
+              <a:r>
+                <a:rPr lang="sk-SK" sz="3600" smtClean="0">
+                  <a:solidFill>
+                    <a:schemeClr val="tx1">
+                      <a:lumMod val="75000"/>
+                      <a:lumOff val="25000"/>
+                    </a:schemeClr>
+                  </a:solidFill>
+                  <a:latin typeface="Buxton Sketch" pitchFamily="66" charset="0"/>
+                  <a:cs typeface="Aharoni" pitchFamily="2" charset="-79"/>
+                </a:rPr>
+                <a:t>a</a:t>
+              </a:r>
+              <a:r>
+                <a:rPr lang="en-US" sz="3600" smtClean="0">
+                  <a:solidFill>
+                    <a:schemeClr val="tx1">
+                      <a:lumMod val="75000"/>
+                      <a:lumOff val="25000"/>
+                    </a:schemeClr>
+                  </a:solidFill>
+                  <a:latin typeface="Buxton Sketch" pitchFamily="66" charset="0"/>
+                  <a:cs typeface="Aharoni" pitchFamily="2" charset="-79"/>
+                </a:rPr>
+                <a:t>nd</a:t>
+              </a:r>
+              <a:r>
+                <a:rPr lang="sk-SK" sz="3600" smtClean="0">
+                  <a:solidFill>
+                    <a:schemeClr val="tx1">
+                      <a:lumMod val="75000"/>
+                      <a:lumOff val="25000"/>
+                    </a:schemeClr>
+                  </a:solidFill>
+                  <a:latin typeface="Buxton Sketch" pitchFamily="66" charset="0"/>
+                  <a:cs typeface="Aharoni" pitchFamily="2" charset="-79"/>
+                </a:rPr>
+                <a:t> </a:t>
+              </a:r>
+              <a:r>
+                <a:rPr lang="sk-SK" sz="3600" err="1" smtClean="0">
+                  <a:solidFill>
+                    <a:schemeClr val="tx1">
+                      <a:lumMod val="75000"/>
+                      <a:lumOff val="25000"/>
+                    </a:schemeClr>
+                  </a:solidFill>
+                  <a:latin typeface="Buxton Sketch" pitchFamily="66" charset="0"/>
+                  <a:cs typeface="Aharoni" pitchFamily="2" charset="-79"/>
+                </a:rPr>
+                <a:t>easy</a:t>
+              </a:r>
+              <a:r>
+                <a:rPr lang="sk-SK" sz="3600" smtClean="0">
+                  <a:solidFill>
+                    <a:schemeClr val="tx1">
+                      <a:lumMod val="75000"/>
+                      <a:lumOff val="25000"/>
+                    </a:schemeClr>
+                  </a:solidFill>
+                  <a:latin typeface="Buxton Sketch" pitchFamily="66" charset="0"/>
+                  <a:cs typeface="Aharoni" pitchFamily="2" charset="-79"/>
+                </a:rPr>
+                <a:t>  </a:t>
+              </a:r>
+              <a:r>
+                <a:rPr lang="en-US" sz="3600" smtClean="0">
+                  <a:solidFill>
+                    <a:schemeClr val="tx1">
+                      <a:lumMod val="75000"/>
+                      <a:lumOff val="25000"/>
+                    </a:schemeClr>
+                  </a:solidFill>
+                  <a:latin typeface="Buxton Sketch" pitchFamily="66" charset="0"/>
+                  <a:cs typeface="Aharoni" pitchFamily="2" charset="-79"/>
+                </a:rPr>
+                <a:t>to use editor</a:t>
+              </a:r>
+              <a:endParaRPr lang="sk-SK" sz="3600" dirty="0" smtClean="0">
+                <a:solidFill>
+                  <a:schemeClr val="tx1">
+                    <a:lumMod val="75000"/>
+                    <a:lumOff val="25000"/>
+                  </a:schemeClr>
+                </a:solidFill>
+                <a:latin typeface="Buxton Sketch" pitchFamily="66" charset="0"/>
+                <a:cs typeface="Aharoni" pitchFamily="2" charset="-79"/>
+              </a:endParaRPr>
+            </a:p>
+            <a:p>
+              <a:pPr>
+                <a:buFont typeface="Arial" pitchFamily="34" charset="0"/>
+                <a:buChar char="•"/>
+              </a:pPr>
+              <a:endParaRPr lang="sk-SK" sz="3600" dirty="0" smtClean="0">
+                <a:solidFill>
+                  <a:schemeClr val="tx1">
+                    <a:lumMod val="75000"/>
+                    <a:lumOff val="25000"/>
+                  </a:schemeClr>
+                </a:solidFill>
+                <a:latin typeface="Buxton Sketch" pitchFamily="66" charset="0"/>
+                <a:cs typeface="Aharoni" pitchFamily="2" charset="-79"/>
+              </a:endParaRPr>
+            </a:p>
+            <a:p>
+              <a:pPr>
+                <a:buFont typeface="Arial" pitchFamily="34" charset="0"/>
+                <a:buChar char="•"/>
+              </a:pPr>
+              <a:r>
+                <a:rPr lang="sk-SK" sz="3600" dirty="0" smtClean="0">
+                  <a:solidFill>
+                    <a:schemeClr val="tx1">
+                      <a:lumMod val="75000"/>
+                      <a:lumOff val="25000"/>
+                    </a:schemeClr>
+                  </a:solidFill>
+                  <a:latin typeface="Buxton Sketch" pitchFamily="66" charset="0"/>
+                  <a:cs typeface="Aharoni" pitchFamily="2" charset="-79"/>
+                </a:rPr>
+                <a:t> </a:t>
+              </a:r>
+              <a:r>
+                <a:rPr lang="sk-SK" sz="3600" err="1" smtClean="0">
+                  <a:solidFill>
+                    <a:schemeClr val="tx1">
+                      <a:lumMod val="75000"/>
+                      <a:lumOff val="25000"/>
+                    </a:schemeClr>
+                  </a:solidFill>
+                  <a:latin typeface="Buxton Sketch" pitchFamily="66" charset="0"/>
+                  <a:cs typeface="Aharoni" pitchFamily="2" charset="-79"/>
+                </a:rPr>
+                <a:t>Code</a:t>
+              </a:r>
+              <a:r>
+                <a:rPr lang="sk-SK" sz="3600" smtClean="0">
+                  <a:solidFill>
+                    <a:schemeClr val="tx1">
+                      <a:lumMod val="75000"/>
+                      <a:lumOff val="25000"/>
+                    </a:schemeClr>
+                  </a:solidFill>
+                  <a:latin typeface="Buxton Sketch" pitchFamily="66" charset="0"/>
+                  <a:cs typeface="Aharoni" pitchFamily="2" charset="-79"/>
+                </a:rPr>
+                <a:t> </a:t>
+              </a:r>
+              <a:r>
+                <a:rPr lang="sk-SK" sz="3600" smtClean="0">
+                  <a:solidFill>
+                    <a:schemeClr val="tx1">
+                      <a:lumMod val="75000"/>
+                      <a:lumOff val="25000"/>
+                    </a:schemeClr>
+                  </a:solidFill>
+                  <a:latin typeface="Buxton Sketch" pitchFamily="66" charset="0"/>
+                  <a:cs typeface="Aharoni" pitchFamily="2" charset="-79"/>
+                </a:rPr>
+                <a:t>visualizazion as</a:t>
+              </a:r>
+              <a:r>
+                <a:rPr lang="en-US" sz="3600" smtClean="0">
+                  <a:solidFill>
+                    <a:schemeClr val="tx1">
+                      <a:lumMod val="75000"/>
+                      <a:lumOff val="25000"/>
+                    </a:schemeClr>
+                  </a:solidFill>
+                  <a:latin typeface="Buxton Sketch" pitchFamily="66" charset="0"/>
+                  <a:cs typeface="Aharoni" pitchFamily="2" charset="-79"/>
+                </a:rPr>
+                <a:t> a</a:t>
+              </a:r>
+              <a:r>
+                <a:rPr lang="sk-SK" sz="3600" smtClean="0">
+                  <a:solidFill>
+                    <a:schemeClr val="tx1">
+                      <a:lumMod val="75000"/>
+                      <a:lumOff val="25000"/>
+                    </a:schemeClr>
+                  </a:solidFill>
+                  <a:latin typeface="Buxton Sketch" pitchFamily="66" charset="0"/>
+                  <a:cs typeface="Aharoni" pitchFamily="2" charset="-79"/>
+                </a:rPr>
+                <a:t> </a:t>
+              </a:r>
+              <a:r>
+                <a:rPr lang="sk-SK" sz="3600" smtClean="0">
+                  <a:solidFill>
+                    <a:schemeClr val="tx1">
+                      <a:lumMod val="75000"/>
+                      <a:lumOff val="25000"/>
+                    </a:schemeClr>
+                  </a:solidFill>
+                  <a:latin typeface="Buxton Sketch" pitchFamily="66" charset="0"/>
+                  <a:cs typeface="Aharoni" pitchFamily="2" charset="-79"/>
+                </a:rPr>
+                <a:t>structure</a:t>
+              </a:r>
+              <a:r>
+                <a:rPr lang="en-US" sz="3600" smtClean="0">
+                  <a:solidFill>
+                    <a:schemeClr val="tx1">
+                      <a:lumMod val="75000"/>
+                      <a:lumOff val="25000"/>
+                    </a:schemeClr>
+                  </a:solidFill>
+                  <a:latin typeface="Buxton Sketch" pitchFamily="66" charset="0"/>
+                  <a:cs typeface="Aharoni" pitchFamily="2" charset="-79"/>
+                </a:rPr>
+                <a:t> of</a:t>
+              </a:r>
+              <a:r>
+                <a:rPr lang="en-US" sz="3600" smtClean="0">
+                  <a:solidFill>
+                    <a:schemeClr val="tx1">
+                      <a:lumMod val="75000"/>
+                      <a:lumOff val="25000"/>
+                    </a:schemeClr>
+                  </a:solidFill>
+                  <a:latin typeface="Buxton Sketch" pitchFamily="66" charset="0"/>
+                  <a:cs typeface="Aharoni" pitchFamily="2" charset="-79"/>
+                </a:rPr>
+                <a:t> </a:t>
+              </a:r>
+              <a:r>
+                <a:rPr lang="sk-SK" sz="3600" smtClean="0">
+                  <a:solidFill>
+                    <a:schemeClr val="tx1">
+                      <a:lumMod val="75000"/>
+                      <a:lumOff val="25000"/>
+                    </a:schemeClr>
+                  </a:solidFill>
+                  <a:latin typeface="Buxton Sketch" pitchFamily="66" charset="0"/>
+                  <a:cs typeface="Aharoni" pitchFamily="2" charset="-79"/>
+                </a:rPr>
+                <a:t>blocks</a:t>
+              </a:r>
+              <a:endParaRPr lang="sk-SK" sz="3600" dirty="0" smtClean="0">
+                <a:solidFill>
+                  <a:schemeClr val="tx1">
+                    <a:lumMod val="75000"/>
+                    <a:lumOff val="25000"/>
+                  </a:schemeClr>
+                </a:solidFill>
+                <a:latin typeface="Buxton Sketch" pitchFamily="66" charset="0"/>
+                <a:cs typeface="Aharoni" pitchFamily="2" charset="-79"/>
+              </a:endParaRPr>
+            </a:p>
+            <a:p>
+              <a:pPr>
+                <a:buFont typeface="Arial" pitchFamily="34" charset="0"/>
+                <a:buChar char="•"/>
+              </a:pPr>
+              <a:endParaRPr lang="sk-SK" sz="3600" dirty="0" smtClean="0">
+                <a:solidFill>
+                  <a:schemeClr val="tx1">
+                    <a:lumMod val="75000"/>
+                    <a:lumOff val="25000"/>
+                  </a:schemeClr>
+                </a:solidFill>
+                <a:latin typeface="Buxton Sketch" pitchFamily="66" charset="0"/>
+                <a:cs typeface="Aharoni" pitchFamily="2" charset="-79"/>
+              </a:endParaRPr>
+            </a:p>
+            <a:p>
+              <a:pPr>
+                <a:buFont typeface="Arial" pitchFamily="34" charset="0"/>
+                <a:buChar char="•"/>
+              </a:pPr>
+              <a:r>
+                <a:rPr lang="sk-SK" sz="3600" dirty="0" smtClean="0">
+                  <a:solidFill>
+                    <a:schemeClr val="tx1">
+                      <a:lumMod val="75000"/>
+                      <a:lumOff val="25000"/>
+                    </a:schemeClr>
+                  </a:solidFill>
+                  <a:latin typeface="Buxton Sketch" pitchFamily="66" charset="0"/>
+                  <a:cs typeface="Aharoni" pitchFamily="2" charset="-79"/>
+                </a:rPr>
+                <a:t> </a:t>
+              </a:r>
+              <a:r>
+                <a:rPr lang="sk-SK" sz="3600" smtClean="0">
+                  <a:solidFill>
+                    <a:schemeClr val="tx1">
+                      <a:lumMod val="75000"/>
+                      <a:lumOff val="25000"/>
+                    </a:schemeClr>
+                  </a:solidFill>
+                  <a:latin typeface="Buxton Sketch" pitchFamily="66" charset="0"/>
+                  <a:cs typeface="Aharoni" pitchFamily="2" charset="-79"/>
+                </a:rPr>
+                <a:t>More </a:t>
+              </a:r>
+              <a:r>
+                <a:rPr lang="sk-SK" sz="3600" smtClean="0">
+                  <a:solidFill>
+                    <a:schemeClr val="tx1">
+                      <a:lumMod val="75000"/>
+                      <a:lumOff val="25000"/>
+                    </a:schemeClr>
+                  </a:solidFill>
+                  <a:latin typeface="Buxton Sketch" pitchFamily="66" charset="0"/>
+                  <a:cs typeface="Aharoni" pitchFamily="2" charset="-79"/>
+                </a:rPr>
+                <a:t>opened</a:t>
+              </a:r>
+              <a:r>
+                <a:rPr lang="en-US" sz="3600" smtClean="0">
+                  <a:solidFill>
+                    <a:schemeClr val="tx1">
+                      <a:lumMod val="75000"/>
+                      <a:lumOff val="25000"/>
+                    </a:schemeClr>
+                  </a:solidFill>
+                  <a:latin typeface="Buxton Sketch" pitchFamily="66" charset="0"/>
+                  <a:cs typeface="Aharoni" pitchFamily="2" charset="-79"/>
+                </a:rPr>
+                <a:t> </a:t>
+              </a:r>
+              <a:r>
+                <a:rPr lang="en-US" sz="3600" smtClean="0">
+                  <a:solidFill>
+                    <a:schemeClr val="tx1">
+                      <a:lumMod val="75000"/>
+                      <a:lumOff val="25000"/>
+                    </a:schemeClr>
+                  </a:solidFill>
+                  <a:latin typeface="Buxton Sketch" pitchFamily="66" charset="0"/>
+                  <a:cs typeface="Aharoni" pitchFamily="2" charset="-79"/>
+                </a:rPr>
+                <a:t>f</a:t>
+              </a:r>
+              <a:r>
+                <a:rPr lang="sk-SK" sz="3600" smtClean="0">
+                  <a:solidFill>
+                    <a:schemeClr val="tx1">
+                      <a:lumMod val="75000"/>
+                      <a:lumOff val="25000"/>
+                    </a:schemeClr>
+                  </a:solidFill>
+                  <a:latin typeface="Buxton Sketch" pitchFamily="66" charset="0"/>
+                  <a:cs typeface="Aharoni" pitchFamily="2" charset="-79"/>
+                </a:rPr>
+                <a:t>iles </a:t>
+              </a:r>
+              <a:r>
+                <a:rPr lang="sk-SK" sz="3600" smtClean="0">
+                  <a:solidFill>
+                    <a:schemeClr val="tx1">
+                      <a:lumMod val="75000"/>
+                      <a:lumOff val="25000"/>
+                    </a:schemeClr>
+                  </a:solidFill>
+                  <a:latin typeface="Buxton Sketch" pitchFamily="66" charset="0"/>
+                  <a:cs typeface="Aharoni" pitchFamily="2" charset="-79"/>
+                </a:rPr>
+                <a:t>in </a:t>
+              </a:r>
+              <a:r>
+                <a:rPr lang="en-US" sz="3600" smtClean="0">
+                  <a:solidFill>
+                    <a:schemeClr val="tx1">
+                      <a:lumMod val="75000"/>
+                      <a:lumOff val="25000"/>
+                    </a:schemeClr>
+                  </a:solidFill>
+                  <a:latin typeface="Buxton Sketch" pitchFamily="66" charset="0"/>
+                  <a:cs typeface="Aharoni" pitchFamily="2" charset="-79"/>
+                </a:rPr>
+                <a:t>single tab</a:t>
+              </a:r>
+              <a:endParaRPr lang="sk-SK" sz="3600" dirty="0" smtClean="0">
+                <a:solidFill>
+                  <a:schemeClr val="tx1">
+                    <a:lumMod val="75000"/>
+                    <a:lumOff val="25000"/>
+                  </a:schemeClr>
+                </a:solidFill>
+                <a:latin typeface="Buxton Sketch" pitchFamily="66" charset="0"/>
+                <a:cs typeface="Aharoni" pitchFamily="2" charset="-79"/>
+              </a:endParaRPr>
+            </a:p>
+            <a:p>
+              <a:pPr>
+                <a:buFont typeface="Arial" pitchFamily="34" charset="0"/>
+                <a:buChar char="•"/>
+              </a:pPr>
+              <a:endParaRPr lang="sk-SK" sz="3600" dirty="0" smtClean="0">
+                <a:solidFill>
+                  <a:schemeClr val="tx1">
+                    <a:lumMod val="75000"/>
+                    <a:lumOff val="25000"/>
+                  </a:schemeClr>
+                </a:solidFill>
+                <a:latin typeface="Buxton Sketch" pitchFamily="66" charset="0"/>
+                <a:cs typeface="Aharoni" pitchFamily="2" charset="-79"/>
+              </a:endParaRPr>
+            </a:p>
+            <a:p>
+              <a:pPr>
+                <a:buFont typeface="Arial" pitchFamily="34" charset="0"/>
+                <a:buChar char="•"/>
+              </a:pPr>
+              <a:r>
+                <a:rPr lang="sk-SK" sz="3600" smtClean="0">
+                  <a:solidFill>
+                    <a:schemeClr val="tx1">
+                      <a:lumMod val="75000"/>
+                      <a:lumOff val="25000"/>
+                    </a:schemeClr>
+                  </a:solidFill>
+                  <a:latin typeface="Buxton Sketch" pitchFamily="66" charset="0"/>
+                  <a:cs typeface="Aharoni" pitchFamily="2" charset="-79"/>
+                </a:rPr>
+                <a:t> </a:t>
+              </a:r>
+              <a:r>
+                <a:rPr lang="sk-SK" sz="3600" smtClean="0">
+                  <a:solidFill>
+                    <a:schemeClr val="tx1">
+                      <a:lumMod val="75000"/>
+                      <a:lumOff val="25000"/>
+                    </a:schemeClr>
+                  </a:solidFill>
+                  <a:latin typeface="Buxton Sketch" pitchFamily="66" charset="0"/>
+                  <a:cs typeface="Aharoni" pitchFamily="2" charset="-79"/>
+                </a:rPr>
+                <a:t>Select and move </a:t>
+              </a:r>
+              <a:r>
+                <a:rPr lang="sk-SK" sz="3600" err="1" smtClean="0">
+                  <a:solidFill>
+                    <a:schemeClr val="tx1">
+                      <a:lumMod val="75000"/>
+                      <a:lumOff val="25000"/>
+                    </a:schemeClr>
+                  </a:solidFill>
+                  <a:latin typeface="Buxton Sketch" pitchFamily="66" charset="0"/>
+                  <a:cs typeface="Aharoni" pitchFamily="2" charset="-79"/>
+                </a:rPr>
+                <a:t>files</a:t>
+              </a:r>
+              <a:r>
+                <a:rPr lang="sk-SK" sz="3600" smtClean="0">
+                  <a:solidFill>
+                    <a:schemeClr val="tx1">
+                      <a:lumMod val="75000"/>
+                      <a:lumOff val="25000"/>
+                    </a:schemeClr>
+                  </a:solidFill>
+                  <a:latin typeface="Buxton Sketch" pitchFamily="66" charset="0"/>
+                  <a:cs typeface="Aharoni" pitchFamily="2" charset="-79"/>
+                </a:rPr>
+                <a:t> </a:t>
+              </a:r>
+              <a:r>
+                <a:rPr lang="en-US" sz="3600" smtClean="0">
+                  <a:solidFill>
+                    <a:schemeClr val="tx1">
+                      <a:lumMod val="75000"/>
+                      <a:lumOff val="25000"/>
+                    </a:schemeClr>
+                  </a:solidFill>
+                  <a:latin typeface="Buxton Sketch" pitchFamily="66" charset="0"/>
+                  <a:cs typeface="Aharoni" pitchFamily="2" charset="-79"/>
+                </a:rPr>
+                <a:t>in workspace</a:t>
+              </a:r>
+              <a:r>
+                <a:rPr lang="sk-SK" sz="3600" smtClean="0">
+                  <a:solidFill>
+                    <a:schemeClr val="tx1">
+                      <a:lumMod val="75000"/>
+                      <a:lumOff val="25000"/>
+                    </a:schemeClr>
+                  </a:solidFill>
+                  <a:latin typeface="Buxton Sketch" pitchFamily="66" charset="0"/>
+                  <a:cs typeface="Aharoni" pitchFamily="2" charset="-79"/>
+                </a:rPr>
+                <a:t> </a:t>
+              </a:r>
+              <a:r>
+                <a:rPr lang="en-US" sz="3600" smtClean="0">
+                  <a:solidFill>
+                    <a:schemeClr val="tx1">
+                      <a:lumMod val="75000"/>
+                      <a:lumOff val="25000"/>
+                    </a:schemeClr>
+                  </a:solidFill>
+                  <a:latin typeface="Buxton Sketch" pitchFamily="66" charset="0"/>
+                  <a:cs typeface="Aharoni" pitchFamily="2" charset="-79"/>
+                </a:rPr>
+                <a:t>tab</a:t>
+              </a:r>
+            </a:p>
+            <a:p>
+              <a:pPr>
+                <a:buFont typeface="Arial" pitchFamily="34" charset="0"/>
+                <a:buChar char="•"/>
+              </a:pPr>
+              <a:endParaRPr lang="en-US" sz="3600" smtClean="0">
+                <a:solidFill>
+                  <a:schemeClr val="tx1">
+                    <a:lumMod val="75000"/>
+                    <a:lumOff val="25000"/>
+                  </a:schemeClr>
+                </a:solidFill>
+                <a:latin typeface="Buxton Sketch" pitchFamily="66" charset="0"/>
+                <a:cs typeface="Aharoni" pitchFamily="2" charset="-79"/>
+              </a:endParaRPr>
+            </a:p>
+            <a:p>
+              <a:pPr>
+                <a:buFont typeface="Arial" pitchFamily="34" charset="0"/>
+                <a:buChar char="•"/>
+              </a:pPr>
+              <a:r>
+                <a:rPr lang="en-US" sz="3600" smtClean="0">
+                  <a:solidFill>
+                    <a:schemeClr val="tx1">
+                      <a:lumMod val="75000"/>
+                      <a:lumOff val="25000"/>
+                    </a:schemeClr>
+                  </a:solidFill>
+                  <a:latin typeface="Buxton Sketch" pitchFamily="66" charset="0"/>
+                  <a:cs typeface="Aharoni" pitchFamily="2" charset="-79"/>
+                </a:rPr>
+                <a:t>Drag n drop whole block in and between files</a:t>
+              </a:r>
+              <a:endParaRPr lang="en-US" sz="3600" smtClean="0">
+                <a:solidFill>
+                  <a:schemeClr val="tx1">
+                    <a:lumMod val="75000"/>
+                    <a:lumOff val="25000"/>
+                  </a:schemeClr>
+                </a:solidFill>
+                <a:latin typeface="Buxton Sketch" pitchFamily="66" charset="0"/>
+                <a:cs typeface="Aharoni" pitchFamily="2" charset="-79"/>
+              </a:endParaRPr>
+            </a:p>
+            <a:p>
+              <a:pPr>
+                <a:buFont typeface="Arial" pitchFamily="34" charset="0"/>
+                <a:buChar char="•"/>
+              </a:pPr>
+              <a:endParaRPr lang="sk-SK" sz="3600" dirty="0" smtClean="0">
+                <a:solidFill>
+                  <a:schemeClr val="tx1">
+                    <a:lumMod val="75000"/>
+                    <a:lumOff val="25000"/>
+                  </a:schemeClr>
+                </a:solidFill>
+                <a:latin typeface="Buxton Sketch" pitchFamily="66" charset="0"/>
+                <a:cs typeface="Aharoni" pitchFamily="2" charset="-79"/>
+              </a:endParaRPr>
+            </a:p>
+            <a:p>
+              <a:pPr>
+                <a:buFont typeface="Arial" pitchFamily="34" charset="0"/>
+                <a:buChar char="•"/>
+              </a:pPr>
+              <a:r>
+                <a:rPr lang="sk-SK" sz="3600" dirty="0" smtClean="0">
+                  <a:solidFill>
+                    <a:schemeClr val="tx1">
+                      <a:lumMod val="75000"/>
+                      <a:lumOff val="25000"/>
+                    </a:schemeClr>
+                  </a:solidFill>
+                  <a:latin typeface="Buxton Sketch" pitchFamily="66" charset="0"/>
+                  <a:cs typeface="Aharoni" pitchFamily="2" charset="-79"/>
+                </a:rPr>
+                <a:t> </a:t>
+              </a:r>
+              <a:r>
+                <a:rPr lang="sk-SK" sz="3600" err="1" smtClean="0">
+                  <a:solidFill>
+                    <a:schemeClr val="tx1">
+                      <a:lumMod val="75000"/>
+                      <a:lumOff val="25000"/>
+                    </a:schemeClr>
+                  </a:solidFill>
+                  <a:latin typeface="Buxton Sketch" pitchFamily="66" charset="0"/>
+                  <a:cs typeface="Aharoni" pitchFamily="2" charset="-79"/>
+                </a:rPr>
+                <a:t>Insert</a:t>
+              </a:r>
+              <a:r>
+                <a:rPr lang="sk-SK" sz="3600" smtClean="0">
+                  <a:solidFill>
+                    <a:schemeClr val="tx1">
+                      <a:lumMod val="75000"/>
+                      <a:lumOff val="25000"/>
+                    </a:schemeClr>
+                  </a:solidFill>
+                  <a:latin typeface="Buxton Sketch" pitchFamily="66" charset="0"/>
+                  <a:cs typeface="Aharoni" pitchFamily="2" charset="-79"/>
+                </a:rPr>
+                <a:t> </a:t>
+              </a:r>
+              <a:r>
+                <a:rPr lang="sk-SK" sz="3600" smtClean="0">
+                  <a:solidFill>
+                    <a:schemeClr val="tx1">
+                      <a:lumMod val="75000"/>
+                      <a:lumOff val="25000"/>
+                    </a:schemeClr>
+                  </a:solidFill>
+                  <a:latin typeface="Buxton Sketch" pitchFamily="66" charset="0"/>
+                  <a:cs typeface="Aharoni" pitchFamily="2" charset="-79"/>
+                </a:rPr>
+                <a:t>files </a:t>
+              </a:r>
+              <a:r>
+                <a:rPr lang="sk-SK" sz="3600" dirty="0" smtClean="0">
+                  <a:solidFill>
+                    <a:schemeClr val="tx1">
+                      <a:lumMod val="75000"/>
+                      <a:lumOff val="25000"/>
+                    </a:schemeClr>
+                  </a:solidFill>
+                  <a:latin typeface="Buxton Sketch" pitchFamily="66" charset="0"/>
+                  <a:cs typeface="Aharoni" pitchFamily="2" charset="-79"/>
+                </a:rPr>
+                <a:t>(</a:t>
+              </a:r>
+              <a:r>
+                <a:rPr lang="sk-SK" sz="3600" err="1" smtClean="0">
+                  <a:solidFill>
+                    <a:schemeClr val="tx1">
+                      <a:lumMod val="75000"/>
+                      <a:lumOff val="25000"/>
+                    </a:schemeClr>
+                  </a:solidFill>
+                  <a:latin typeface="Buxton Sketch" pitchFamily="66" charset="0"/>
+                  <a:cs typeface="Aharoni" pitchFamily="2" charset="-79"/>
+                </a:rPr>
+                <a:t>Img</a:t>
+              </a:r>
+              <a:r>
+                <a:rPr lang="sk-SK" sz="3600" smtClean="0">
+                  <a:solidFill>
+                    <a:schemeClr val="tx1">
+                      <a:lumMod val="75000"/>
+                      <a:lumOff val="25000"/>
+                    </a:schemeClr>
+                  </a:solidFill>
+                  <a:latin typeface="Buxton Sketch" pitchFamily="66" charset="0"/>
+                  <a:cs typeface="Aharoni" pitchFamily="2" charset="-79"/>
+                </a:rPr>
+                <a:t>.</a:t>
+              </a:r>
+              <a:r>
+                <a:rPr lang="en-US" sz="3600" smtClean="0">
+                  <a:solidFill>
+                    <a:schemeClr val="tx1">
+                      <a:lumMod val="75000"/>
+                      <a:lumOff val="25000"/>
+                    </a:schemeClr>
+                  </a:solidFill>
+                  <a:latin typeface="Buxton Sketch" pitchFamily="66" charset="0"/>
+                  <a:cs typeface="Aharoni" pitchFamily="2" charset="-79"/>
+                </a:rPr>
+                <a:t>,</a:t>
+              </a:r>
+              <a:r>
+                <a:rPr lang="sk-SK" sz="3600" smtClean="0">
+                  <a:solidFill>
+                    <a:schemeClr val="tx1">
+                      <a:lumMod val="75000"/>
+                      <a:lumOff val="25000"/>
+                    </a:schemeClr>
+                  </a:solidFill>
+                  <a:latin typeface="Buxton Sketch" pitchFamily="66" charset="0"/>
+                  <a:cs typeface="Aharoni" pitchFamily="2" charset="-79"/>
+                </a:rPr>
+                <a:t> </a:t>
+              </a:r>
+              <a:r>
+                <a:rPr lang="sk-SK" sz="3600" dirty="0" err="1" smtClean="0">
+                  <a:solidFill>
+                    <a:schemeClr val="tx1">
+                      <a:lumMod val="75000"/>
+                      <a:lumOff val="25000"/>
+                    </a:schemeClr>
+                  </a:solidFill>
+                  <a:latin typeface="Buxton Sketch" pitchFamily="66" charset="0"/>
+                  <a:cs typeface="Aharoni" pitchFamily="2" charset="-79"/>
+                </a:rPr>
+                <a:t>Link</a:t>
+              </a:r>
+              <a:r>
+                <a:rPr lang="sk-SK" sz="3600" dirty="0" smtClean="0">
+                  <a:solidFill>
+                    <a:schemeClr val="tx1">
+                      <a:lumMod val="75000"/>
+                      <a:lumOff val="25000"/>
+                    </a:schemeClr>
+                  </a:solidFill>
+                  <a:latin typeface="Buxton Sketch" pitchFamily="66" charset="0"/>
+                  <a:cs typeface="Aharoni" pitchFamily="2" charset="-79"/>
+                </a:rPr>
+                <a:t>, </a:t>
+              </a:r>
+              <a:r>
+                <a:rPr lang="sk-SK" sz="3600" dirty="0" err="1" smtClean="0">
+                  <a:solidFill>
+                    <a:schemeClr val="tx1">
+                      <a:lumMod val="75000"/>
+                      <a:lumOff val="25000"/>
+                    </a:schemeClr>
+                  </a:solidFill>
+                  <a:latin typeface="Buxton Sketch" pitchFamily="66" charset="0"/>
+                  <a:cs typeface="Aharoni" pitchFamily="2" charset="-79"/>
+                </a:rPr>
+                <a:t>etc</a:t>
+              </a:r>
+              <a:r>
+                <a:rPr lang="sk-SK" sz="3600" smtClean="0">
+                  <a:solidFill>
+                    <a:schemeClr val="tx1">
+                      <a:lumMod val="75000"/>
+                      <a:lumOff val="25000"/>
+                    </a:schemeClr>
+                  </a:solidFill>
+                  <a:latin typeface="Buxton Sketch" pitchFamily="66" charset="0"/>
+                  <a:cs typeface="Aharoni" pitchFamily="2" charset="-79"/>
+                </a:rPr>
+                <a:t>.) </a:t>
+              </a:r>
+              <a:r>
+                <a:rPr lang="en-US" sz="3600" smtClean="0">
+                  <a:solidFill>
+                    <a:schemeClr val="tx1">
+                      <a:lumMod val="75000"/>
+                      <a:lumOff val="25000"/>
+                    </a:schemeClr>
+                  </a:solidFill>
+                  <a:latin typeface="Buxton Sketch" pitchFamily="66" charset="0"/>
+                  <a:cs typeface="Aharoni" pitchFamily="2" charset="-79"/>
+                </a:rPr>
+                <a:t>right </a:t>
+              </a:r>
+              <a:r>
+                <a:rPr lang="sk-SK" sz="3600" smtClean="0">
+                  <a:solidFill>
+                    <a:schemeClr val="tx1">
+                      <a:lumMod val="75000"/>
+                      <a:lumOff val="25000"/>
+                    </a:schemeClr>
+                  </a:solidFill>
+                  <a:latin typeface="Buxton Sketch" pitchFamily="66" charset="0"/>
+                  <a:cs typeface="Aharoni" pitchFamily="2" charset="-79"/>
+                </a:rPr>
+                <a:t>into code</a:t>
+              </a:r>
+              <a:endParaRPr lang="en-US" sz="3600" smtClean="0">
+                <a:solidFill>
+                  <a:schemeClr val="tx1">
+                    <a:lumMod val="75000"/>
+                    <a:lumOff val="25000"/>
+                  </a:schemeClr>
+                </a:solidFill>
+                <a:latin typeface="Buxton Sketch" pitchFamily="66" charset="0"/>
+                <a:cs typeface="Aharoni" pitchFamily="2" charset="-79"/>
+              </a:endParaRPr>
+            </a:p>
+            <a:p>
+              <a:pPr>
+                <a:buFont typeface="Arial" pitchFamily="34" charset="0"/>
+                <a:buChar char="•"/>
+              </a:pPr>
+              <a:endParaRPr lang="en-US" sz="3600" smtClean="0">
+                <a:solidFill>
+                  <a:schemeClr val="tx1">
+                    <a:lumMod val="75000"/>
+                    <a:lumOff val="25000"/>
+                  </a:schemeClr>
+                </a:solidFill>
+                <a:latin typeface="Buxton Sketch" pitchFamily="66" charset="0"/>
+                <a:cs typeface="Aharoni" pitchFamily="2" charset="-79"/>
+              </a:endParaRPr>
+            </a:p>
+            <a:p>
+              <a:pPr>
+                <a:buFont typeface="Arial" pitchFamily="34" charset="0"/>
+                <a:buChar char="•"/>
+              </a:pPr>
+              <a:r>
+                <a:rPr lang="sk-SK" sz="3600" smtClean="0">
+                  <a:solidFill>
+                    <a:schemeClr val="tx1">
+                      <a:lumMod val="75000"/>
+                      <a:lumOff val="25000"/>
+                    </a:schemeClr>
+                  </a:solidFill>
+                  <a:latin typeface="Buxton Sketch" pitchFamily="66" charset="0"/>
+                  <a:cs typeface="Aharoni" pitchFamily="2" charset="-79"/>
+                </a:rPr>
+                <a:t>Write documentation into </a:t>
+              </a:r>
+              <a:r>
+                <a:rPr lang="sk-SK" sz="3600" smtClean="0">
+                  <a:solidFill>
+                    <a:schemeClr val="tx1">
+                      <a:lumMod val="75000"/>
+                      <a:lumOff val="25000"/>
+                    </a:schemeClr>
+                  </a:solidFill>
+                  <a:latin typeface="Buxton Sketch" pitchFamily="66" charset="0"/>
+                  <a:cs typeface="Aharoni" pitchFamily="2" charset="-79"/>
+                </a:rPr>
+                <a:t>code </a:t>
+              </a:r>
+              <a:endParaRPr lang="en-US" sz="3600" smtClean="0">
+                <a:solidFill>
+                  <a:schemeClr val="tx1">
+                    <a:lumMod val="75000"/>
+                    <a:lumOff val="25000"/>
+                  </a:schemeClr>
+                </a:solidFill>
+                <a:latin typeface="Buxton Sketch" pitchFamily="66" charset="0"/>
+                <a:cs typeface="Aharoni" pitchFamily="2" charset="-79"/>
+              </a:endParaRPr>
+            </a:p>
+            <a:p>
+              <a:r>
+                <a:rPr lang="en-US" sz="3600" smtClean="0">
+                  <a:solidFill>
+                    <a:schemeClr val="tx1">
+                      <a:lumMod val="75000"/>
+                      <a:lumOff val="25000"/>
+                    </a:schemeClr>
+                  </a:solidFill>
+                  <a:latin typeface="Buxton Sketch" pitchFamily="66" charset="0"/>
+                  <a:cs typeface="Aharoni" pitchFamily="2" charset="-79"/>
+                </a:rPr>
+                <a:t> </a:t>
+              </a:r>
+              <a:r>
+                <a:rPr lang="sk-SK" sz="3600" smtClean="0">
+                  <a:solidFill>
+                    <a:schemeClr val="tx1">
+                      <a:lumMod val="75000"/>
+                      <a:lumOff val="25000"/>
+                    </a:schemeClr>
+                  </a:solidFill>
+                  <a:latin typeface="Buxton Sketch" pitchFamily="66" charset="0"/>
+                  <a:cs typeface="Aharoni" pitchFamily="2" charset="-79"/>
+                </a:rPr>
+                <a:t>(Literate </a:t>
+              </a:r>
+              <a:r>
+                <a:rPr lang="sk-SK" sz="3600" smtClean="0">
+                  <a:solidFill>
+                    <a:schemeClr val="tx1">
+                      <a:lumMod val="75000"/>
+                      <a:lumOff val="25000"/>
+                    </a:schemeClr>
+                  </a:solidFill>
+                  <a:latin typeface="Buxton Sketch" pitchFamily="66" charset="0"/>
+                  <a:cs typeface="Aharoni" pitchFamily="2" charset="-79"/>
+                </a:rPr>
+                <a:t>programming </a:t>
+              </a:r>
+              <a:r>
+                <a:rPr lang="en-US" sz="3600" smtClean="0">
+                  <a:solidFill>
+                    <a:schemeClr val="tx1">
+                      <a:lumMod val="75000"/>
+                      <a:lumOff val="25000"/>
+                    </a:schemeClr>
+                  </a:solidFill>
+                  <a:latin typeface="Buxton Sketch" pitchFamily="66" charset="0"/>
+                  <a:cs typeface="Aharoni" pitchFamily="2" charset="-79"/>
+                </a:rPr>
+                <a:t>by</a:t>
+              </a:r>
+              <a:r>
+                <a:rPr lang="sk-SK" sz="3600" smtClean="0">
+                  <a:solidFill>
+                    <a:schemeClr val="tx1">
+                      <a:lumMod val="75000"/>
+                      <a:lumOff val="25000"/>
+                    </a:schemeClr>
+                  </a:solidFill>
+                  <a:latin typeface="Buxton Sketch" pitchFamily="66" charset="0"/>
+                  <a:cs typeface="Aharoni" pitchFamily="2" charset="-79"/>
+                </a:rPr>
+                <a:t> D. Knuth) </a:t>
+              </a:r>
+              <a:endParaRPr lang="sk-SK" sz="3600" dirty="0" smtClean="0">
+                <a:solidFill>
+                  <a:schemeClr val="tx1">
+                    <a:lumMod val="75000"/>
+                    <a:lumOff val="25000"/>
+                  </a:schemeClr>
+                </a:solidFill>
+                <a:latin typeface="Buxton Sketch" pitchFamily="66" charset="0"/>
+                <a:cs typeface="Aharoni" pitchFamily="2" charset="-79"/>
+              </a:endParaRPr>
+            </a:p>
+            <a:p>
+              <a:endParaRPr lang="sk-SK" sz="3600" dirty="0" smtClean="0">
+                <a:solidFill>
+                  <a:schemeClr val="tx1">
+                    <a:lumMod val="75000"/>
+                    <a:lumOff val="25000"/>
+                  </a:schemeClr>
+                </a:solidFill>
+                <a:latin typeface="Buxton Sketch" pitchFamily="66" charset="0"/>
+                <a:cs typeface="Aharoni" pitchFamily="2" charset="-79"/>
+              </a:endParaRPr>
+            </a:p>
+          </p:txBody>
+        </p:sp>
+        <p:sp>
+          <p:nvSpPr>
+            <p:cNvPr id="90" name="BlokTextu 89"/>
+            <p:cNvSpPr txBox="1"/>
+            <p:nvPr/>
+          </p:nvSpPr>
+          <p:spPr>
+            <a:xfrm>
+              <a:off x="15209838" y="5541851"/>
+              <a:ext cx="8568952" cy="830997"/>
+            </a:xfrm>
+            <a:prstGeom prst="rect">
+              <a:avLst/>
+            </a:prstGeom>
+            <a:noFill/>
+          </p:spPr>
+          <p:txBody>
+            <a:bodyPr wrap="square" rtlCol="0">
+              <a:spAutoFit/>
+            </a:bodyPr>
+            <a:lstStyle/>
+            <a:p>
+              <a:pPr algn="ctr"/>
+              <a:r>
+                <a:rPr lang="en-US" sz="4800" b="1" smtClean="0">
+                  <a:latin typeface="Arial" pitchFamily="34" charset="0"/>
+                  <a:cs typeface="Arial" pitchFamily="34" charset="0"/>
+                </a:rPr>
+                <a:t>How TrollEdit see source code</a:t>
+              </a:r>
+              <a:endParaRPr lang="sk-SK" sz="4800" b="1" dirty="0">
+                <a:latin typeface="Arial" pitchFamily="34" charset="0"/>
+                <a:cs typeface="Arial" pitchFamily="34" charset="0"/>
+              </a:endParaRPr>
+            </a:p>
+          </p:txBody>
+        </p:sp>
+        <p:grpSp>
+          <p:nvGrpSpPr>
+            <p:cNvPr id="93" name="Skupina 92"/>
+            <p:cNvGrpSpPr/>
+            <p:nvPr/>
+          </p:nvGrpSpPr>
+          <p:grpSpPr>
+            <a:xfrm>
+              <a:off x="14781211" y="6756297"/>
+              <a:ext cx="9031673" cy="7730500"/>
+              <a:chOff x="15714465" y="7431535"/>
+              <a:chExt cx="8255083" cy="6943528"/>
+            </a:xfrm>
+          </p:grpSpPr>
+          <p:pic>
+            <p:nvPicPr>
+              <p:cNvPr id="64" name="Obrázok 63" descr="Main_window.tif"/>
+              <p:cNvPicPr>
+                <a:picLocks noChangeAspect="1"/>
+              </p:cNvPicPr>
+              <p:nvPr/>
+            </p:nvPicPr>
+            <p:blipFill>
+              <a:blip r:embed="rId19" cstate="print"/>
+              <a:stretch>
+                <a:fillRect/>
+              </a:stretch>
+            </p:blipFill>
+            <p:spPr>
+              <a:xfrm>
+                <a:off x="15714465" y="7431535"/>
+                <a:ext cx="8255083" cy="6943528"/>
+              </a:xfrm>
+              <a:prstGeom prst="rect">
+                <a:avLst/>
+              </a:prstGeom>
+            </p:spPr>
+          </p:pic>
+          <p:pic>
+            <p:nvPicPr>
+              <p:cNvPr id="59" name="Obrázok 58" descr="Main2_2_big.tif"/>
+              <p:cNvPicPr>
+                <a:picLocks noChangeAspect="1"/>
+              </p:cNvPicPr>
+              <p:nvPr/>
+            </p:nvPicPr>
+            <p:blipFill>
+              <a:blip r:embed="rId20" cstate="print"/>
+              <a:stretch>
+                <a:fillRect/>
+              </a:stretch>
+            </p:blipFill>
+            <p:spPr>
+              <a:xfrm>
+                <a:off x="15786472" y="8464103"/>
+                <a:ext cx="4032448" cy="2351035"/>
+              </a:xfrm>
+              <a:prstGeom prst="rect">
+                <a:avLst/>
+              </a:prstGeom>
+            </p:spPr>
+          </p:pic>
+          <p:pic>
+            <p:nvPicPr>
+              <p:cNvPr id="61" name="Obrázok 60" descr="Main2_4.tif"/>
+              <p:cNvPicPr>
+                <a:picLocks noChangeAspect="1"/>
+              </p:cNvPicPr>
+              <p:nvPr/>
+            </p:nvPicPr>
+            <p:blipFill>
+              <a:blip r:embed="rId21" cstate="print"/>
+              <a:stretch>
+                <a:fillRect/>
+              </a:stretch>
+            </p:blipFill>
+            <p:spPr>
+              <a:xfrm>
+                <a:off x="19890929" y="8593175"/>
+                <a:ext cx="3240360" cy="2148405"/>
+              </a:xfrm>
+              <a:prstGeom prst="rect">
+                <a:avLst/>
+              </a:prstGeom>
+            </p:spPr>
+          </p:pic>
+          <p:pic>
+            <p:nvPicPr>
+              <p:cNvPr id="62" name="Obrázok 61" descr="Main3_3.tif"/>
+              <p:cNvPicPr>
+                <a:picLocks noChangeAspect="1"/>
+              </p:cNvPicPr>
+              <p:nvPr/>
+            </p:nvPicPr>
+            <p:blipFill>
+              <a:blip r:embed="rId22" cstate="print"/>
+              <a:stretch>
+                <a:fillRect/>
+              </a:stretch>
+            </p:blipFill>
+            <p:spPr>
+              <a:xfrm>
+                <a:off x="15930488" y="10959927"/>
+                <a:ext cx="4320480" cy="2751976"/>
+              </a:xfrm>
+              <a:prstGeom prst="rect">
+                <a:avLst/>
+              </a:prstGeom>
+            </p:spPr>
+          </p:pic>
+        </p:grpSp>
+        <p:sp>
+          <p:nvSpPr>
+            <p:cNvPr id="102" name="BlokTextu 101"/>
+            <p:cNvSpPr txBox="1"/>
+            <p:nvPr/>
+          </p:nvSpPr>
+          <p:spPr>
+            <a:xfrm>
+              <a:off x="24814928" y="5771361"/>
+              <a:ext cx="5351351" cy="1015663"/>
+            </a:xfrm>
+            <a:prstGeom prst="rect">
+              <a:avLst/>
+            </a:prstGeom>
+            <a:noFill/>
+          </p:spPr>
+          <p:txBody>
+            <a:bodyPr wrap="square" rtlCol="0">
+              <a:spAutoFit/>
+            </a:bodyPr>
+            <a:lstStyle/>
+            <a:p>
+              <a:r>
+                <a:rPr lang="sk-SK" sz="6000" b="1" dirty="0" err="1" smtClean="0">
+                  <a:solidFill>
+                    <a:schemeClr val="tx1">
+                      <a:lumMod val="75000"/>
+                      <a:lumOff val="25000"/>
+                    </a:schemeClr>
+                  </a:solidFill>
+                  <a:latin typeface="Buxton Sketch" pitchFamily="66" charset="0"/>
+                  <a:cs typeface="Aharoni" pitchFamily="2" charset="-79"/>
+                </a:rPr>
+                <a:t>Why</a:t>
+              </a:r>
+              <a:r>
+                <a:rPr lang="sk-SK" sz="6000" b="1" dirty="0" smtClean="0">
+                  <a:solidFill>
+                    <a:schemeClr val="tx1">
+                      <a:lumMod val="75000"/>
+                      <a:lumOff val="25000"/>
+                    </a:schemeClr>
+                  </a:solidFill>
+                  <a:latin typeface="Buxton Sketch" pitchFamily="66" charset="0"/>
+                  <a:cs typeface="Aharoni" pitchFamily="2" charset="-79"/>
+                </a:rPr>
+                <a:t> </a:t>
+              </a:r>
+              <a:r>
+                <a:rPr lang="sk-SK" sz="6000" b="1" smtClean="0">
+                  <a:solidFill>
+                    <a:schemeClr val="tx1">
+                      <a:lumMod val="75000"/>
+                      <a:lumOff val="25000"/>
+                    </a:schemeClr>
+                  </a:solidFill>
+                  <a:latin typeface="Buxton Sketch" pitchFamily="66" charset="0"/>
+                  <a:cs typeface="Aharoni" pitchFamily="2" charset="-79"/>
+                </a:rPr>
+                <a:t>to </a:t>
+              </a:r>
+              <a:r>
+                <a:rPr lang="sk-SK" sz="6000" b="1" smtClean="0">
+                  <a:solidFill>
+                    <a:schemeClr val="tx1">
+                      <a:lumMod val="75000"/>
+                      <a:lumOff val="25000"/>
+                    </a:schemeClr>
+                  </a:solidFill>
+                  <a:latin typeface="Buxton Sketch" pitchFamily="66" charset="0"/>
+                  <a:cs typeface="Aharoni" pitchFamily="2" charset="-79"/>
+                </a:rPr>
+                <a:t>use </a:t>
+              </a:r>
+              <a:r>
+                <a:rPr lang="sk-SK" sz="6000" b="1" dirty="0" smtClean="0">
+                  <a:solidFill>
+                    <a:schemeClr val="tx1">
+                      <a:lumMod val="75000"/>
+                      <a:lumOff val="25000"/>
+                    </a:schemeClr>
+                  </a:solidFill>
+                  <a:latin typeface="Buxton Sketch" pitchFamily="66" charset="0"/>
+                  <a:cs typeface="Aharoni" pitchFamily="2" charset="-79"/>
+                </a:rPr>
+                <a:t>TrollEdit?</a:t>
+              </a:r>
+            </a:p>
+          </p:txBody>
+        </p:sp>
+        <p:sp>
+          <p:nvSpPr>
+            <p:cNvPr id="105" name="BlokTextu 104"/>
+            <p:cNvSpPr txBox="1"/>
+            <p:nvPr/>
+          </p:nvSpPr>
+          <p:spPr>
+            <a:xfrm>
+              <a:off x="18243833" y="15629805"/>
+              <a:ext cx="10012539" cy="1200329"/>
+            </a:xfrm>
+            <a:prstGeom prst="rect">
+              <a:avLst/>
+            </a:prstGeom>
+            <a:noFill/>
+          </p:spPr>
+          <p:txBody>
+            <a:bodyPr wrap="square" rtlCol="0">
+              <a:spAutoFit/>
+            </a:bodyPr>
+            <a:lstStyle/>
+            <a:p>
+              <a:pPr>
+                <a:buFont typeface="Arial" pitchFamily="34" charset="0"/>
+                <a:buChar char="•"/>
+              </a:pPr>
+              <a:r>
+                <a:rPr lang="sk-SK" sz="3600" smtClean="0">
+                  <a:solidFill>
+                    <a:schemeClr val="tx1">
+                      <a:lumMod val="75000"/>
+                      <a:lumOff val="25000"/>
+                    </a:schemeClr>
+                  </a:solidFill>
+                  <a:latin typeface="Buxton Sketch" pitchFamily="66" charset="0"/>
+                  <a:cs typeface="Aharoni" pitchFamily="2" charset="-79"/>
+                </a:rPr>
+                <a:t> </a:t>
+              </a:r>
+              <a:r>
+                <a:rPr lang="sk-SK" sz="3600" dirty="0" err="1" smtClean="0">
+                  <a:solidFill>
+                    <a:schemeClr val="tx1">
+                      <a:lumMod val="75000"/>
+                      <a:lumOff val="25000"/>
+                    </a:schemeClr>
+                  </a:solidFill>
+                  <a:latin typeface="Buxton Sketch" pitchFamily="66" charset="0"/>
+                  <a:cs typeface="Aharoni" pitchFamily="2" charset="-79"/>
+                </a:rPr>
+                <a:t>Can</a:t>
+              </a:r>
+              <a:r>
+                <a:rPr lang="sk-SK" sz="3600" dirty="0" smtClean="0">
+                  <a:solidFill>
+                    <a:schemeClr val="tx1">
+                      <a:lumMod val="75000"/>
+                      <a:lumOff val="25000"/>
+                    </a:schemeClr>
+                  </a:solidFill>
+                  <a:latin typeface="Buxton Sketch" pitchFamily="66" charset="0"/>
+                  <a:cs typeface="Aharoni" pitchFamily="2" charset="-79"/>
+                </a:rPr>
+                <a:t> </a:t>
+              </a:r>
+              <a:r>
+                <a:rPr lang="sk-SK" sz="3600" dirty="0" err="1" smtClean="0">
+                  <a:solidFill>
+                    <a:schemeClr val="tx1">
+                      <a:lumMod val="75000"/>
+                      <a:lumOff val="25000"/>
+                    </a:schemeClr>
+                  </a:solidFill>
+                  <a:latin typeface="Buxton Sketch" pitchFamily="66" charset="0"/>
+                  <a:cs typeface="Aharoni" pitchFamily="2" charset="-79"/>
+                </a:rPr>
+                <a:t>works</a:t>
+              </a:r>
+              <a:r>
+                <a:rPr lang="sk-SK" sz="3600" dirty="0" smtClean="0">
+                  <a:solidFill>
+                    <a:schemeClr val="tx1">
+                      <a:lumMod val="75000"/>
+                      <a:lumOff val="25000"/>
+                    </a:schemeClr>
+                  </a:solidFill>
+                  <a:latin typeface="Buxton Sketch" pitchFamily="66" charset="0"/>
+                  <a:cs typeface="Aharoni" pitchFamily="2" charset="-79"/>
+                </a:rPr>
+                <a:t>  in  </a:t>
+              </a:r>
+              <a:r>
+                <a:rPr lang="sk-SK" sz="3600" dirty="0" err="1" smtClean="0">
+                  <a:solidFill>
+                    <a:schemeClr val="tx1">
+                      <a:lumMod val="75000"/>
+                      <a:lumOff val="25000"/>
+                    </a:schemeClr>
+                  </a:solidFill>
+                  <a:latin typeface="Buxton Sketch" pitchFamily="66" charset="0"/>
+                  <a:cs typeface="Aharoni" pitchFamily="2" charset="-79"/>
+                </a:rPr>
+                <a:t>two</a:t>
+              </a:r>
+              <a:r>
+                <a:rPr lang="sk-SK" sz="3600" dirty="0" smtClean="0">
+                  <a:solidFill>
+                    <a:schemeClr val="tx1">
+                      <a:lumMod val="75000"/>
+                      <a:lumOff val="25000"/>
+                    </a:schemeClr>
+                  </a:solidFill>
+                  <a:latin typeface="Buxton Sketch" pitchFamily="66" charset="0"/>
+                  <a:cs typeface="Aharoni" pitchFamily="2" charset="-79"/>
+                </a:rPr>
+                <a:t> </a:t>
+              </a:r>
+              <a:r>
+                <a:rPr lang="sk-SK" sz="3600" dirty="0" err="1" smtClean="0">
+                  <a:solidFill>
+                    <a:schemeClr val="tx1">
+                      <a:lumMod val="75000"/>
+                      <a:lumOff val="25000"/>
+                    </a:schemeClr>
+                  </a:solidFill>
+                  <a:latin typeface="Buxton Sketch" pitchFamily="66" charset="0"/>
+                  <a:cs typeface="Aharoni" pitchFamily="2" charset="-79"/>
+                </a:rPr>
+                <a:t>modes</a:t>
+              </a:r>
+              <a:r>
+                <a:rPr lang="sk-SK" sz="3600" dirty="0" smtClean="0">
+                  <a:solidFill>
+                    <a:schemeClr val="tx1">
+                      <a:lumMod val="75000"/>
+                      <a:lumOff val="25000"/>
+                    </a:schemeClr>
+                  </a:solidFill>
+                  <a:latin typeface="Buxton Sketch" pitchFamily="66" charset="0"/>
+                  <a:cs typeface="Aharoni" pitchFamily="2" charset="-79"/>
+                </a:rPr>
+                <a:t>  </a:t>
+              </a:r>
+              <a:r>
+                <a:rPr lang="sk-SK" sz="3600" dirty="0" err="1" smtClean="0">
+                  <a:solidFill>
+                    <a:schemeClr val="tx1">
+                      <a:lumMod val="75000"/>
+                      <a:lumOff val="25000"/>
+                    </a:schemeClr>
+                  </a:solidFill>
+                  <a:latin typeface="Buxton Sketch" pitchFamily="66" charset="0"/>
+                  <a:cs typeface="Aharoni" pitchFamily="2" charset="-79"/>
+                </a:rPr>
+                <a:t>as</a:t>
+              </a:r>
+              <a:r>
+                <a:rPr lang="sk-SK" sz="3600" dirty="0" smtClean="0">
+                  <a:solidFill>
+                    <a:schemeClr val="tx1">
+                      <a:lumMod val="75000"/>
+                      <a:lumOff val="25000"/>
+                    </a:schemeClr>
+                  </a:solidFill>
+                  <a:latin typeface="Buxton Sketch" pitchFamily="66" charset="0"/>
+                  <a:cs typeface="Aharoni" pitchFamily="2" charset="-79"/>
+                </a:rPr>
+                <a:t> </a:t>
+              </a:r>
+              <a:r>
+                <a:rPr lang="sk-SK" sz="3600" dirty="0" err="1" smtClean="0">
+                  <a:solidFill>
+                    <a:schemeClr val="tx1">
+                      <a:lumMod val="75000"/>
+                      <a:lumOff val="25000"/>
+                    </a:schemeClr>
+                  </a:solidFill>
+                  <a:latin typeface="Buxton Sketch" pitchFamily="66" charset="0"/>
+                  <a:cs typeface="Aharoni" pitchFamily="2" charset="-79"/>
+                </a:rPr>
+                <a:t>simple</a:t>
+              </a:r>
+              <a:r>
+                <a:rPr lang="sk-SK" sz="3600" dirty="0" smtClean="0">
+                  <a:solidFill>
+                    <a:schemeClr val="tx1">
+                      <a:lumMod val="75000"/>
+                      <a:lumOff val="25000"/>
+                    </a:schemeClr>
+                  </a:solidFill>
+                  <a:latin typeface="Buxton Sketch" pitchFamily="66" charset="0"/>
+                  <a:cs typeface="Aharoni" pitchFamily="2" charset="-79"/>
+                </a:rPr>
+                <a:t>  text  and  </a:t>
+              </a:r>
+              <a:r>
+                <a:rPr lang="sk-SK" sz="3600" dirty="0" err="1" smtClean="0">
+                  <a:solidFill>
+                    <a:schemeClr val="tx1">
+                      <a:lumMod val="75000"/>
+                      <a:lumOff val="25000"/>
+                    </a:schemeClr>
+                  </a:solidFill>
+                  <a:latin typeface="Buxton Sketch" pitchFamily="66" charset="0"/>
+                  <a:cs typeface="Aharoni" pitchFamily="2" charset="-79"/>
+                </a:rPr>
+                <a:t>with</a:t>
+              </a:r>
+              <a:r>
+                <a:rPr lang="sk-SK" sz="3600" dirty="0" smtClean="0">
+                  <a:solidFill>
+                    <a:schemeClr val="tx1">
+                      <a:lumMod val="75000"/>
+                      <a:lumOff val="25000"/>
+                    </a:schemeClr>
+                  </a:solidFill>
+                  <a:latin typeface="Buxton Sketch" pitchFamily="66" charset="0"/>
+                  <a:cs typeface="Aharoni" pitchFamily="2" charset="-79"/>
+                </a:rPr>
+                <a:t> </a:t>
+              </a:r>
+              <a:r>
+                <a:rPr lang="sk-SK" sz="3600" dirty="0" err="1" smtClean="0">
+                  <a:solidFill>
+                    <a:schemeClr val="tx1">
+                      <a:lumMod val="75000"/>
+                      <a:lumOff val="25000"/>
+                    </a:schemeClr>
+                  </a:solidFill>
+                  <a:latin typeface="Buxton Sketch" pitchFamily="66" charset="0"/>
+                  <a:cs typeface="Aharoni" pitchFamily="2" charset="-79"/>
+                </a:rPr>
+                <a:t>graphical</a:t>
+              </a:r>
+              <a:r>
+                <a:rPr lang="sk-SK" sz="3600" dirty="0" smtClean="0">
+                  <a:solidFill>
+                    <a:schemeClr val="tx1">
+                      <a:lumMod val="75000"/>
+                      <a:lumOff val="25000"/>
+                    </a:schemeClr>
+                  </a:solidFill>
+                  <a:latin typeface="Buxton Sketch" pitchFamily="66" charset="0"/>
+                  <a:cs typeface="Aharoni" pitchFamily="2" charset="-79"/>
+                </a:rPr>
+                <a:t>  </a:t>
+              </a:r>
+              <a:r>
+                <a:rPr lang="sk-SK" sz="3600" dirty="0" err="1" smtClean="0">
+                  <a:solidFill>
+                    <a:schemeClr val="tx1">
+                      <a:lumMod val="75000"/>
+                      <a:lumOff val="25000"/>
+                    </a:schemeClr>
+                  </a:solidFill>
+                  <a:latin typeface="Buxton Sketch" pitchFamily="66" charset="0"/>
+                  <a:cs typeface="Aharoni" pitchFamily="2" charset="-79"/>
+                </a:rPr>
+                <a:t>elements</a:t>
+              </a:r>
+              <a:r>
+                <a:rPr lang="sk-SK" sz="3600" dirty="0" smtClean="0">
+                  <a:solidFill>
+                    <a:schemeClr val="tx1">
+                      <a:lumMod val="75000"/>
+                      <a:lumOff val="25000"/>
+                    </a:schemeClr>
+                  </a:solidFill>
+                  <a:latin typeface="Buxton Sketch" pitchFamily="66" charset="0"/>
+                  <a:cs typeface="Aharoni" pitchFamily="2" charset="-79"/>
+                </a:rPr>
+                <a:t>  </a:t>
+              </a:r>
+            </a:p>
+            <a:p>
+              <a:endParaRPr lang="sk-SK" sz="3600" dirty="0" smtClean="0">
+                <a:solidFill>
+                  <a:schemeClr val="tx1">
+                    <a:lumMod val="75000"/>
+                    <a:lumOff val="25000"/>
+                  </a:schemeClr>
+                </a:solidFill>
+                <a:latin typeface="Buxton Sketch" pitchFamily="66" charset="0"/>
+                <a:cs typeface="Aharoni" pitchFamily="2" charset="-79"/>
+              </a:endParaRPr>
+            </a:p>
+          </p:txBody>
+        </p:sp>
         <p:pic>
           <p:nvPicPr>
-            <p:cNvPr id="61" name="Obrázok 60" descr="Main2_4.tif"/>
+            <p:cNvPr id="106" name="Obrázok 105" descr="Main2_4.tif"/>
             <p:cNvPicPr>
               <a:picLocks noChangeAspect="1"/>
             </p:cNvPicPr>
@@ -6020,8 +6434,8 @@
           </p:blipFill>
           <p:spPr>
             <a:xfrm>
-              <a:off x="19890929" y="8593175"/>
-              <a:ext cx="3240360" cy="2148405"/>
+              <a:off x="18090728" y="16576551"/>
+              <a:ext cx="3456428" cy="2291661"/>
             </a:xfrm>
             <a:prstGeom prst="rect">
               <a:avLst/>
@@ -6030,22 +6444,62 @@
         </p:pic>
         <p:pic>
           <p:nvPicPr>
-            <p:cNvPr id="62" name="Obrázok 61" descr="Main3_3.tif"/>
+            <p:cNvPr id="108" name="Obrázok 107" descr="trollEdit-start_page.png"/>
             <p:cNvPicPr>
               <a:picLocks noChangeAspect="1"/>
             </p:cNvPicPr>
             <p:nvPr/>
           </p:nvPicPr>
           <p:blipFill>
-            <a:blip r:embed="rId22" cstate="print"/>
+            <a:blip r:embed="rId23" cstate="print">
+              <a:duotone>
+                <a:schemeClr val="bg2">
+                  <a:shade val="45000"/>
+                  <a:satMod val="135000"/>
+                </a:schemeClr>
+                <a:prstClr val="white"/>
+              </a:duotone>
+            </a:blip>
             <a:stretch>
               <a:fillRect/>
             </a:stretch>
           </p:blipFill>
           <p:spPr>
-            <a:xfrm>
-              <a:off x="15930488" y="10959927"/>
-              <a:ext cx="4320480" cy="2751976"/>
+            <a:xfrm rot="18281528" flipH="1">
+              <a:off x="21629004" y="16770258"/>
+              <a:ext cx="1512985" cy="356715"/>
+            </a:xfrm>
+            <a:prstGeom prst="rect">
+              <a:avLst/>
+            </a:prstGeom>
+          </p:spPr>
+        </p:pic>
+        <p:pic>
+          <p:nvPicPr>
+            <p:cNvPr id="109" name="Obrázok 108" descr="trollEdit-start_page.png"/>
+            <p:cNvPicPr>
+              <a:picLocks noChangeAspect="1"/>
+            </p:cNvPicPr>
+            <p:nvPr/>
+          </p:nvPicPr>
+          <p:blipFill>
+            <a:blip r:embed="rId23" cstate="print">
+              <a:duotone>
+                <a:schemeClr val="bg2">
+                  <a:shade val="45000"/>
+                  <a:satMod val="135000"/>
+                </a:schemeClr>
+                <a:prstClr val="white"/>
+              </a:duotone>
+            </a:blip>
+            <a:stretch>
+              <a:fillRect/>
+            </a:stretch>
+          </p:blipFill>
+          <p:spPr>
+            <a:xfrm rot="18281528" flipH="1">
+              <a:off x="27358722" y="16913136"/>
+              <a:ext cx="1512985" cy="356715"/>
             </a:xfrm>
             <a:prstGeom prst="rect">
               <a:avLst/>
@@ -6053,32 +6507,72 @@
           </p:spPr>
         </p:pic>
       </p:grpSp>
+      <p:sp>
+        <p:nvSpPr>
+          <p:cNvPr id="119" name="Obdĺžnik s rovnostranným zaobleným rohom 118"/>
+          <p:cNvSpPr/>
+          <p:nvPr/>
+        </p:nvSpPr>
+        <p:spPr>
+          <a:xfrm rot="5400000" flipH="1">
+            <a:off x="3776716" y="27911443"/>
+            <a:ext cx="6000792" cy="13554224"/>
+          </a:xfrm>
+          <a:prstGeom prst="round2SameRect">
+            <a:avLst/>
+          </a:prstGeom>
+          <a:solidFill>
+            <a:schemeClr val="bg1">
+              <a:lumMod val="95000"/>
+            </a:schemeClr>
+          </a:solidFill>
+          <a:ln>
+            <a:noFill/>
+          </a:ln>
+        </p:spPr>
+        <p:style>
+          <a:lnRef idx="2">
+            <a:schemeClr val="accent1">
+              <a:shade val="50000"/>
+            </a:schemeClr>
+          </a:lnRef>
+          <a:fillRef idx="1">
+            <a:schemeClr val="accent1"/>
+          </a:fillRef>
+          <a:effectRef idx="0">
+            <a:schemeClr val="accent1"/>
+          </a:effectRef>
+          <a:fontRef idx="minor">
+            <a:schemeClr val="lt1"/>
+          </a:fontRef>
+        </p:style>
+        <p:txBody>
+          <a:bodyPr rtlCol="0" anchor="ctr"/>
+          <a:lstStyle/>
+          <a:p>
+            <a:pPr algn="ctr"/>
+            <a:endParaRPr lang="sk-SK" dirty="0"/>
+          </a:p>
+        </p:txBody>
+      </p:sp>
       <p:pic>
         <p:nvPicPr>
-          <p:cNvPr id="95" name="Obrázok 94" descr="trollEdit-start_page.png"/>
+          <p:cNvPr id="50" name="Obrázok 49" descr="img.php.png"/>
           <p:cNvPicPr>
             <a:picLocks noChangeAspect="1"/>
           </p:cNvPicPr>
           <p:nvPr/>
         </p:nvPicPr>
         <p:blipFill>
-          <a:blip r:embed="rId23" cstate="print">
-            <a:duotone>
-              <a:schemeClr val="bg2">
-                <a:shade val="45000"/>
-                <a:satMod val="135000"/>
-              </a:schemeClr>
-              <a:prstClr val="white"/>
-            </a:duotone>
-          </a:blip>
+          <a:blip r:embed="rId24" cstate="print"/>
           <a:stretch>
             <a:fillRect/>
           </a:stretch>
         </p:blipFill>
         <p:spPr>
           <a:xfrm>
-            <a:off x="12474104" y="13480207"/>
-            <a:ext cx="2232248" cy="903003"/>
+            <a:off x="17567292" y="38117579"/>
+            <a:ext cx="2667000" cy="2667000"/>
           </a:xfrm>
           <a:prstGeom prst="rect">
             <a:avLst/>
@@ -6087,19 +6581,24 @@
       </p:pic>
       <p:sp>
         <p:nvSpPr>
-          <p:cNvPr id="102" name="BlokTextu 101"/>
+          <p:cNvPr id="49" name="BlokTextu 48"/>
           <p:cNvSpPr txBox="1"/>
           <p:nvPr/>
         </p:nvSpPr>
         <p:spPr>
-          <a:xfrm rot="294252">
-            <a:off x="23548900" y="6779824"/>
-            <a:ext cx="6696744" cy="1015663"/>
+          <a:xfrm>
+            <a:off x="448768" y="31688159"/>
+            <a:ext cx="12760806" cy="3724096"/>
           </a:xfrm>
-          <a:prstGeom prst="rect">
-            <a:avLst/>
+          <a:prstGeom prst="roundRect">
+            <a:avLst>
+              <a:gd name="adj" fmla="val 1362"/>
+            </a:avLst>
           </a:prstGeom>
           <a:noFill/>
+          <a:ln>
+            <a:noFill/>
+          </a:ln>
         </p:spPr>
         <p:txBody>
           <a:bodyPr wrap="square" rtlCol="0">
@@ -6107,729 +6606,211 @@
           </a:bodyPr>
           <a:lstStyle/>
           <a:p>
-            <a:r>
-              <a:rPr lang="sk-SK" sz="6000" b="1" dirty="0" err="1" smtClean="0">
-                <a:solidFill>
-                  <a:schemeClr val="bg1">
-                    <a:lumMod val="50000"/>
-                  </a:schemeClr>
-                </a:solidFill>
-                <a:latin typeface="Buxton Sketch" pitchFamily="66" charset="0"/>
-                <a:cs typeface="Aharoni" pitchFamily="2" charset="-79"/>
-              </a:rPr>
-              <a:t>Why</a:t>
-            </a:r>
-            <a:r>
-              <a:rPr lang="sk-SK" sz="6000" b="1" dirty="0" smtClean="0">
-                <a:solidFill>
-                  <a:schemeClr val="bg1">
-                    <a:lumMod val="50000"/>
-                  </a:schemeClr>
-                </a:solidFill>
-                <a:latin typeface="Buxton Sketch" pitchFamily="66" charset="0"/>
-                <a:cs typeface="Aharoni" pitchFamily="2" charset="-79"/>
-              </a:rPr>
-              <a:t> to </a:t>
-            </a:r>
-            <a:r>
-              <a:rPr lang="sk-SK" sz="6000" b="1" dirty="0" err="1" smtClean="0">
-                <a:solidFill>
-                  <a:schemeClr val="bg1">
-                    <a:lumMod val="50000"/>
-                  </a:schemeClr>
-                </a:solidFill>
-                <a:latin typeface="Buxton Sketch" pitchFamily="66" charset="0"/>
-                <a:cs typeface="Aharoni" pitchFamily="2" charset="-79"/>
-              </a:rPr>
-              <a:t>used</a:t>
-            </a:r>
-            <a:r>
-              <a:rPr lang="sk-SK" sz="6000" b="1" dirty="0" smtClean="0">
-                <a:solidFill>
-                  <a:schemeClr val="bg1">
-                    <a:lumMod val="50000"/>
-                  </a:schemeClr>
-                </a:solidFill>
-                <a:latin typeface="Buxton Sketch" pitchFamily="66" charset="0"/>
-                <a:cs typeface="Aharoni" pitchFamily="2" charset="-79"/>
-              </a:rPr>
-              <a:t> TrollEdit?</a:t>
-            </a:r>
-          </a:p>
-        </p:txBody>
-      </p:sp>
-      <p:sp>
-        <p:nvSpPr>
-          <p:cNvPr id="103" name="BlokTextu 102"/>
-          <p:cNvSpPr txBox="1"/>
-          <p:nvPr/>
-        </p:nvSpPr>
-        <p:spPr>
-          <a:xfrm>
-            <a:off x="7721576" y="13768239"/>
-            <a:ext cx="6696744" cy="769441"/>
-          </a:xfrm>
-          <a:prstGeom prst="rect">
-            <a:avLst/>
-          </a:prstGeom>
-          <a:noFill/>
-        </p:spPr>
-        <p:txBody>
-          <a:bodyPr wrap="square" rtlCol="0">
-            <a:spAutoFit/>
-          </a:bodyPr>
-          <a:lstStyle/>
-          <a:p>
-            <a:r>
-              <a:rPr lang="sk-SK" sz="4400" dirty="0" err="1" smtClean="0">
-                <a:solidFill>
-                  <a:schemeClr val="bg1">
-                    <a:lumMod val="50000"/>
-                  </a:schemeClr>
-                </a:solidFill>
-                <a:latin typeface="Buxton Sketch" pitchFamily="66" charset="0"/>
-                <a:cs typeface="Aharoni" pitchFamily="2" charset="-79"/>
-              </a:rPr>
-              <a:t>Yes</a:t>
-            </a:r>
-            <a:r>
-              <a:rPr lang="sk-SK" sz="4400" dirty="0" smtClean="0">
-                <a:solidFill>
-                  <a:schemeClr val="bg1">
-                    <a:lumMod val="50000"/>
-                  </a:schemeClr>
-                </a:solidFill>
-                <a:latin typeface="Buxton Sketch" pitchFamily="66" charset="0"/>
-                <a:cs typeface="Aharoni" pitchFamily="2" charset="-79"/>
-              </a:rPr>
-              <a:t>, </a:t>
-            </a:r>
-            <a:r>
-              <a:rPr lang="sk-SK" sz="4400" dirty="0" err="1" smtClean="0">
-                <a:solidFill>
-                  <a:schemeClr val="bg1">
-                    <a:lumMod val="50000"/>
-                  </a:schemeClr>
-                </a:solidFill>
-                <a:latin typeface="Buxton Sketch" pitchFamily="66" charset="0"/>
-                <a:cs typeface="Aharoni" pitchFamily="2" charset="-79"/>
-              </a:rPr>
-              <a:t>answer</a:t>
-            </a:r>
-            <a:r>
-              <a:rPr lang="sk-SK" sz="4400" dirty="0" smtClean="0">
-                <a:solidFill>
-                  <a:schemeClr val="bg1">
-                    <a:lumMod val="50000"/>
-                  </a:schemeClr>
-                </a:solidFill>
-                <a:latin typeface="Buxton Sketch" pitchFamily="66" charset="0"/>
-                <a:cs typeface="Aharoni" pitchFamily="2" charset="-79"/>
+            <a:pPr algn="just"/>
+            <a:r>
+              <a:rPr lang="sk-SK" sz="4000" b="1" dirty="0" smtClean="0">
+                <a:effectLst>
+                  <a:outerShdw blurRad="38100" dist="38100" dir="2700000" algn="tl">
+                    <a:srgbClr val="000000">
+                      <a:alpha val="43137"/>
+                    </a:srgbClr>
+                  </a:outerShdw>
+                </a:effectLst>
               </a:rPr>
               <a:t> </a:t>
             </a:r>
             <a:r>
-              <a:rPr lang="sk-SK" sz="4400" dirty="0" err="1" smtClean="0">
-                <a:solidFill>
-                  <a:schemeClr val="bg1">
-                    <a:lumMod val="50000"/>
-                  </a:schemeClr>
-                </a:solidFill>
-                <a:latin typeface="Buxton Sketch" pitchFamily="66" charset="0"/>
-                <a:cs typeface="Aharoni" pitchFamily="2" charset="-79"/>
+              <a:rPr lang="sk-SK" sz="4000" b="1" dirty="0" err="1" smtClean="0">
+                <a:effectLst>
+                  <a:outerShdw blurRad="38100" dist="38100" dir="2700000" algn="tl">
+                    <a:srgbClr val="000000">
+                      <a:alpha val="43137"/>
+                    </a:srgbClr>
+                  </a:outerShdw>
+                </a:effectLst>
               </a:rPr>
-              <a:t>is</a:t>
-            </a:r>
-            <a:r>
-              <a:rPr lang="sk-SK" sz="4400" dirty="0" smtClean="0">
-                <a:solidFill>
-                  <a:schemeClr val="bg1">
-                    <a:lumMod val="50000"/>
-                  </a:schemeClr>
-                </a:solidFill>
-                <a:latin typeface="Buxton Sketch" pitchFamily="66" charset="0"/>
-                <a:cs typeface="Aharoni" pitchFamily="2" charset="-79"/>
-              </a:rPr>
-              <a:t> TrollEdit</a:t>
-            </a:r>
-          </a:p>
-        </p:txBody>
-      </p:sp>
-      <p:sp>
-        <p:nvSpPr>
-          <p:cNvPr id="105" name="BlokTextu 104"/>
-          <p:cNvSpPr txBox="1"/>
-          <p:nvPr/>
-        </p:nvSpPr>
-        <p:spPr>
-          <a:xfrm rot="184828">
-            <a:off x="17489016" y="14324773"/>
-            <a:ext cx="12734963" cy="2308324"/>
-          </a:xfrm>
-          <a:prstGeom prst="rect">
-            <a:avLst/>
-          </a:prstGeom>
-          <a:noFill/>
-        </p:spPr>
-        <p:txBody>
-          <a:bodyPr wrap="square" rtlCol="0">
-            <a:spAutoFit/>
-          </a:bodyPr>
-          <a:lstStyle/>
-          <a:p>
-            <a:pPr>
-              <a:buFont typeface="Arial" pitchFamily="34" charset="0"/>
-              <a:buChar char="•"/>
-            </a:pPr>
-            <a:r>
-              <a:rPr lang="sk-SK" sz="3600" dirty="0" smtClean="0">
-                <a:solidFill>
-                  <a:schemeClr val="bg1">
-                    <a:lumMod val="50000"/>
-                  </a:schemeClr>
-                </a:solidFill>
-                <a:latin typeface="Buxton Sketch" pitchFamily="66" charset="0"/>
-                <a:cs typeface="Aharoni" pitchFamily="2" charset="-79"/>
-              </a:rPr>
-              <a:t>  </a:t>
-            </a:r>
-            <a:r>
-              <a:rPr lang="sk-SK" sz="3600" dirty="0" err="1" smtClean="0">
-                <a:solidFill>
-                  <a:schemeClr val="bg1">
-                    <a:lumMod val="50000"/>
-                  </a:schemeClr>
-                </a:solidFill>
-                <a:latin typeface="Buxton Sketch" pitchFamily="66" charset="0"/>
-                <a:cs typeface="Aharoni" pitchFamily="2" charset="-79"/>
-              </a:rPr>
-              <a:t>Write</a:t>
-            </a:r>
-            <a:r>
-              <a:rPr lang="sk-SK" sz="3600" dirty="0" smtClean="0">
-                <a:solidFill>
-                  <a:schemeClr val="bg1">
-                    <a:lumMod val="50000"/>
-                  </a:schemeClr>
-                </a:solidFill>
-                <a:latin typeface="Buxton Sketch" pitchFamily="66" charset="0"/>
-                <a:cs typeface="Aharoni" pitchFamily="2" charset="-79"/>
+              <a:t>Conclusion</a:t>
+            </a:r>
+            <a:r>
+              <a:rPr lang="sk-SK" sz="4000" b="1" dirty="0" smtClean="0">
+                <a:effectLst>
+                  <a:outerShdw blurRad="38100" dist="38100" dir="2700000" algn="tl">
+                    <a:srgbClr val="000000">
+                      <a:alpha val="43137"/>
+                    </a:srgbClr>
+                  </a:outerShdw>
+                </a:effectLst>
               </a:rPr>
               <a:t> </a:t>
             </a:r>
-            <a:r>
-              <a:rPr lang="sk-SK" sz="3600" dirty="0" err="1" smtClean="0">
-                <a:solidFill>
-                  <a:schemeClr val="bg1">
-                    <a:lumMod val="50000"/>
-                  </a:schemeClr>
-                </a:solidFill>
-                <a:latin typeface="Buxton Sketch" pitchFamily="66" charset="0"/>
-                <a:cs typeface="Aharoni" pitchFamily="2" charset="-79"/>
-              </a:rPr>
-              <a:t>documentation</a:t>
-            </a:r>
-            <a:r>
-              <a:rPr lang="sk-SK" sz="3600" dirty="0" smtClean="0">
-                <a:solidFill>
-                  <a:schemeClr val="bg1">
-                    <a:lumMod val="50000"/>
-                  </a:schemeClr>
-                </a:solidFill>
-                <a:latin typeface="Buxton Sketch" pitchFamily="66" charset="0"/>
-                <a:cs typeface="Aharoni" pitchFamily="2" charset="-79"/>
-              </a:rPr>
-              <a:t>  </a:t>
-            </a:r>
-            <a:r>
-              <a:rPr lang="sk-SK" sz="3600" dirty="0" err="1" smtClean="0">
-                <a:solidFill>
-                  <a:schemeClr val="bg1">
-                    <a:lumMod val="50000"/>
-                  </a:schemeClr>
-                </a:solidFill>
-                <a:latin typeface="Buxton Sketch" pitchFamily="66" charset="0"/>
-                <a:cs typeface="Aharoni" pitchFamily="2" charset="-79"/>
-              </a:rPr>
-              <a:t>into</a:t>
-            </a:r>
-            <a:r>
-              <a:rPr lang="sk-SK" sz="3600" dirty="0" smtClean="0">
-                <a:solidFill>
-                  <a:schemeClr val="bg1">
-                    <a:lumMod val="50000"/>
-                  </a:schemeClr>
-                </a:solidFill>
-                <a:latin typeface="Buxton Sketch" pitchFamily="66" charset="0"/>
-                <a:cs typeface="Aharoni" pitchFamily="2" charset="-79"/>
-              </a:rPr>
+          </a:p>
+          <a:p>
+            <a:pPr algn="just"/>
+            <a:endParaRPr lang="sk-SK" sz="2400" dirty="0" smtClean="0"/>
+          </a:p>
+          <a:p>
+            <a:pPr algn="just"/>
+            <a:r>
+              <a:rPr lang="sk-SK" sz="2400" dirty="0" smtClean="0"/>
+              <a:t>Čo sa </a:t>
+            </a:r>
+            <a:r>
+              <a:rPr lang="sk-SK" sz="2400" dirty="0" err="1" smtClean="0"/>
+              <a:t>nam</a:t>
+            </a:r>
+            <a:r>
+              <a:rPr lang="sk-SK" sz="2400" dirty="0" smtClean="0"/>
+              <a:t> podarilo </a:t>
+            </a:r>
+            <a:r>
+              <a:rPr lang="sk-SK" sz="2400" dirty="0" err="1" smtClean="0"/>
+              <a:t>zhnutie</a:t>
+            </a:r>
+            <a:r>
+              <a:rPr lang="sk-SK" sz="2400" dirty="0" smtClean="0"/>
+              <a:t> t.j. niečoho </a:t>
+            </a:r>
+            <a:r>
+              <a:rPr lang="sk-SK" sz="2400" dirty="0" err="1" smtClean="0"/>
+              <a:t>noveho</a:t>
+            </a:r>
+            <a:r>
+              <a:rPr lang="sk-SK" sz="2400" dirty="0" smtClean="0"/>
+              <a:t> čo </a:t>
+            </a:r>
+            <a:r>
+              <a:rPr lang="sk-SK" sz="2400" dirty="0" err="1" smtClean="0"/>
+              <a:t>dopisal</a:t>
+            </a:r>
+            <a:r>
+              <a:rPr lang="sk-SK" sz="2400" dirty="0" smtClean="0"/>
               <a:t> </a:t>
             </a:r>
             <a:r>
-              <a:rPr lang="sk-SK" sz="3600" dirty="0" err="1" smtClean="0">
-                <a:solidFill>
-                  <a:schemeClr val="bg1">
-                    <a:lumMod val="50000"/>
-                  </a:schemeClr>
-                </a:solidFill>
-                <a:latin typeface="Buxton Sketch" pitchFamily="66" charset="0"/>
-                <a:cs typeface="Aharoni" pitchFamily="2" charset="-79"/>
-              </a:rPr>
-              <a:t>code</a:t>
-            </a:r>
-            <a:r>
-              <a:rPr lang="sk-SK" sz="3600" dirty="0" smtClean="0">
-                <a:solidFill>
-                  <a:schemeClr val="bg1">
-                    <a:lumMod val="50000"/>
-                  </a:schemeClr>
-                </a:solidFill>
-                <a:latin typeface="Buxton Sketch" pitchFamily="66" charset="0"/>
-                <a:cs typeface="Aharoni" pitchFamily="2" charset="-79"/>
-              </a:rPr>
-              <a:t> (</a:t>
-            </a:r>
-            <a:r>
-              <a:rPr lang="sk-SK" sz="3600" dirty="0" err="1" smtClean="0">
-                <a:solidFill>
-                  <a:schemeClr val="bg1">
-                    <a:lumMod val="50000"/>
-                  </a:schemeClr>
-                </a:solidFill>
-                <a:latin typeface="Buxton Sketch" pitchFamily="66" charset="0"/>
-                <a:cs typeface="Aharoni" pitchFamily="2" charset="-79"/>
-              </a:rPr>
-              <a:t>Literate</a:t>
-            </a:r>
-            <a:r>
-              <a:rPr lang="sk-SK" sz="3600" dirty="0" smtClean="0">
-                <a:solidFill>
-                  <a:schemeClr val="bg1">
-                    <a:lumMod val="50000"/>
-                  </a:schemeClr>
-                </a:solidFill>
-                <a:latin typeface="Buxton Sketch" pitchFamily="66" charset="0"/>
-                <a:cs typeface="Aharoni" pitchFamily="2" charset="-79"/>
-              </a:rPr>
+              <a:rPr lang="sk-SK" sz="2400" dirty="0" err="1" smtClean="0"/>
+              <a:t>nexisutje</a:t>
+            </a:r>
+            <a:r>
+              <a:rPr lang="sk-SK" sz="2400" dirty="0" smtClean="0"/>
+              <a:t>.</a:t>
+            </a:r>
+          </a:p>
+          <a:p>
+            <a:pPr algn="just"/>
+            <a:r>
+              <a:rPr lang="sk-SK" sz="2400" dirty="0" smtClean="0"/>
+              <a:t>Na </a:t>
+            </a:r>
+            <a:r>
+              <a:rPr lang="sk-SK" sz="2400" dirty="0" err="1" smtClean="0"/>
+              <a:t>vyvoji</a:t>
+            </a:r>
+            <a:r>
+              <a:rPr lang="sk-SK" sz="2400" dirty="0" smtClean="0"/>
               <a:t> </a:t>
             </a:r>
             <a:r>
-              <a:rPr lang="sk-SK" sz="3600" dirty="0" err="1" smtClean="0">
-                <a:solidFill>
-                  <a:schemeClr val="bg1">
-                    <a:lumMod val="50000"/>
-                  </a:schemeClr>
-                </a:solidFill>
-                <a:latin typeface="Buxton Sketch" pitchFamily="66" charset="0"/>
-                <a:cs typeface="Aharoni" pitchFamily="2" charset="-79"/>
-              </a:rPr>
-              <a:t>programming</a:t>
-            </a:r>
-            <a:r>
-              <a:rPr lang="sk-SK" sz="3600" dirty="0" smtClean="0">
-                <a:solidFill>
-                  <a:schemeClr val="bg1">
-                    <a:lumMod val="50000"/>
-                  </a:schemeClr>
-                </a:solidFill>
-                <a:latin typeface="Buxton Sketch" pitchFamily="66" charset="0"/>
-                <a:cs typeface="Aharoni" pitchFamily="2" charset="-79"/>
-              </a:rPr>
+              <a:rPr lang="sk-SK" sz="2400" dirty="0" err="1" smtClean="0"/>
+              <a:t>nadalej</a:t>
+            </a:r>
+            <a:r>
+              <a:rPr lang="sk-SK" sz="2400" dirty="0" smtClean="0"/>
               <a:t> </a:t>
             </a:r>
             <a:r>
-              <a:rPr lang="sk-SK" sz="3600" dirty="0" err="1" smtClean="0">
-                <a:solidFill>
-                  <a:schemeClr val="bg1">
-                    <a:lumMod val="50000"/>
-                  </a:schemeClr>
-                </a:solidFill>
-                <a:latin typeface="Buxton Sketch" pitchFamily="66" charset="0"/>
-                <a:cs typeface="Aharoni" pitchFamily="2" charset="-79"/>
-              </a:rPr>
-              <a:t>as</a:t>
-            </a:r>
-            <a:r>
-              <a:rPr lang="sk-SK" sz="3600" dirty="0" smtClean="0">
-                <a:solidFill>
-                  <a:schemeClr val="bg1">
-                    <a:lumMod val="50000"/>
-                  </a:schemeClr>
-                </a:solidFill>
-                <a:latin typeface="Buxton Sketch" pitchFamily="66" charset="0"/>
-                <a:cs typeface="Aharoni" pitchFamily="2" charset="-79"/>
-              </a:rPr>
-              <a:t>  D. </a:t>
-            </a:r>
-            <a:r>
-              <a:rPr lang="sk-SK" sz="3600" dirty="0" err="1" smtClean="0">
-                <a:solidFill>
-                  <a:schemeClr val="bg1">
-                    <a:lumMod val="50000"/>
-                  </a:schemeClr>
-                </a:solidFill>
-                <a:latin typeface="Buxton Sketch" pitchFamily="66" charset="0"/>
-                <a:cs typeface="Aharoni" pitchFamily="2" charset="-79"/>
-              </a:rPr>
-              <a:t>Knuth</a:t>
-            </a:r>
-            <a:r>
-              <a:rPr lang="sk-SK" sz="3600" dirty="0" smtClean="0">
-                <a:solidFill>
-                  <a:schemeClr val="bg1">
-                    <a:lumMod val="50000"/>
-                  </a:schemeClr>
-                </a:solidFill>
-                <a:latin typeface="Buxton Sketch" pitchFamily="66" charset="0"/>
-                <a:cs typeface="Aharoni" pitchFamily="2" charset="-79"/>
-              </a:rPr>
-              <a:t>)</a:t>
-            </a:r>
-          </a:p>
-          <a:p>
-            <a:pPr>
-              <a:buFont typeface="Arial" pitchFamily="34" charset="0"/>
-              <a:buChar char="•"/>
-            </a:pPr>
-            <a:endParaRPr lang="sk-SK" sz="3600" dirty="0" smtClean="0">
-              <a:solidFill>
-                <a:schemeClr val="bg1">
-                  <a:lumMod val="50000"/>
-                </a:schemeClr>
-              </a:solidFill>
-              <a:latin typeface="Buxton Sketch" pitchFamily="66" charset="0"/>
-              <a:cs typeface="Aharoni" pitchFamily="2" charset="-79"/>
-            </a:endParaRPr>
-          </a:p>
-          <a:p>
-            <a:pPr>
-              <a:buFont typeface="Arial" pitchFamily="34" charset="0"/>
-              <a:buChar char="•"/>
-            </a:pPr>
-            <a:r>
-              <a:rPr lang="sk-SK" sz="3600" dirty="0" smtClean="0">
-                <a:solidFill>
-                  <a:schemeClr val="bg1">
-                    <a:lumMod val="50000"/>
-                  </a:schemeClr>
-                </a:solidFill>
-                <a:latin typeface="Buxton Sketch" pitchFamily="66" charset="0"/>
-                <a:cs typeface="Aharoni" pitchFamily="2" charset="-79"/>
-              </a:rPr>
+              <a:rPr lang="sk-SK" sz="2400" dirty="0" err="1" smtClean="0"/>
+              <a:t>prokračujeme</a:t>
+            </a:r>
+            <a:r>
+              <a:rPr lang="sk-SK" sz="2400" dirty="0" smtClean="0"/>
+              <a:t> a budeme radi ak sa </a:t>
+            </a:r>
+            <a:r>
+              <a:rPr lang="sk-SK" sz="2400" dirty="0" err="1" smtClean="0"/>
+              <a:t>knam</a:t>
+            </a:r>
+            <a:r>
+              <a:rPr lang="sk-SK" sz="2400" dirty="0" smtClean="0"/>
               <a:t> </a:t>
             </a:r>
             <a:r>
-              <a:rPr lang="sk-SK" sz="3600" dirty="0" err="1" smtClean="0">
-                <a:solidFill>
-                  <a:schemeClr val="bg1">
-                    <a:lumMod val="50000"/>
-                  </a:schemeClr>
-                </a:solidFill>
-                <a:latin typeface="Buxton Sketch" pitchFamily="66" charset="0"/>
-                <a:cs typeface="Aharoni" pitchFamily="2" charset="-79"/>
-              </a:rPr>
-              <a:t>Can</a:t>
-            </a:r>
-            <a:r>
-              <a:rPr lang="sk-SK" sz="3600" dirty="0" smtClean="0">
-                <a:solidFill>
-                  <a:schemeClr val="bg1">
-                    <a:lumMod val="50000"/>
-                  </a:schemeClr>
-                </a:solidFill>
-                <a:latin typeface="Buxton Sketch" pitchFamily="66" charset="0"/>
-                <a:cs typeface="Aharoni" pitchFamily="2" charset="-79"/>
-              </a:rPr>
+              <a:rPr lang="sk-SK" sz="2400" dirty="0" err="1" smtClean="0"/>
+              <a:t>pripojite</a:t>
+            </a:r>
+            <a:r>
+              <a:rPr lang="sk-SK" sz="2400" dirty="0" smtClean="0"/>
+              <a:t> do skupiny a </a:t>
+            </a:r>
+            <a:r>
+              <a:rPr lang="sk-SK" sz="2400" dirty="0" err="1" smtClean="0"/>
+              <a:t>pomožete</a:t>
+            </a:r>
+            <a:r>
+              <a:rPr lang="sk-SK" sz="2400" dirty="0" smtClean="0"/>
+              <a:t> tak </a:t>
+            </a:r>
+            <a:r>
+              <a:rPr lang="sk-SK" sz="2400" dirty="0" err="1" smtClean="0"/>
+              <a:t>vytvorit</a:t>
+            </a:r>
+            <a:r>
+              <a:rPr lang="sk-SK" sz="2400" dirty="0" smtClean="0"/>
+              <a:t> niečo </a:t>
+            </a:r>
+            <a:r>
+              <a:rPr lang="sk-SK" sz="2400" dirty="0" err="1" smtClean="0"/>
+              <a:t>originalne</a:t>
+            </a:r>
+            <a:r>
+              <a:rPr lang="sk-SK" sz="2400" dirty="0" smtClean="0"/>
+              <a:t>. </a:t>
+            </a:r>
+          </a:p>
+          <a:p>
+            <a:pPr algn="just"/>
+            <a:endParaRPr lang="sk-SK" sz="2400" dirty="0" smtClean="0"/>
+          </a:p>
+          <a:p>
+            <a:pPr algn="just"/>
+            <a:r>
+              <a:rPr lang="sk-SK" sz="2400" dirty="0" smtClean="0"/>
+              <a:t>S pozdravom </a:t>
+            </a:r>
+          </a:p>
+          <a:p>
+            <a:pPr algn="just"/>
+            <a:r>
+              <a:rPr lang="sk-SK" sz="2400" dirty="0" smtClean="0"/>
+              <a:t>   Team Innovators  </a:t>
+            </a:r>
+          </a:p>
+          <a:p>
+            <a:pPr algn="just"/>
+            <a:r>
+              <a:rPr lang="sk-SK" sz="2800" dirty="0" smtClean="0"/>
               <a:t> </a:t>
             </a:r>
-            <a:r>
-              <a:rPr lang="sk-SK" sz="3600" dirty="0" err="1" smtClean="0">
-                <a:solidFill>
-                  <a:schemeClr val="bg1">
-                    <a:lumMod val="50000"/>
-                  </a:schemeClr>
-                </a:solidFill>
-                <a:latin typeface="Buxton Sketch" pitchFamily="66" charset="0"/>
-                <a:cs typeface="Aharoni" pitchFamily="2" charset="-79"/>
-              </a:rPr>
-              <a:t>works</a:t>
-            </a:r>
-            <a:r>
-              <a:rPr lang="sk-SK" sz="3600" dirty="0" smtClean="0">
-                <a:solidFill>
-                  <a:schemeClr val="bg1">
-                    <a:lumMod val="50000"/>
-                  </a:schemeClr>
-                </a:solidFill>
-                <a:latin typeface="Buxton Sketch" pitchFamily="66" charset="0"/>
-                <a:cs typeface="Aharoni" pitchFamily="2" charset="-79"/>
-              </a:rPr>
-              <a:t>  in  </a:t>
-            </a:r>
-            <a:r>
-              <a:rPr lang="sk-SK" sz="3600" dirty="0" err="1" smtClean="0">
-                <a:solidFill>
-                  <a:schemeClr val="bg1">
-                    <a:lumMod val="50000"/>
-                  </a:schemeClr>
-                </a:solidFill>
-                <a:latin typeface="Buxton Sketch" pitchFamily="66" charset="0"/>
-                <a:cs typeface="Aharoni" pitchFamily="2" charset="-79"/>
-              </a:rPr>
-              <a:t>two</a:t>
-            </a:r>
-            <a:r>
-              <a:rPr lang="sk-SK" sz="3600" dirty="0" smtClean="0">
-                <a:solidFill>
-                  <a:schemeClr val="bg1">
-                    <a:lumMod val="50000"/>
-                  </a:schemeClr>
-                </a:solidFill>
-                <a:latin typeface="Buxton Sketch" pitchFamily="66" charset="0"/>
-                <a:cs typeface="Aharoni" pitchFamily="2" charset="-79"/>
-              </a:rPr>
-              <a:t> </a:t>
-            </a:r>
-            <a:r>
-              <a:rPr lang="sk-SK" sz="3600" dirty="0" err="1" smtClean="0">
-                <a:solidFill>
-                  <a:schemeClr val="bg1">
-                    <a:lumMod val="50000"/>
-                  </a:schemeClr>
-                </a:solidFill>
-                <a:latin typeface="Buxton Sketch" pitchFamily="66" charset="0"/>
-                <a:cs typeface="Aharoni" pitchFamily="2" charset="-79"/>
-              </a:rPr>
-              <a:t>modes</a:t>
-            </a:r>
-            <a:r>
-              <a:rPr lang="sk-SK" sz="3600" dirty="0" smtClean="0">
-                <a:solidFill>
-                  <a:schemeClr val="bg1">
-                    <a:lumMod val="50000"/>
-                  </a:schemeClr>
-                </a:solidFill>
-                <a:latin typeface="Buxton Sketch" pitchFamily="66" charset="0"/>
-                <a:cs typeface="Aharoni" pitchFamily="2" charset="-79"/>
-              </a:rPr>
-              <a:t>  </a:t>
-            </a:r>
-            <a:r>
-              <a:rPr lang="sk-SK" sz="3600" dirty="0" err="1" smtClean="0">
-                <a:solidFill>
-                  <a:schemeClr val="bg1">
-                    <a:lumMod val="50000"/>
-                  </a:schemeClr>
-                </a:solidFill>
-                <a:latin typeface="Buxton Sketch" pitchFamily="66" charset="0"/>
-                <a:cs typeface="Aharoni" pitchFamily="2" charset="-79"/>
-              </a:rPr>
-              <a:t>as</a:t>
-            </a:r>
-            <a:r>
-              <a:rPr lang="sk-SK" sz="3600" dirty="0" smtClean="0">
-                <a:solidFill>
-                  <a:schemeClr val="bg1">
-                    <a:lumMod val="50000"/>
-                  </a:schemeClr>
-                </a:solidFill>
-                <a:latin typeface="Buxton Sketch" pitchFamily="66" charset="0"/>
-                <a:cs typeface="Aharoni" pitchFamily="2" charset="-79"/>
-              </a:rPr>
-              <a:t> </a:t>
-            </a:r>
-            <a:r>
-              <a:rPr lang="sk-SK" sz="3600" dirty="0" err="1" smtClean="0">
-                <a:solidFill>
-                  <a:schemeClr val="bg1">
-                    <a:lumMod val="50000"/>
-                  </a:schemeClr>
-                </a:solidFill>
-                <a:latin typeface="Buxton Sketch" pitchFamily="66" charset="0"/>
-                <a:cs typeface="Aharoni" pitchFamily="2" charset="-79"/>
-              </a:rPr>
-              <a:t>simple</a:t>
-            </a:r>
-            <a:r>
-              <a:rPr lang="sk-SK" sz="3600" dirty="0" smtClean="0">
-                <a:solidFill>
-                  <a:schemeClr val="bg1">
-                    <a:lumMod val="50000"/>
-                  </a:schemeClr>
-                </a:solidFill>
-                <a:latin typeface="Buxton Sketch" pitchFamily="66" charset="0"/>
-                <a:cs typeface="Aharoni" pitchFamily="2" charset="-79"/>
-              </a:rPr>
-              <a:t>  text  and  </a:t>
-            </a:r>
-            <a:r>
-              <a:rPr lang="sk-SK" sz="3600" dirty="0" err="1" smtClean="0">
-                <a:solidFill>
-                  <a:schemeClr val="bg1">
-                    <a:lumMod val="50000"/>
-                  </a:schemeClr>
-                </a:solidFill>
-                <a:latin typeface="Buxton Sketch" pitchFamily="66" charset="0"/>
-                <a:cs typeface="Aharoni" pitchFamily="2" charset="-79"/>
-              </a:rPr>
-              <a:t>with</a:t>
-            </a:r>
-            <a:r>
-              <a:rPr lang="sk-SK" sz="3600" dirty="0" smtClean="0">
-                <a:solidFill>
-                  <a:schemeClr val="bg1">
-                    <a:lumMod val="50000"/>
-                  </a:schemeClr>
-                </a:solidFill>
-                <a:latin typeface="Buxton Sketch" pitchFamily="66" charset="0"/>
-                <a:cs typeface="Aharoni" pitchFamily="2" charset="-79"/>
-              </a:rPr>
-              <a:t> </a:t>
-            </a:r>
-            <a:r>
-              <a:rPr lang="sk-SK" sz="3600" dirty="0" err="1" smtClean="0">
-                <a:solidFill>
-                  <a:schemeClr val="bg1">
-                    <a:lumMod val="50000"/>
-                  </a:schemeClr>
-                </a:solidFill>
-                <a:latin typeface="Buxton Sketch" pitchFamily="66" charset="0"/>
-                <a:cs typeface="Aharoni" pitchFamily="2" charset="-79"/>
-              </a:rPr>
-              <a:t>graphical</a:t>
-            </a:r>
-            <a:r>
-              <a:rPr lang="sk-SK" sz="3600" dirty="0" smtClean="0">
-                <a:solidFill>
-                  <a:schemeClr val="bg1">
-                    <a:lumMod val="50000"/>
-                  </a:schemeClr>
-                </a:solidFill>
-                <a:latin typeface="Buxton Sketch" pitchFamily="66" charset="0"/>
-                <a:cs typeface="Aharoni" pitchFamily="2" charset="-79"/>
-              </a:rPr>
-              <a:t>  </a:t>
-            </a:r>
-            <a:r>
-              <a:rPr lang="sk-SK" sz="3600" dirty="0" err="1" smtClean="0">
-                <a:solidFill>
-                  <a:schemeClr val="bg1">
-                    <a:lumMod val="50000"/>
-                  </a:schemeClr>
-                </a:solidFill>
-                <a:latin typeface="Buxton Sketch" pitchFamily="66" charset="0"/>
-                <a:cs typeface="Aharoni" pitchFamily="2" charset="-79"/>
-              </a:rPr>
-              <a:t>elements</a:t>
-            </a:r>
-            <a:r>
-              <a:rPr lang="sk-SK" sz="3600" dirty="0" smtClean="0">
-                <a:solidFill>
-                  <a:schemeClr val="bg1">
-                    <a:lumMod val="50000"/>
-                  </a:schemeClr>
-                </a:solidFill>
-                <a:latin typeface="Buxton Sketch" pitchFamily="66" charset="0"/>
-                <a:cs typeface="Aharoni" pitchFamily="2" charset="-79"/>
-              </a:rPr>
-              <a:t>  </a:t>
-            </a:r>
-          </a:p>
-          <a:p>
-            <a:endParaRPr lang="sk-SK" sz="3600" dirty="0" smtClean="0">
-              <a:solidFill>
-                <a:schemeClr val="bg1">
-                  <a:lumMod val="50000"/>
-                </a:schemeClr>
-              </a:solidFill>
-              <a:latin typeface="Buxton Sketch" pitchFamily="66" charset="0"/>
-              <a:cs typeface="Aharoni" pitchFamily="2" charset="-79"/>
-            </a:endParaRPr>
           </a:p>
         </p:txBody>
       </p:sp>
       <p:pic>
         <p:nvPicPr>
-          <p:cNvPr id="106" name="Obrázok 105" descr="Main2_4.tif"/>
+          <p:cNvPr id="8" name="Obrázok 7" descr="trolledit_logo.png"/>
           <p:cNvPicPr>
             <a:picLocks noChangeAspect="1"/>
           </p:cNvPicPr>
           <p:nvPr/>
         </p:nvPicPr>
         <p:blipFill>
-          <a:blip r:embed="rId21" cstate="print"/>
+          <a:blip r:embed="rId25" cstate="print"/>
           <a:stretch>
             <a:fillRect/>
           </a:stretch>
         </p:blipFill>
         <p:spPr>
           <a:xfrm>
-            <a:off x="18090728" y="16576551"/>
-            <a:ext cx="3456428" cy="2291661"/>
-          </a:xfrm>
-          <a:prstGeom prst="rect">
-            <a:avLst/>
-          </a:prstGeom>
-        </p:spPr>
-      </p:pic>
-      <p:pic>
-        <p:nvPicPr>
-          <p:cNvPr id="108" name="Obrázok 107" descr="trollEdit-start_page.png"/>
-          <p:cNvPicPr>
-            <a:picLocks noChangeAspect="1"/>
-          </p:cNvPicPr>
-          <p:nvPr/>
-        </p:nvPicPr>
-        <p:blipFill>
-          <a:blip r:embed="rId24" cstate="print">
-            <a:duotone>
-              <a:schemeClr val="bg2">
-                <a:shade val="45000"/>
-                <a:satMod val="135000"/>
-              </a:schemeClr>
-              <a:prstClr val="white"/>
-            </a:duotone>
-          </a:blip>
-          <a:stretch>
-            <a:fillRect/>
-          </a:stretch>
-        </p:blipFill>
-        <p:spPr>
-          <a:xfrm rot="18281528" flipH="1">
-            <a:off x="21531169" y="16013572"/>
-            <a:ext cx="1512985" cy="356715"/>
-          </a:xfrm>
-          <a:prstGeom prst="rect">
-            <a:avLst/>
-          </a:prstGeom>
-        </p:spPr>
-      </p:pic>
-      <p:pic>
-        <p:nvPicPr>
-          <p:cNvPr id="109" name="Obrázok 108" descr="trollEdit-start_page.png"/>
-          <p:cNvPicPr>
-            <a:picLocks noChangeAspect="1"/>
-          </p:cNvPicPr>
-          <p:nvPr/>
-        </p:nvPicPr>
-        <p:blipFill>
-          <a:blip r:embed="rId24" cstate="print">
-            <a:duotone>
-              <a:schemeClr val="bg2">
-                <a:shade val="45000"/>
-                <a:satMod val="135000"/>
-              </a:schemeClr>
-              <a:prstClr val="white"/>
-            </a:duotone>
-          </a:blip>
-          <a:stretch>
-            <a:fillRect/>
-          </a:stretch>
-        </p:blipFill>
-        <p:spPr>
-          <a:xfrm rot="18281528" flipH="1">
-            <a:off x="27344503" y="16473642"/>
-            <a:ext cx="1512985" cy="356715"/>
+            <a:off x="4176464" y="24044293"/>
+            <a:ext cx="20648527" cy="6624736"/>
           </a:xfrm>
           <a:prstGeom prst="rect">
             <a:avLst/>
@@ -6845,14 +6826,14 @@
           <p:nvPr/>
         </p:nvPicPr>
         <p:blipFill>
-          <a:blip r:embed="rId23" cstate="print"/>
+          <a:blip r:embed="rId26" cstate="print"/>
           <a:stretch>
             <a:fillRect/>
           </a:stretch>
         </p:blipFill>
         <p:spPr>
-          <a:xfrm rot="6510332">
-            <a:off x="15071027" y="21804297"/>
+          <a:xfrm rot="6665784">
+            <a:off x="10326647" y="23836993"/>
             <a:ext cx="1413998" cy="571999"/>
           </a:xfrm>
           <a:prstGeom prst="rect">
@@ -6869,14 +6850,14 @@
           <p:nvPr/>
         </p:nvPicPr>
         <p:blipFill>
-          <a:blip r:embed="rId25" cstate="print"/>
+          <a:blip r:embed="rId27" cstate="print"/>
           <a:stretch>
             <a:fillRect/>
           </a:stretch>
         </p:blipFill>
         <p:spPr>
           <a:xfrm>
-            <a:off x="4769248" y="23705343"/>
+            <a:off x="4392488" y="25844493"/>
             <a:ext cx="1383296" cy="1296144"/>
           </a:xfrm>
           <a:prstGeom prst="rect">
@@ -6893,14 +6874,14 @@
           <p:nvPr/>
         </p:nvPicPr>
         <p:blipFill>
-          <a:blip r:embed="rId26" cstate="print"/>
+          <a:blip r:embed="rId28" cstate="print"/>
           <a:stretch>
             <a:fillRect/>
           </a:stretch>
         </p:blipFill>
         <p:spPr>
           <a:xfrm>
-            <a:off x="25003496" y="25433535"/>
+            <a:off x="24626736" y="27572685"/>
             <a:ext cx="1296144" cy="507905"/>
           </a:xfrm>
           <a:prstGeom prst="rect">
@@ -6916,7 +6897,7 @@
         </p:nvGrpSpPr>
         <p:grpSpPr>
           <a:xfrm>
-            <a:off x="25075504" y="23345303"/>
+            <a:off x="24698744" y="25484453"/>
             <a:ext cx="4772256" cy="5109666"/>
             <a:chOff x="25075504" y="23345303"/>
             <a:chExt cx="4772256" cy="5109666"/>
@@ -6931,7 +6912,7 @@
             <p:nvPr/>
           </p:nvPicPr>
           <p:blipFill>
-            <a:blip r:embed="rId27" cstate="print"/>
+            <a:blip r:embed="rId29" cstate="print"/>
             <a:stretch>
               <a:fillRect/>
             </a:stretch>
@@ -7075,14 +7056,14 @@
           <p:nvPr/>
         </p:nvPicPr>
         <p:blipFill>
-          <a:blip r:embed="rId23" cstate="print"/>
+          <a:blip r:embed="rId26" cstate="print"/>
           <a:stretch>
             <a:fillRect/>
           </a:stretch>
         </p:blipFill>
         <p:spPr>
-          <a:xfrm rot="17103273">
-            <a:off x="15035236" y="28496842"/>
+          <a:xfrm rot="14965086">
+            <a:off x="14090431" y="31021565"/>
             <a:ext cx="1413998" cy="571999"/>
           </a:xfrm>
           <a:prstGeom prst="rect">
@@ -7098,7 +7079,7 @@
         </p:nvGrpSpPr>
         <p:grpSpPr>
           <a:xfrm>
-            <a:off x="376760" y="22625223"/>
+            <a:off x="0" y="24764373"/>
             <a:ext cx="4196664" cy="5409312"/>
             <a:chOff x="376760" y="22625223"/>
             <a:chExt cx="4196664" cy="5409312"/>
@@ -7113,7 +7094,7 @@
             <p:nvPr/>
           </p:nvPicPr>
           <p:blipFill>
-            <a:blip r:embed="rId28" cstate="print"/>
+            <a:blip r:embed="rId30" cstate="print"/>
             <a:stretch>
               <a:fillRect/>
             </a:stretch>
@@ -7176,297 +7157,6 @@
           </p:txBody>
         </p:sp>
       </p:grpSp>
-      <p:sp>
-        <p:nvSpPr>
-          <p:cNvPr id="119" name="Obdĺžnik s rovnostranným zaobleným rohom 118"/>
-          <p:cNvSpPr/>
-          <p:nvPr/>
-        </p:nvSpPr>
-        <p:spPr>
-          <a:xfrm rot="5400000" flipH="1">
-            <a:off x="5012916" y="26901339"/>
-            <a:ext cx="3528392" cy="13554224"/>
-          </a:xfrm>
-          <a:prstGeom prst="round2SameRect">
-            <a:avLst/>
-          </a:prstGeom>
-          <a:solidFill>
-            <a:schemeClr val="bg1">
-              <a:lumMod val="95000"/>
-            </a:schemeClr>
-          </a:solidFill>
-          <a:ln>
-            <a:noFill/>
-          </a:ln>
-        </p:spPr>
-        <p:style>
-          <a:lnRef idx="2">
-            <a:schemeClr val="accent1">
-              <a:shade val="50000"/>
-            </a:schemeClr>
-          </a:lnRef>
-          <a:fillRef idx="1">
-            <a:schemeClr val="accent1"/>
-          </a:fillRef>
-          <a:effectRef idx="0">
-            <a:schemeClr val="accent1"/>
-          </a:effectRef>
-          <a:fontRef idx="minor">
-            <a:schemeClr val="lt1"/>
-          </a:fontRef>
-        </p:style>
-        <p:txBody>
-          <a:bodyPr rtlCol="0" anchor="ctr"/>
-          <a:lstStyle/>
-          <a:p>
-            <a:pPr algn="ctr"/>
-            <a:endParaRPr lang="sk-SK" dirty="0"/>
-          </a:p>
-        </p:txBody>
-      </p:sp>
-      <p:pic>
-        <p:nvPicPr>
-          <p:cNvPr id="50" name="Obrázok 49" descr="img.php.png"/>
-          <p:cNvPicPr>
-            <a:picLocks noChangeAspect="1"/>
-          </p:cNvPicPr>
-          <p:nvPr/>
-        </p:nvPicPr>
-        <p:blipFill>
-          <a:blip r:embed="rId29" cstate="print"/>
-          <a:stretch>
-            <a:fillRect/>
-          </a:stretch>
-        </p:blipFill>
-        <p:spPr>
-          <a:xfrm>
-            <a:off x="10457880" y="32274295"/>
-            <a:ext cx="2667000" cy="2667000"/>
-          </a:xfrm>
-          <a:prstGeom prst="rect">
-            <a:avLst/>
-          </a:prstGeom>
-        </p:spPr>
-      </p:pic>
-      <p:sp>
-        <p:nvSpPr>
-          <p:cNvPr id="49" name="BlokTextu 48"/>
-          <p:cNvSpPr txBox="1"/>
-          <p:nvPr/>
-        </p:nvSpPr>
-        <p:spPr>
-          <a:xfrm>
-            <a:off x="448768" y="31914255"/>
-            <a:ext cx="9577520" cy="4120277"/>
-          </a:xfrm>
-          <a:prstGeom prst="roundRect">
-            <a:avLst>
-              <a:gd name="adj" fmla="val 1362"/>
-            </a:avLst>
-          </a:prstGeom>
-          <a:noFill/>
-          <a:ln>
-            <a:noFill/>
-          </a:ln>
-        </p:spPr>
-        <p:txBody>
-          <a:bodyPr wrap="square" rtlCol="0">
-            <a:spAutoFit/>
-          </a:bodyPr>
-          <a:lstStyle/>
-          <a:p>
-            <a:pPr algn="just"/>
-            <a:r>
-              <a:rPr lang="sk-SK" sz="4000" b="1" dirty="0" smtClean="0">
-                <a:effectLst>
-                  <a:outerShdw blurRad="38100" dist="38100" dir="2700000" algn="tl">
-                    <a:srgbClr val="000000">
-                      <a:alpha val="43137"/>
-                    </a:srgbClr>
-                  </a:outerShdw>
-                </a:effectLst>
-              </a:rPr>
-              <a:t> </a:t>
-            </a:r>
-            <a:r>
-              <a:rPr lang="sk-SK" sz="4000" b="1" dirty="0" err="1" smtClean="0">
-                <a:effectLst>
-                  <a:outerShdw blurRad="38100" dist="38100" dir="2700000" algn="tl">
-                    <a:srgbClr val="000000">
-                      <a:alpha val="43137"/>
-                    </a:srgbClr>
-                  </a:outerShdw>
-                </a:effectLst>
-              </a:rPr>
-              <a:t>Conclusion</a:t>
-            </a:r>
-            <a:r>
-              <a:rPr lang="sk-SK" sz="4000" b="1" dirty="0" smtClean="0">
-                <a:effectLst>
-                  <a:outerShdw blurRad="38100" dist="38100" dir="2700000" algn="tl">
-                    <a:srgbClr val="000000">
-                      <a:alpha val="43137"/>
-                    </a:srgbClr>
-                  </a:outerShdw>
-                </a:effectLst>
-              </a:rPr>
-              <a:t> </a:t>
-            </a:r>
-          </a:p>
-          <a:p>
-            <a:pPr algn="just"/>
-            <a:endParaRPr lang="sk-SK" sz="2400" dirty="0" smtClean="0"/>
-          </a:p>
-          <a:p>
-            <a:pPr algn="just"/>
-            <a:r>
-              <a:rPr lang="sk-SK" sz="2400" dirty="0" smtClean="0"/>
-              <a:t>Čo sa </a:t>
-            </a:r>
-            <a:r>
-              <a:rPr lang="sk-SK" sz="2400" dirty="0" err="1" smtClean="0"/>
-              <a:t>nam</a:t>
-            </a:r>
-            <a:r>
-              <a:rPr lang="sk-SK" sz="2400" dirty="0" smtClean="0"/>
-              <a:t> podarilo </a:t>
-            </a:r>
-            <a:r>
-              <a:rPr lang="sk-SK" sz="2400" dirty="0" err="1" smtClean="0"/>
-              <a:t>zhnutie</a:t>
-            </a:r>
-            <a:r>
-              <a:rPr lang="sk-SK" sz="2400" dirty="0" smtClean="0"/>
-              <a:t> t.j. niečoho </a:t>
-            </a:r>
-            <a:r>
-              <a:rPr lang="sk-SK" sz="2400" dirty="0" err="1" smtClean="0"/>
-              <a:t>noveho</a:t>
-            </a:r>
-            <a:r>
-              <a:rPr lang="sk-SK" sz="2400" dirty="0" smtClean="0"/>
-              <a:t> čo </a:t>
-            </a:r>
-            <a:r>
-              <a:rPr lang="sk-SK" sz="2400" dirty="0" err="1" smtClean="0"/>
-              <a:t>dopisal</a:t>
-            </a:r>
-            <a:r>
-              <a:rPr lang="sk-SK" sz="2400" dirty="0" smtClean="0"/>
-              <a:t> </a:t>
-            </a:r>
-            <a:r>
-              <a:rPr lang="sk-SK" sz="2400" dirty="0" err="1" smtClean="0"/>
-              <a:t>nexisutje</a:t>
-            </a:r>
-            <a:r>
-              <a:rPr lang="sk-SK" sz="2400" dirty="0" smtClean="0"/>
-              <a:t>.</a:t>
-            </a:r>
-          </a:p>
-          <a:p>
-            <a:pPr algn="just"/>
-            <a:r>
-              <a:rPr lang="sk-SK" sz="2400" dirty="0" smtClean="0"/>
-              <a:t>Na </a:t>
-            </a:r>
-            <a:r>
-              <a:rPr lang="sk-SK" sz="2400" dirty="0" err="1" smtClean="0"/>
-              <a:t>vyvoji</a:t>
-            </a:r>
-            <a:r>
-              <a:rPr lang="sk-SK" sz="2400" dirty="0" smtClean="0"/>
-              <a:t> </a:t>
-            </a:r>
-            <a:r>
-              <a:rPr lang="sk-SK" sz="2400" dirty="0" err="1" smtClean="0"/>
-              <a:t>nadalej</a:t>
-            </a:r>
-            <a:r>
-              <a:rPr lang="sk-SK" sz="2400" dirty="0" smtClean="0"/>
-              <a:t> </a:t>
-            </a:r>
-            <a:r>
-              <a:rPr lang="sk-SK" sz="2400" dirty="0" err="1" smtClean="0"/>
-              <a:t>prokračujeme</a:t>
-            </a:r>
-            <a:r>
-              <a:rPr lang="sk-SK" sz="2400" dirty="0" smtClean="0"/>
-              <a:t> a budeme radi ak sa </a:t>
-            </a:r>
-            <a:r>
-              <a:rPr lang="sk-SK" sz="2400" dirty="0" err="1" smtClean="0"/>
-              <a:t>knam</a:t>
-            </a:r>
-            <a:r>
-              <a:rPr lang="sk-SK" sz="2400" dirty="0" smtClean="0"/>
-              <a:t> </a:t>
-            </a:r>
-            <a:r>
-              <a:rPr lang="sk-SK" sz="2400" dirty="0" err="1" smtClean="0"/>
-              <a:t>pripojite</a:t>
-            </a:r>
-            <a:r>
-              <a:rPr lang="sk-SK" sz="2400" dirty="0" smtClean="0"/>
-              <a:t> do skupiny a </a:t>
-            </a:r>
-            <a:r>
-              <a:rPr lang="sk-SK" sz="2400" dirty="0" err="1" smtClean="0"/>
-              <a:t>pomožete</a:t>
-            </a:r>
-            <a:r>
-              <a:rPr lang="sk-SK" sz="2400" dirty="0" smtClean="0"/>
-              <a:t> tak </a:t>
-            </a:r>
-            <a:r>
-              <a:rPr lang="sk-SK" sz="2400" dirty="0" err="1" smtClean="0"/>
-              <a:t>vytvorit</a:t>
-            </a:r>
-            <a:r>
-              <a:rPr lang="sk-SK" sz="2400" dirty="0" smtClean="0"/>
-              <a:t> niečo </a:t>
-            </a:r>
-            <a:r>
-              <a:rPr lang="sk-SK" sz="2400" dirty="0" err="1" smtClean="0"/>
-              <a:t>originalne</a:t>
-            </a:r>
-            <a:r>
-              <a:rPr lang="sk-SK" sz="2400" dirty="0" smtClean="0"/>
-              <a:t>. </a:t>
-            </a:r>
-          </a:p>
-          <a:p>
-            <a:pPr algn="just"/>
-            <a:endParaRPr lang="sk-SK" sz="2400" dirty="0" smtClean="0"/>
-          </a:p>
-          <a:p>
-            <a:pPr algn="just"/>
-            <a:r>
-              <a:rPr lang="sk-SK" sz="2400" dirty="0" smtClean="0"/>
-              <a:t>S pozdravom </a:t>
-            </a:r>
-          </a:p>
-          <a:p>
-            <a:pPr algn="just"/>
-            <a:r>
-              <a:rPr lang="sk-SK" sz="2400" dirty="0" smtClean="0"/>
-              <a:t> </a:t>
-            </a:r>
-            <a:r>
-              <a:rPr lang="sk-SK" sz="2400" dirty="0" smtClean="0"/>
-              <a:t>  Team Innovators  </a:t>
-            </a:r>
-          </a:p>
-          <a:p>
-            <a:pPr algn="just"/>
-            <a:r>
-              <a:rPr lang="sk-SK" sz="2800" dirty="0" smtClean="0"/>
-              <a:t> </a:t>
-            </a:r>
-            <a:endParaRPr lang="sk-SK" sz="2800" dirty="0" smtClean="0"/>
-          </a:p>
-        </p:txBody>
-      </p:sp>
       <p:grpSp>
         <p:nvGrpSpPr>
           <p:cNvPr id="124" name="Skupina 123"/>
@@ -7475,7 +7165,7 @@
         </p:nvGrpSpPr>
         <p:grpSpPr>
           <a:xfrm>
-            <a:off x="13986272" y="28961927"/>
+            <a:off x="9137608" y="20472393"/>
             <a:ext cx="3645062" cy="3177063"/>
             <a:chOff x="14202296" y="28601887"/>
             <a:chExt cx="3645062" cy="3177063"/>
@@ -7490,7 +7180,7 @@
             <p:nvPr/>
           </p:nvPicPr>
           <p:blipFill>
-            <a:blip r:embed="rId30" cstate="print"/>
+            <a:blip r:embed="rId31" cstate="print"/>
             <a:stretch>
               <a:fillRect/>
             </a:stretch>
@@ -7552,7 +7242,7 @@
         </p:nvGrpSpPr>
         <p:grpSpPr>
           <a:xfrm>
-            <a:off x="12762136" y="18952815"/>
+            <a:off x="14209706" y="30973779"/>
             <a:ext cx="4696614" cy="2448272"/>
             <a:chOff x="12906152" y="18448759"/>
             <a:chExt cx="4696614" cy="2448272"/>
@@ -7567,7 +7257,7 @@
             <p:nvPr/>
           </p:nvPicPr>
           <p:blipFill>
-            <a:blip r:embed="rId31" cstate="print"/>
+            <a:blip r:embed="rId32" cstate="print"/>
             <a:stretch>
               <a:fillRect/>
             </a:stretch>
@@ -7630,6 +7320,489 @@
           </p:txBody>
         </p:sp>
       </p:grpSp>
+      <p:graphicFrame>
+        <p:nvGraphicFramePr>
+          <p:cNvPr id="88" name="Tabuľka 87"/>
+          <p:cNvGraphicFramePr>
+            <a:graphicFrameLocks noGrp="1"/>
+          </p:cNvGraphicFramePr>
+          <p:nvPr/>
+        </p:nvGraphicFramePr>
+        <p:xfrm>
+          <a:off x="707924" y="4898909"/>
+          <a:ext cx="28860951" cy="3352800"/>
+        </p:xfrm>
+        <a:graphic>
+          <a:graphicData uri="http://schemas.openxmlformats.org/drawingml/2006/table">
+            <a:tbl>
+              <a:tblPr firstRow="1" bandRow="1">
+                <a:tableStyleId>{2D5ABB26-0587-4C30-8999-92F81FD0307C}</a:tableStyleId>
+              </a:tblPr>
+              <a:tblGrid>
+                <a:gridCol w="11572956"/>
+                <a:gridCol w="9644130"/>
+                <a:gridCol w="7643865"/>
+              </a:tblGrid>
+              <a:tr h="370840">
+                <a:tc gridSpan="3">
+                  <a:txBody>
+                    <a:bodyPr/>
+                    <a:lstStyle/>
+                    <a:p>
+                      <a:pPr marL="0" marR="0" lvl="0" indent="0" algn="ctr" defTabSz="4171382" rtl="0" eaLnBrk="1" fontAlgn="auto" latinLnBrk="0" hangingPunct="1">
+                        <a:lnSpc>
+                          <a:spcPct val="100000"/>
+                        </a:lnSpc>
+                        <a:spcBef>
+                          <a:spcPts val="0"/>
+                        </a:spcBef>
+                        <a:spcAft>
+                          <a:spcPts val="0"/>
+                        </a:spcAft>
+                        <a:buClrTx/>
+                        <a:buSzTx/>
+                        <a:buFontTx/>
+                        <a:buNone/>
+                        <a:tabLst/>
+                        <a:defRPr/>
+                      </a:pPr>
+                      <a:r>
+                        <a:rPr kumimoji="0" lang="sk-SK" sz="4000" b="1" i="0" u="none" strike="noStrike" kern="1200" cap="none" spc="0" normalizeH="0" baseline="0" noProof="0" smtClean="0">
+                          <a:ln>
+                            <a:noFill/>
+                          </a:ln>
+                          <a:solidFill>
+                            <a:prstClr val="black"/>
+                          </a:solidFill>
+                          <a:effectLst>
+                            <a:outerShdw blurRad="38100" dist="38100" dir="2700000" algn="tl">
+                              <a:srgbClr val="000000">
+                                <a:alpha val="43137"/>
+                              </a:srgbClr>
+                            </a:outerShdw>
+                          </a:effectLst>
+                          <a:uLnTx/>
+                          <a:uFillTx/>
+                          <a:latin typeface="+mn-lt"/>
+                          <a:ea typeface="+mn-ea"/>
+                          <a:cs typeface="+mn-cs"/>
+                        </a:rPr>
+                        <a:t>OverView</a:t>
+                      </a:r>
+                      <a:endParaRPr lang="sk-SK"/>
+                    </a:p>
+                  </a:txBody>
+                  <a:tcPr anchor="ctr">
+                    <a:lnL w="12700" cap="flat" cmpd="sng" algn="ctr">
+                      <a:noFill/>
+                      <a:prstDash val="solid"/>
+                      <a:round/>
+                      <a:headEnd type="none" w="med" len="med"/>
+                      <a:tailEnd type="none" w="med" len="med"/>
+                    </a:lnL>
+                    <a:lnR w="12700" cap="flat" cmpd="sng" algn="ctr">
+                      <a:noFill/>
+                      <a:prstDash val="solid"/>
+                      <a:round/>
+                      <a:headEnd type="none" w="med" len="med"/>
+                      <a:tailEnd type="none" w="med" len="med"/>
+                    </a:lnR>
+                    <a:lnT w="12700" cap="flat" cmpd="sng" algn="ctr">
+                      <a:noFill/>
+                      <a:prstDash val="solid"/>
+                      <a:round/>
+                      <a:headEnd type="none" w="med" len="med"/>
+                      <a:tailEnd type="none" w="med" len="med"/>
+                    </a:lnT>
+                    <a:lnB w="12700" cap="flat" cmpd="sng" algn="ctr">
+                      <a:noFill/>
+                      <a:prstDash val="solid"/>
+                      <a:round/>
+                      <a:headEnd type="none" w="med" len="med"/>
+                      <a:tailEnd type="none" w="med" len="med"/>
+                    </a:lnB>
+                  </a:tcPr>
+                </a:tc>
+                <a:tc hMerge="1">
+                  <a:txBody>
+                    <a:bodyPr/>
+                    <a:lstStyle/>
+                    <a:p>
+                      <a:endParaRPr lang="sk-SK"/>
+                    </a:p>
+                  </a:txBody>
+                  <a:tcPr>
+                    <a:lnL w="12700" cap="flat" cmpd="sng" algn="ctr">
+                      <a:solidFill>
+                        <a:schemeClr val="tx1"/>
+                      </a:solidFill>
+                      <a:prstDash val="solid"/>
+                      <a:round/>
+                      <a:headEnd type="none" w="med" len="med"/>
+                      <a:tailEnd type="none" w="med" len="med"/>
+                    </a:lnL>
+                    <a:lnR w="12700" cap="flat" cmpd="sng" algn="ctr">
+                      <a:solidFill>
+                        <a:schemeClr val="tx1"/>
+                      </a:solidFill>
+                      <a:prstDash val="solid"/>
+                      <a:round/>
+                      <a:headEnd type="none" w="med" len="med"/>
+                      <a:tailEnd type="none" w="med" len="med"/>
+                    </a:lnR>
+                    <a:lnT w="12700" cap="flat" cmpd="sng" algn="ctr">
+                      <a:solidFill>
+                        <a:schemeClr val="tx1"/>
+                      </a:solidFill>
+                      <a:prstDash val="solid"/>
+                      <a:round/>
+                      <a:headEnd type="none" w="med" len="med"/>
+                      <a:tailEnd type="none" w="med" len="med"/>
+                    </a:lnT>
+                    <a:lnB w="12700" cap="flat" cmpd="sng" algn="ctr">
+                      <a:solidFill>
+                        <a:schemeClr val="tx1"/>
+                      </a:solidFill>
+                      <a:prstDash val="solid"/>
+                      <a:round/>
+                      <a:headEnd type="none" w="med" len="med"/>
+                      <a:tailEnd type="none" w="med" len="med"/>
+                    </a:lnB>
+                  </a:tcPr>
+                </a:tc>
+                <a:tc hMerge="1">
+                  <a:txBody>
+                    <a:bodyPr/>
+                    <a:lstStyle/>
+                    <a:p>
+                      <a:endParaRPr lang="sk-SK"/>
+                    </a:p>
+                  </a:txBody>
+                  <a:tcPr>
+                    <a:lnL w="12700" cap="flat" cmpd="sng" algn="ctr">
+                      <a:solidFill>
+                        <a:schemeClr val="tx1"/>
+                      </a:solidFill>
+                      <a:prstDash val="solid"/>
+                      <a:round/>
+                      <a:headEnd type="none" w="med" len="med"/>
+                      <a:tailEnd type="none" w="med" len="med"/>
+                    </a:lnL>
+                    <a:lnR w="12700" cap="flat" cmpd="sng" algn="ctr">
+                      <a:solidFill>
+                        <a:schemeClr val="tx1"/>
+                      </a:solidFill>
+                      <a:prstDash val="solid"/>
+                      <a:round/>
+                      <a:headEnd type="none" w="med" len="med"/>
+                      <a:tailEnd type="none" w="med" len="med"/>
+                    </a:lnR>
+                    <a:lnT w="12700" cap="flat" cmpd="sng" algn="ctr">
+                      <a:solidFill>
+                        <a:schemeClr val="tx1"/>
+                      </a:solidFill>
+                      <a:prstDash val="solid"/>
+                      <a:round/>
+                      <a:headEnd type="none" w="med" len="med"/>
+                      <a:tailEnd type="none" w="med" len="med"/>
+                    </a:lnT>
+                    <a:lnB w="12700" cap="flat" cmpd="sng" algn="ctr">
+                      <a:solidFill>
+                        <a:schemeClr val="tx1"/>
+                      </a:solidFill>
+                      <a:prstDash val="solid"/>
+                      <a:round/>
+                      <a:headEnd type="none" w="med" len="med"/>
+                      <a:tailEnd type="none" w="med" len="med"/>
+                    </a:lnB>
+                  </a:tcPr>
+                </a:tc>
+              </a:tr>
+              <a:tr h="370840">
+                <a:tc>
+                  <a:txBody>
+                    <a:bodyPr/>
+                    <a:lstStyle/>
+                    <a:p>
+                      <a:pPr algn="just"/>
+                      <a:r>
+                        <a:rPr lang="sk-SK" sz="2400" b="1" smtClean="0"/>
+                        <a:t>Introduction</a:t>
+                      </a:r>
+                    </a:p>
+                    <a:p>
+                      <a:r>
+                        <a:rPr lang="en-US" sz="2400" smtClean="0"/>
+                        <a:t>Today  editors  usually  use  simple  color  highlighting  without  any sign of graphic enrichment features. However enriching the source code with graphic elements can be  beneficial  for  the  understanding  of  the  structure  of  given  code  and  thus  lead  to  better understanding  of  its  structure  and  meaning  for  the  programmer.  This  basic  observation  is  the driving idea behind TrollEdit.</a:t>
+                      </a:r>
+                      <a:endParaRPr lang="sk-SK" sz="2400" smtClean="0"/>
+                    </a:p>
+                    <a:p>
+                      <a:endParaRPr lang="sk-SK" sz="2400" kern="1200" dirty="0" err="1" smtClean="0">
+                        <a:solidFill>
+                          <a:schemeClr val="dk1"/>
+                        </a:solidFill>
+                        <a:latin typeface="+mn-lt"/>
+                        <a:ea typeface="+mn-ea"/>
+                        <a:cs typeface="+mn-cs"/>
+                      </a:endParaRPr>
+                    </a:p>
+                  </a:txBody>
+                  <a:tcPr>
+                    <a:lnL w="12700" cap="flat" cmpd="sng" algn="ctr">
+                      <a:noFill/>
+                      <a:prstDash val="solid"/>
+                      <a:round/>
+                      <a:headEnd type="none" w="med" len="med"/>
+                      <a:tailEnd type="none" w="med" len="med"/>
+                    </a:lnL>
+                    <a:lnR w="12700" cap="flat" cmpd="sng" algn="ctr">
+                      <a:noFill/>
+                      <a:prstDash val="solid"/>
+                      <a:round/>
+                      <a:headEnd type="none" w="med" len="med"/>
+                      <a:tailEnd type="none" w="med" len="med"/>
+                    </a:lnR>
+                    <a:lnT w="12700" cap="flat" cmpd="sng" algn="ctr">
+                      <a:noFill/>
+                      <a:prstDash val="solid"/>
+                      <a:round/>
+                      <a:headEnd type="none" w="med" len="med"/>
+                      <a:tailEnd type="none" w="med" len="med"/>
+                    </a:lnT>
+                    <a:lnB w="12700" cap="flat" cmpd="sng" algn="ctr">
+                      <a:noFill/>
+                      <a:prstDash val="solid"/>
+                      <a:round/>
+                      <a:headEnd type="none" w="med" len="med"/>
+                      <a:tailEnd type="none" w="med" len="med"/>
+                    </a:lnB>
+                  </a:tcPr>
+                </a:tc>
+                <a:tc>
+                  <a:txBody>
+                    <a:bodyPr/>
+                    <a:lstStyle/>
+                    <a:p>
+                      <a:pPr algn="just"/>
+                      <a:r>
+                        <a:rPr lang="sk-SK" sz="2400" b="1" smtClean="0"/>
+                        <a:t>Aproach </a:t>
+                      </a:r>
+                    </a:p>
+                    <a:p>
+                      <a:r>
+                        <a:rPr lang="sk-SK" sz="2400" smtClean="0"/>
+                        <a:t>Ako sa vytvara gramitka, že je to postavne na PG bezkontextovych gramatikach z kotrých je vytvarani AST strom, ktory nam umožnuje repezentaciu textu formou blokov. </a:t>
+                      </a:r>
+                      <a:r>
+                        <a:rPr lang="en-US" sz="2400" smtClean="0"/>
+                        <a:t>  </a:t>
+                      </a:r>
+                      <a:endParaRPr lang="sk-SK" sz="2400" smtClean="0"/>
+                    </a:p>
+                    <a:p>
+                      <a:endParaRPr lang="sk-SK" sz="2400" kern="1200" dirty="0" err="1" smtClean="0">
+                        <a:solidFill>
+                          <a:schemeClr val="dk1"/>
+                        </a:solidFill>
+                        <a:latin typeface="+mn-lt"/>
+                        <a:ea typeface="+mn-ea"/>
+                        <a:cs typeface="+mn-cs"/>
+                      </a:endParaRPr>
+                    </a:p>
+                  </a:txBody>
+                  <a:tcPr>
+                    <a:lnL w="12700" cap="flat" cmpd="sng" algn="ctr">
+                      <a:noFill/>
+                      <a:prstDash val="solid"/>
+                      <a:round/>
+                      <a:headEnd type="none" w="med" len="med"/>
+                      <a:tailEnd type="none" w="med" len="med"/>
+                    </a:lnL>
+                    <a:lnR w="12700" cap="flat" cmpd="sng" algn="ctr">
+                      <a:noFill/>
+                      <a:prstDash val="solid"/>
+                      <a:round/>
+                      <a:headEnd type="none" w="med" len="med"/>
+                      <a:tailEnd type="none" w="med" len="med"/>
+                    </a:lnR>
+                    <a:lnT w="12700" cap="flat" cmpd="sng" algn="ctr">
+                      <a:noFill/>
+                      <a:prstDash val="solid"/>
+                      <a:round/>
+                      <a:headEnd type="none" w="med" len="med"/>
+                      <a:tailEnd type="none" w="med" len="med"/>
+                    </a:lnT>
+                    <a:lnB w="12700" cap="flat" cmpd="sng" algn="ctr">
+                      <a:noFill/>
+                      <a:prstDash val="solid"/>
+                      <a:round/>
+                      <a:headEnd type="none" w="med" len="med"/>
+                      <a:tailEnd type="none" w="med" len="med"/>
+                    </a:lnB>
+                  </a:tcPr>
+                </a:tc>
+                <a:tc>
+                  <a:txBody>
+                    <a:bodyPr/>
+                    <a:lstStyle/>
+                    <a:p>
+                      <a:pPr algn="just"/>
+                      <a:r>
+                        <a:rPr lang="sk-SK" sz="2400" b="1" smtClean="0"/>
+                        <a:t>Application</a:t>
+                      </a:r>
+                    </a:p>
+                    <a:p>
+                      <a:r>
+                        <a:rPr lang="sk-SK" sz="2400" smtClean="0"/>
+                        <a:t>Trolledit is an experimental applicaton  based on </a:t>
+                      </a:r>
+                      <a:r>
+                        <a:rPr lang="en-US" sz="2400" smtClean="0"/>
+                        <a:t>multiplatform</a:t>
+                      </a:r>
+                      <a:r>
+                        <a:rPr lang="sk-SK" sz="2400" smtClean="0"/>
+                        <a:t> framework Qt. For parse source code and creating AST we usesing simple a scripting language LUA.</a:t>
+                      </a:r>
+                    </a:p>
+                    <a:p>
+                      <a:endParaRPr lang="sk-SK" sz="2400" kern="1200" dirty="0" err="1" smtClean="0">
+                        <a:solidFill>
+                          <a:schemeClr val="dk1"/>
+                        </a:solidFill>
+                        <a:latin typeface="+mn-lt"/>
+                        <a:ea typeface="+mn-ea"/>
+                        <a:cs typeface="+mn-cs"/>
+                      </a:endParaRPr>
+                    </a:p>
+                  </a:txBody>
+                  <a:tcPr>
+                    <a:lnL w="12700" cap="flat" cmpd="sng" algn="ctr">
+                      <a:noFill/>
+                      <a:prstDash val="solid"/>
+                      <a:round/>
+                      <a:headEnd type="none" w="med" len="med"/>
+                      <a:tailEnd type="none" w="med" len="med"/>
+                    </a:lnL>
+                    <a:lnR w="12700" cap="flat" cmpd="sng" algn="ctr">
+                      <a:noFill/>
+                      <a:prstDash val="solid"/>
+                      <a:round/>
+                      <a:headEnd type="none" w="med" len="med"/>
+                      <a:tailEnd type="none" w="med" len="med"/>
+                    </a:lnR>
+                    <a:lnT w="12700" cap="flat" cmpd="sng" algn="ctr">
+                      <a:noFill/>
+                      <a:prstDash val="solid"/>
+                      <a:round/>
+                      <a:headEnd type="none" w="med" len="med"/>
+                      <a:tailEnd type="none" w="med" len="med"/>
+                    </a:lnT>
+                    <a:lnB w="12700" cap="flat" cmpd="sng" algn="ctr">
+                      <a:noFill/>
+                      <a:prstDash val="solid"/>
+                      <a:round/>
+                      <a:headEnd type="none" w="med" len="med"/>
+                      <a:tailEnd type="none" w="med" len="med"/>
+                    </a:lnB>
+                  </a:tcPr>
+                </a:tc>
+              </a:tr>
+            </a:tbl>
+          </a:graphicData>
+        </a:graphic>
+      </p:graphicFrame>
+      <p:sp>
+        <p:nvSpPr>
+          <p:cNvPr id="107" name="Zaoblený obdĺžnik 106"/>
+          <p:cNvSpPr/>
+          <p:nvPr/>
+        </p:nvSpPr>
+        <p:spPr>
+          <a:xfrm rot="16044899">
+            <a:off x="-9272611" y="7619955"/>
+            <a:ext cx="1071570" cy="6643734"/>
+          </a:xfrm>
+          <a:prstGeom prst="roundRect">
+            <a:avLst/>
+          </a:prstGeom>
+          <a:solidFill>
+            <a:schemeClr val="bg1">
+              <a:lumMod val="95000"/>
+            </a:schemeClr>
+          </a:solidFill>
+          <a:ln>
+            <a:noFill/>
+          </a:ln>
+        </p:spPr>
+        <p:style>
+          <a:lnRef idx="2">
+            <a:schemeClr val="accent1">
+              <a:shade val="50000"/>
+            </a:schemeClr>
+          </a:lnRef>
+          <a:fillRef idx="1">
+            <a:schemeClr val="accent1"/>
+          </a:fillRef>
+          <a:effectRef idx="0">
+            <a:schemeClr val="accent1"/>
+          </a:effectRef>
+          <a:fontRef idx="minor">
+            <a:schemeClr val="lt1"/>
+          </a:fontRef>
+        </p:style>
+        <p:txBody>
+          <a:bodyPr rtlCol="0" anchor="ctr"/>
+          <a:lstStyle/>
+          <a:p>
+            <a:pPr algn="ctr"/>
+            <a:endParaRPr lang="sk-SK">
+              <a:solidFill>
+                <a:schemeClr val="tx1"/>
+              </a:solidFill>
+            </a:endParaRPr>
+          </a:p>
+        </p:txBody>
+      </p:sp>
+      <p:sp>
+        <p:nvSpPr>
+          <p:cNvPr id="98" name="BlokTextu 97"/>
+          <p:cNvSpPr txBox="1"/>
+          <p:nvPr/>
+        </p:nvSpPr>
+        <p:spPr>
+          <a:xfrm rot="21270937">
+            <a:off x="-11385715" y="10359876"/>
+            <a:ext cx="6215106" cy="1015663"/>
+          </a:xfrm>
+          <a:prstGeom prst="rect">
+            <a:avLst/>
+          </a:prstGeom>
+          <a:noFill/>
+        </p:spPr>
+        <p:txBody>
+          <a:bodyPr wrap="square" rtlCol="0">
+            <a:spAutoFit/>
+          </a:bodyPr>
+          <a:lstStyle/>
+          <a:p>
+            <a:r>
+              <a:rPr lang="en-US" sz="6000" b="1" smtClean="0">
+                <a:latin typeface="Buxton Sketch" pitchFamily="66" charset="0"/>
+                <a:cs typeface="Aharoni" pitchFamily="2" charset="-79"/>
+              </a:rPr>
+              <a:t>Your Source Code</a:t>
+            </a:r>
+            <a:endParaRPr lang="sk-SK" sz="6000" b="1" dirty="0" smtClean="0">
+              <a:latin typeface="Buxton Sketch" pitchFamily="66" charset="0"/>
+              <a:cs typeface="Aharoni" pitchFamily="2" charset="-79"/>
+            </a:endParaRPr>
+          </a:p>
+        </p:txBody>
+      </p:sp>
     </p:spTree>
   </p:cSld>
   <p:clrMapOvr>
